--- a/ISTTOK Centroid Position Reconstruction.pptx
+++ b/ISTTOK Centroid Position Reconstruction.pptx
@@ -5,13 +5,17 @@
     <p:sldMasterId id="2147483648" r:id="rId1"/>
   </p:sldMasterIdLst>
   <p:notesMasterIdLst>
-    <p:notesMasterId r:id="rId6"/>
+    <p:notesMasterId r:id="rId10"/>
   </p:notesMasterIdLst>
   <p:sldIdLst>
     <p:sldId id="256" r:id="rId2"/>
     <p:sldId id="259" r:id="rId3"/>
-    <p:sldId id="258" r:id="rId4"/>
-    <p:sldId id="260" r:id="rId5"/>
+    <p:sldId id="261" r:id="rId4"/>
+    <p:sldId id="258" r:id="rId5"/>
+    <p:sldId id="262" r:id="rId6"/>
+    <p:sldId id="263" r:id="rId7"/>
+    <p:sldId id="260" r:id="rId8"/>
+    <p:sldId id="264" r:id="rId9"/>
   </p:sldIdLst>
   <p:sldSz cx="12192000" cy="6858000"/>
   <p:notesSz cx="6858000" cy="9144000"/>
@@ -110,6 +114,11 @@
       </a:defRPr>
     </a:lvl9pPr>
   </p:defaultTextStyle>
+  <p:extLst>
+    <p:ext uri="{EFAFB233-063F-42B5-8137-9DF3F51BA10A}">
+      <p15:sldGuideLst xmlns:p15="http://schemas.microsoft.com/office/powerpoint/2012/main"/>
+    </p:ext>
+  </p:extLst>
 </p:presentation>
 </file>
 
@@ -195,7 +204,7 @@
           <a:p>
             <a:fld id="{BAB3B6D0-7AA0-40FF-8E4A-D9A51D3754E0}" type="datetimeFigureOut">
               <a:rPr lang="en-US" smtClean="0"/>
-              <a:t>3/27/2019</a:t>
+              <a:t>3/28/2019</a:t>
             </a:fld>
             <a:endParaRPr lang="en-US"/>
           </a:p>
@@ -609,7 +618,7 @@
           <a:p>
             <a:fld id="{4A82D780-605F-4E75-B216-DBB30B4C63FD}" type="datetimeFigureOut">
               <a:rPr lang="en-US" smtClean="0"/>
-              <a:t>3/27/2019</a:t>
+              <a:t>3/28/2019</a:t>
             </a:fld>
             <a:endParaRPr lang="en-US"/>
           </a:p>
@@ -807,7 +816,7 @@
           <a:p>
             <a:fld id="{4A82D780-605F-4E75-B216-DBB30B4C63FD}" type="datetimeFigureOut">
               <a:rPr lang="en-US" smtClean="0"/>
-              <a:t>3/27/2019</a:t>
+              <a:t>3/28/2019</a:t>
             </a:fld>
             <a:endParaRPr lang="en-US"/>
           </a:p>
@@ -1015,7 +1024,7 @@
           <a:p>
             <a:fld id="{4A82D780-605F-4E75-B216-DBB30B4C63FD}" type="datetimeFigureOut">
               <a:rPr lang="en-US" smtClean="0"/>
-              <a:t>3/27/2019</a:t>
+              <a:t>3/28/2019</a:t>
             </a:fld>
             <a:endParaRPr lang="en-US"/>
           </a:p>
@@ -1213,7 +1222,7 @@
           <a:p>
             <a:fld id="{4A82D780-605F-4E75-B216-DBB30B4C63FD}" type="datetimeFigureOut">
               <a:rPr lang="en-US" smtClean="0"/>
-              <a:t>3/27/2019</a:t>
+              <a:t>3/28/2019</a:t>
             </a:fld>
             <a:endParaRPr lang="en-US"/>
           </a:p>
@@ -1488,7 +1497,7 @@
           <a:p>
             <a:fld id="{4A82D780-605F-4E75-B216-DBB30B4C63FD}" type="datetimeFigureOut">
               <a:rPr lang="en-US" smtClean="0"/>
-              <a:t>3/27/2019</a:t>
+              <a:t>3/28/2019</a:t>
             </a:fld>
             <a:endParaRPr lang="en-US"/>
           </a:p>
@@ -1753,7 +1762,7 @@
           <a:p>
             <a:fld id="{4A82D780-605F-4E75-B216-DBB30B4C63FD}" type="datetimeFigureOut">
               <a:rPr lang="en-US" smtClean="0"/>
-              <a:t>3/27/2019</a:t>
+              <a:t>3/28/2019</a:t>
             </a:fld>
             <a:endParaRPr lang="en-US"/>
           </a:p>
@@ -2165,7 +2174,7 @@
           <a:p>
             <a:fld id="{4A82D780-605F-4E75-B216-DBB30B4C63FD}" type="datetimeFigureOut">
               <a:rPr lang="en-US" smtClean="0"/>
-              <a:t>3/27/2019</a:t>
+              <a:t>3/28/2019</a:t>
             </a:fld>
             <a:endParaRPr lang="en-US"/>
           </a:p>
@@ -2306,7 +2315,7 @@
           <a:p>
             <a:fld id="{4A82D780-605F-4E75-B216-DBB30B4C63FD}" type="datetimeFigureOut">
               <a:rPr lang="en-US" smtClean="0"/>
-              <a:t>3/27/2019</a:t>
+              <a:t>3/28/2019</a:t>
             </a:fld>
             <a:endParaRPr lang="en-US"/>
           </a:p>
@@ -2419,7 +2428,7 @@
           <a:p>
             <a:fld id="{4A82D780-605F-4E75-B216-DBB30B4C63FD}" type="datetimeFigureOut">
               <a:rPr lang="en-US" smtClean="0"/>
-              <a:t>3/27/2019</a:t>
+              <a:t>3/28/2019</a:t>
             </a:fld>
             <a:endParaRPr lang="en-US"/>
           </a:p>
@@ -2730,7 +2739,7 @@
           <a:p>
             <a:fld id="{4A82D780-605F-4E75-B216-DBB30B4C63FD}" type="datetimeFigureOut">
               <a:rPr lang="en-US" smtClean="0"/>
-              <a:t>3/27/2019</a:t>
+              <a:t>3/28/2019</a:t>
             </a:fld>
             <a:endParaRPr lang="en-US"/>
           </a:p>
@@ -3018,7 +3027,7 @@
           <a:p>
             <a:fld id="{4A82D780-605F-4E75-B216-DBB30B4C63FD}" type="datetimeFigureOut">
               <a:rPr lang="en-US" smtClean="0"/>
-              <a:t>3/27/2019</a:t>
+              <a:t>3/28/2019</a:t>
             </a:fld>
             <a:endParaRPr lang="en-US"/>
           </a:p>
@@ -3259,7 +3268,7 @@
           <a:p>
             <a:fld id="{4A82D780-605F-4E75-B216-DBB30B4C63FD}" type="datetimeFigureOut">
               <a:rPr lang="en-US" smtClean="0"/>
-              <a:t>3/27/2019</a:t>
+              <a:t>3/28/2019</a:t>
             </a:fld>
             <a:endParaRPr lang="en-US"/>
           </a:p>
@@ -3775,7 +3784,7 @@
         <p:spPr>
           <a:xfrm>
             <a:off x="136124" y="108476"/>
-            <a:ext cx="3663182" cy="477054"/>
+            <a:ext cx="3770584" cy="477054"/>
           </a:xfrm>
           <a:prstGeom prst="rect">
             <a:avLst/>
@@ -3802,7 +3811,7 @@
                 <a:latin typeface="Arial" panose="020B0604020202020204" pitchFamily="34" charset="0"/>
                 <a:cs typeface="Arial" panose="020B0604020202020204" pitchFamily="34" charset="0"/>
               </a:rPr>
-              <a:t>Multifilamentary</a:t>
+              <a:t>Multi-filamentary</a:t>
             </a:r>
             <a:r>
               <a:rPr lang="es-MX" sz="2500" b="1" dirty="0">
@@ -3833,6 +3842,644 @@
               <a:latin typeface="Arial" panose="020B0604020202020204" pitchFamily="34" charset="0"/>
               <a:cs typeface="Arial" panose="020B0604020202020204" pitchFamily="34" charset="0"/>
             </a:endParaRPr>
+          </a:p>
+        </p:txBody>
+      </p:sp>
+      <p:sp>
+        <p:nvSpPr>
+          <p:cNvPr id="5" name="Rectangle 4">
+            <a:extLst>
+              <a:ext uri="{FF2B5EF4-FFF2-40B4-BE49-F238E27FC236}">
+                <a16:creationId xmlns:a16="http://schemas.microsoft.com/office/drawing/2014/main" id="{79EDB47B-AAA1-4EA3-A880-19F30719647F}"/>
+              </a:ext>
+            </a:extLst>
+          </p:cNvPr>
+          <p:cNvSpPr/>
+          <p:nvPr/>
+        </p:nvSpPr>
+        <p:spPr>
+          <a:xfrm>
+            <a:off x="581890" y="6323598"/>
+            <a:ext cx="8556890" cy="338554"/>
+          </a:xfrm>
+          <a:prstGeom prst="rect">
+            <a:avLst/>
+          </a:prstGeom>
+        </p:spPr>
+        <p:txBody>
+          <a:bodyPr wrap="square">
+            <a:spAutoFit/>
+          </a:bodyPr>
+          <a:lstStyle/>
+          <a:p>
+            <a:pPr>
+              <a:buFont typeface="Arial" panose="020B0604020202020204" pitchFamily="34" charset="0"/>
+              <a:buChar char="•"/>
+            </a:pPr>
+            <a:r>
+              <a:rPr lang="en-US" sz="1600" dirty="0" err="1">
+                <a:solidFill>
+                  <a:srgbClr val="777777"/>
+                </a:solidFill>
+                <a:latin typeface="Open Sans"/>
+              </a:rPr>
+              <a:t>Pironti</a:t>
+            </a:r>
+            <a:r>
+              <a:rPr lang="en-US" sz="1600" dirty="0">
+                <a:solidFill>
+                  <a:srgbClr val="777777"/>
+                </a:solidFill>
+                <a:latin typeface="Open Sans"/>
+              </a:rPr>
+              <a:t> A., </a:t>
+            </a:r>
+            <a:r>
+              <a:rPr lang="en-US" sz="1600" i="1" dirty="0">
+                <a:solidFill>
+                  <a:srgbClr val="777777"/>
+                </a:solidFill>
+                <a:latin typeface="Open Sans"/>
+              </a:rPr>
+              <a:t>Magnetic Control of Tokamak Plasmas</a:t>
+            </a:r>
+            <a:r>
+              <a:rPr lang="en-US" sz="1600" dirty="0">
+                <a:solidFill>
+                  <a:srgbClr val="777777"/>
+                </a:solidFill>
+                <a:latin typeface="Open Sans"/>
+              </a:rPr>
+              <a:t>, 2</a:t>
+            </a:r>
+            <a:r>
+              <a:rPr lang="en-US" sz="1600" baseline="30000" dirty="0">
+                <a:solidFill>
+                  <a:srgbClr val="777777"/>
+                </a:solidFill>
+                <a:latin typeface="Open Sans"/>
+              </a:rPr>
+              <a:t>nd</a:t>
+            </a:r>
+            <a:r>
+              <a:rPr lang="en-US" sz="1600" dirty="0">
+                <a:solidFill>
+                  <a:srgbClr val="777777"/>
+                </a:solidFill>
+                <a:latin typeface="Open Sans"/>
+              </a:rPr>
+              <a:t> ed. Springer, 2016</a:t>
+            </a:r>
+            <a:endParaRPr lang="en-US" sz="1600" b="0" i="0" dirty="0">
+              <a:solidFill>
+                <a:srgbClr val="777777"/>
+              </a:solidFill>
+              <a:effectLst/>
+              <a:latin typeface="Open Sans"/>
+            </a:endParaRPr>
+          </a:p>
+        </p:txBody>
+      </p:sp>
+      <mc:AlternateContent xmlns:mc="http://schemas.openxmlformats.org/markup-compatibility/2006">
+        <mc:Choice xmlns:a14="http://schemas.microsoft.com/office/drawing/2010/main" Requires="a14">
+          <p:sp>
+            <p:nvSpPr>
+              <p:cNvPr id="6" name="Rectangle 5">
+                <a:extLst>
+                  <a:ext uri="{FF2B5EF4-FFF2-40B4-BE49-F238E27FC236}">
+                    <a16:creationId xmlns:a16="http://schemas.microsoft.com/office/drawing/2014/main" id="{71A8E57C-437C-47A9-AE4F-B531CEE2EA5E}"/>
+                  </a:ext>
+                </a:extLst>
+              </p:cNvPr>
+              <p:cNvSpPr/>
+              <p:nvPr/>
+            </p:nvSpPr>
+            <p:spPr>
+              <a:xfrm>
+                <a:off x="6821804" y="1082810"/>
+                <a:ext cx="1712264" cy="506870"/>
+              </a:xfrm>
+              <a:prstGeom prst="rect">
+                <a:avLst/>
+              </a:prstGeom>
+            </p:spPr>
+            <p:txBody>
+              <a:bodyPr wrap="none">
+                <a:spAutoFit/>
+              </a:bodyPr>
+              <a:lstStyle/>
+              <a:p>
+                <a:pPr/>
+                <a14:m>
+                  <m:oMathPara xmlns:m="http://schemas.openxmlformats.org/officeDocument/2006/math">
+                    <m:oMathParaPr>
+                      <m:jc m:val="centerGroup"/>
+                    </m:oMathParaPr>
+                    <m:oMath xmlns:m="http://schemas.openxmlformats.org/officeDocument/2006/math">
+                      <m:sSub>
+                        <m:sSubPr>
+                          <m:ctrlPr>
+                            <a:rPr lang="es-MX" sz="2000" b="0" i="1" smtClean="0">
+                              <a:latin typeface="Cambria Math" panose="02040503050406030204" pitchFamily="18" charset="0"/>
+                            </a:rPr>
+                          </m:ctrlPr>
+                        </m:sSubPr>
+                        <m:e>
+                          <m:r>
+                            <a:rPr lang="es-MX" sz="2000" b="0" i="1" smtClean="0">
+                              <a:latin typeface="Cambria Math" panose="02040503050406030204" pitchFamily="18" charset="0"/>
+                            </a:rPr>
+                            <m:t>𝑖</m:t>
+                          </m:r>
+                        </m:e>
+                        <m:sub>
+                          <m:r>
+                            <a:rPr lang="es-MX" sz="2000" b="0" i="1" smtClean="0">
+                              <a:latin typeface="Cambria Math" panose="02040503050406030204" pitchFamily="18" charset="0"/>
+                            </a:rPr>
+                            <m:t>𝑝</m:t>
+                          </m:r>
+                          <m:r>
+                            <a:rPr lang="es-MX" sz="2000" b="0" i="1" smtClean="0">
+                              <a:latin typeface="Cambria Math" panose="02040503050406030204" pitchFamily="18" charset="0"/>
+                            </a:rPr>
+                            <m:t>,</m:t>
+                          </m:r>
+                          <m:r>
+                            <a:rPr lang="es-MX" sz="2000" b="0" i="1" smtClean="0">
+                              <a:latin typeface="Cambria Math" panose="02040503050406030204" pitchFamily="18" charset="0"/>
+                            </a:rPr>
+                            <m:t>𝑓</m:t>
+                          </m:r>
+                        </m:sub>
+                      </m:sSub>
+                      <m:r>
+                        <a:rPr lang="es-MX" sz="2000" b="0" i="1" smtClean="0">
+                          <a:latin typeface="Cambria Math" panose="02040503050406030204" pitchFamily="18" charset="0"/>
+                        </a:rPr>
+                        <m:t>=</m:t>
+                      </m:r>
+                      <m:sSubSup>
+                        <m:sSubSupPr>
+                          <m:ctrlPr>
+                            <a:rPr lang="es-MX" sz="2000" b="0" i="1" smtClean="0">
+                              <a:latin typeface="Cambria Math" panose="02040503050406030204" pitchFamily="18" charset="0"/>
+                            </a:rPr>
+                          </m:ctrlPr>
+                        </m:sSubSupPr>
+                        <m:e>
+                          <m:r>
+                            <a:rPr lang="es-MX" sz="2000" b="0" i="1" smtClean="0">
+                              <a:latin typeface="Cambria Math" panose="02040503050406030204" pitchFamily="18" charset="0"/>
+                            </a:rPr>
+                            <m:t>𝑀</m:t>
+                          </m:r>
+                        </m:e>
+                        <m:sub>
+                          <m:r>
+                            <a:rPr lang="es-MX" sz="2000" b="0" i="1" smtClean="0">
+                              <a:latin typeface="Cambria Math" panose="02040503050406030204" pitchFamily="18" charset="0"/>
+                            </a:rPr>
+                            <m:t>𝑓𝑝</m:t>
+                          </m:r>
+                        </m:sub>
+                        <m:sup>
+                          <m:r>
+                            <m:rPr>
+                              <m:nor/>
+                            </m:rPr>
+                            <a:rPr lang="en-US" sz="2000" i="1"/>
+                            <m:t>†</m:t>
+                          </m:r>
+                        </m:sup>
+                      </m:sSubSup>
+                      <m:sSub>
+                        <m:sSubPr>
+                          <m:ctrlPr>
+                            <a:rPr lang="es-MX" sz="2000" b="0" i="1" smtClean="0">
+                              <a:latin typeface="Cambria Math" panose="02040503050406030204" pitchFamily="18" charset="0"/>
+                            </a:rPr>
+                          </m:ctrlPr>
+                        </m:sSubPr>
+                        <m:e>
+                          <m:r>
+                            <a:rPr lang="es-MX" sz="2000" b="0" i="1" smtClean="0">
+                              <a:latin typeface="Cambria Math" panose="02040503050406030204" pitchFamily="18" charset="0"/>
+                            </a:rPr>
+                            <m:t> </m:t>
+                          </m:r>
+                          <m:r>
+                            <a:rPr lang="es-MX" sz="2000" b="0" i="1" smtClean="0">
+                              <a:latin typeface="Cambria Math" panose="02040503050406030204" pitchFamily="18" charset="0"/>
+                            </a:rPr>
+                            <m:t>𝑓</m:t>
+                          </m:r>
+                        </m:e>
+                        <m:sub>
+                          <m:r>
+                            <a:rPr lang="es-MX" sz="2000" b="0" i="1" smtClean="0">
+                              <a:latin typeface="Cambria Math" panose="02040503050406030204" pitchFamily="18" charset="0"/>
+                            </a:rPr>
+                            <m:t>𝑝</m:t>
+                          </m:r>
+                        </m:sub>
+                      </m:sSub>
+                      <m:r>
+                        <a:rPr lang="es-MX" sz="2000" b="0" i="1" smtClean="0">
+                          <a:latin typeface="Cambria Math" panose="02040503050406030204" pitchFamily="18" charset="0"/>
+                        </a:rPr>
+                        <m:t> </m:t>
+                      </m:r>
+                    </m:oMath>
+                  </m:oMathPara>
+                </a14:m>
+                <a:endParaRPr lang="en-US" sz="2000" dirty="0"/>
+              </a:p>
+            </p:txBody>
+          </p:sp>
+        </mc:Choice>
+        <mc:Fallback>
+          <p:sp>
+            <p:nvSpPr>
+              <p:cNvPr id="6" name="Rectangle 5">
+                <a:extLst>
+                  <a:ext uri="{FF2B5EF4-FFF2-40B4-BE49-F238E27FC236}">
+                    <a16:creationId xmlns:a16="http://schemas.microsoft.com/office/drawing/2014/main" id="{71A8E57C-437C-47A9-AE4F-B531CEE2EA5E}"/>
+                  </a:ext>
+                </a:extLst>
+              </p:cNvPr>
+              <p:cNvSpPr>
+                <a:spLocks noRot="1" noChangeAspect="1" noMove="1" noResize="1" noEditPoints="1" noAdjustHandles="1" noChangeArrowheads="1" noChangeShapeType="1" noTextEdit="1"/>
+              </p:cNvSpPr>
+              <p:nvPr/>
+            </p:nvSpPr>
+            <p:spPr>
+              <a:xfrm>
+                <a:off x="6821804" y="1082810"/>
+                <a:ext cx="1712264" cy="506870"/>
+              </a:xfrm>
+              <a:prstGeom prst="rect">
+                <a:avLst/>
+              </a:prstGeom>
+              <a:blipFill>
+                <a:blip r:embed="rId2"/>
+                <a:stretch>
+                  <a:fillRect/>
+                </a:stretch>
+              </a:blipFill>
+            </p:spPr>
+            <p:txBody>
+              <a:bodyPr/>
+              <a:lstStyle/>
+              <a:p>
+                <a:r>
+                  <a:rPr lang="en-US">
+                    <a:noFill/>
+                  </a:rPr>
+                  <a:t> </a:t>
+                </a:r>
+              </a:p>
+            </p:txBody>
+          </p:sp>
+        </mc:Fallback>
+      </mc:AlternateContent>
+      <mc:AlternateContent xmlns:mc="http://schemas.openxmlformats.org/markup-compatibility/2006">
+        <mc:Choice xmlns:a14="http://schemas.microsoft.com/office/drawing/2010/main" Requires="a14">
+          <p:sp>
+            <p:nvSpPr>
+              <p:cNvPr id="7" name="Rectangle 6">
+                <a:extLst>
+                  <a:ext uri="{FF2B5EF4-FFF2-40B4-BE49-F238E27FC236}">
+                    <a16:creationId xmlns:a16="http://schemas.microsoft.com/office/drawing/2014/main" id="{01AEE8CF-955E-4FCA-957A-E55602564C10}"/>
+                  </a:ext>
+                </a:extLst>
+              </p:cNvPr>
+              <p:cNvSpPr/>
+              <p:nvPr/>
+            </p:nvSpPr>
+            <p:spPr>
+              <a:xfrm>
+                <a:off x="6787328" y="2005783"/>
+                <a:ext cx="4668427" cy="945580"/>
+              </a:xfrm>
+              <a:prstGeom prst="rect">
+                <a:avLst/>
+              </a:prstGeom>
+            </p:spPr>
+            <p:txBody>
+              <a:bodyPr wrap="square">
+                <a:spAutoFit/>
+              </a:bodyPr>
+              <a:lstStyle/>
+              <a:p>
+                <a:pPr algn="just"/>
+                <a14:m>
+                  <m:oMath xmlns:m="http://schemas.openxmlformats.org/officeDocument/2006/math">
+                    <m:sSub>
+                      <m:sSubPr>
+                        <m:ctrlPr>
+                          <a:rPr lang="es-MX" i="1">
+                            <a:latin typeface="Cambria Math" panose="02040503050406030204" pitchFamily="18" charset="0"/>
+                          </a:rPr>
+                        </m:ctrlPr>
+                      </m:sSubPr>
+                      <m:e>
+                        <m:r>
+                          <a:rPr lang="es-MX" i="1">
+                            <a:latin typeface="Cambria Math" panose="02040503050406030204" pitchFamily="18" charset="0"/>
+                          </a:rPr>
+                          <m:t>𝑀</m:t>
+                        </m:r>
+                      </m:e>
+                      <m:sub>
+                        <m:r>
+                          <a:rPr lang="es-MX" i="1">
+                            <a:latin typeface="Cambria Math" panose="02040503050406030204" pitchFamily="18" charset="0"/>
+                          </a:rPr>
+                          <m:t>𝑓𝑝</m:t>
+                        </m:r>
+                      </m:sub>
+                    </m:sSub>
+                  </m:oMath>
+                </a14:m>
+                <a:r>
+                  <a:rPr lang="en-US" dirty="0"/>
+                  <a:t> 	Matrix whose </a:t>
+                </a:r>
+                <a:r>
+                  <a:rPr lang="en-US" i="1" dirty="0" err="1"/>
+                  <a:t>ij</a:t>
+                </a:r>
+                <a:r>
+                  <a:rPr lang="en-US" dirty="0"/>
+                  <a:t>-element gives the contribution to the measurement</a:t>
+                </a:r>
+                <a:r>
+                  <a:rPr lang="en-US" i="1" dirty="0"/>
+                  <a:t> </a:t>
+                </a:r>
+                <a:r>
+                  <a:rPr lang="en-US" i="1" dirty="0" err="1"/>
+                  <a:t>i</a:t>
+                </a:r>
+                <a:r>
+                  <a:rPr lang="en-US" i="1" dirty="0"/>
+                  <a:t> </a:t>
+                </a:r>
+                <a:r>
+                  <a:rPr lang="en-US" dirty="0"/>
+                  <a:t>of a unitary current in the filament </a:t>
+                </a:r>
+                <a:r>
+                  <a:rPr lang="en-US" i="1" dirty="0"/>
+                  <a:t>j</a:t>
+                </a:r>
+              </a:p>
+            </p:txBody>
+          </p:sp>
+        </mc:Choice>
+        <mc:Fallback>
+          <p:sp>
+            <p:nvSpPr>
+              <p:cNvPr id="7" name="Rectangle 6">
+                <a:extLst>
+                  <a:ext uri="{FF2B5EF4-FFF2-40B4-BE49-F238E27FC236}">
+                    <a16:creationId xmlns:a16="http://schemas.microsoft.com/office/drawing/2014/main" id="{01AEE8CF-955E-4FCA-957A-E55602564C10}"/>
+                  </a:ext>
+                </a:extLst>
+              </p:cNvPr>
+              <p:cNvSpPr>
+                <a:spLocks noRot="1" noChangeAspect="1" noMove="1" noResize="1" noEditPoints="1" noAdjustHandles="1" noChangeArrowheads="1" noChangeShapeType="1" noTextEdit="1"/>
+              </p:cNvSpPr>
+              <p:nvPr/>
+            </p:nvSpPr>
+            <p:spPr>
+              <a:xfrm>
+                <a:off x="6787328" y="2005783"/>
+                <a:ext cx="4668427" cy="945580"/>
+              </a:xfrm>
+              <a:prstGeom prst="rect">
+                <a:avLst/>
+              </a:prstGeom>
+              <a:blipFill>
+                <a:blip r:embed="rId3"/>
+                <a:stretch>
+                  <a:fillRect l="-1044" t="-2581" r="-1175" b="-9677"/>
+                </a:stretch>
+              </a:blipFill>
+            </p:spPr>
+            <p:txBody>
+              <a:bodyPr/>
+              <a:lstStyle/>
+              <a:p>
+                <a:r>
+                  <a:rPr lang="en-US">
+                    <a:noFill/>
+                  </a:rPr>
+                  <a:t> </a:t>
+                </a:r>
+              </a:p>
+            </p:txBody>
+          </p:sp>
+        </mc:Fallback>
+      </mc:AlternateContent>
+      <mc:AlternateContent xmlns:mc="http://schemas.openxmlformats.org/markup-compatibility/2006">
+        <mc:Choice xmlns:a14="http://schemas.microsoft.com/office/drawing/2010/main" Requires="a14">
+          <p:sp>
+            <p:nvSpPr>
+              <p:cNvPr id="8" name="Rectangle 7">
+                <a:extLst>
+                  <a:ext uri="{FF2B5EF4-FFF2-40B4-BE49-F238E27FC236}">
+                    <a16:creationId xmlns:a16="http://schemas.microsoft.com/office/drawing/2014/main" id="{0DFDE077-E8CF-4226-A25B-AF48CC20B8C9}"/>
+                  </a:ext>
+                </a:extLst>
+              </p:cNvPr>
+              <p:cNvSpPr/>
+              <p:nvPr/>
+            </p:nvSpPr>
+            <p:spPr>
+              <a:xfrm>
+                <a:off x="6821804" y="3276700"/>
+                <a:ext cx="4633951" cy="944746"/>
+              </a:xfrm>
+              <a:prstGeom prst="rect">
+                <a:avLst/>
+              </a:prstGeom>
+            </p:spPr>
+            <p:txBody>
+              <a:bodyPr wrap="square">
+                <a:spAutoFit/>
+              </a:bodyPr>
+              <a:lstStyle/>
+              <a:p>
+                <a:pPr algn="just"/>
+                <a14:m>
+                  <m:oMath xmlns:m="http://schemas.openxmlformats.org/officeDocument/2006/math">
+                    <m:sSub>
+                      <m:sSubPr>
+                        <m:ctrlPr>
+                          <a:rPr lang="es-MX" i="1" smtClean="0">
+                            <a:latin typeface="Cambria Math" panose="02040503050406030204" pitchFamily="18" charset="0"/>
+                          </a:rPr>
+                        </m:ctrlPr>
+                      </m:sSubPr>
+                      <m:e>
+                        <m:r>
+                          <a:rPr lang="es-MX" i="1">
+                            <a:latin typeface="Cambria Math" panose="02040503050406030204" pitchFamily="18" charset="0"/>
+                          </a:rPr>
+                          <m:t>𝑓</m:t>
+                        </m:r>
+                      </m:e>
+                      <m:sub>
+                        <m:r>
+                          <a:rPr lang="es-MX" i="1">
+                            <a:latin typeface="Cambria Math" panose="02040503050406030204" pitchFamily="18" charset="0"/>
+                          </a:rPr>
+                          <m:t>𝑝</m:t>
+                        </m:r>
+                      </m:sub>
+                    </m:sSub>
+                    <m:r>
+                      <a:rPr lang="es-MX" i="1">
+                        <a:latin typeface="Cambria Math" panose="02040503050406030204" pitchFamily="18" charset="0"/>
+                      </a:rPr>
+                      <m:t> </m:t>
+                    </m:r>
+                    <m:r>
+                      <a:rPr lang="pt-PT" b="0" i="1" smtClean="0">
+                        <a:latin typeface="Cambria Math" panose="02040503050406030204" pitchFamily="18" charset="0"/>
+                      </a:rPr>
+                      <m:t> </m:t>
+                    </m:r>
+                  </m:oMath>
+                </a14:m>
+                <a:r>
+                  <a:rPr lang="en-US" dirty="0"/>
+                  <a:t>	Represents the measurement vector where the contribution given by the poloidal field coils has been subtracted</a:t>
+                </a:r>
+              </a:p>
+            </p:txBody>
+          </p:sp>
+        </mc:Choice>
+        <mc:Fallback>
+          <p:sp>
+            <p:nvSpPr>
+              <p:cNvPr id="8" name="Rectangle 7">
+                <a:extLst>
+                  <a:ext uri="{FF2B5EF4-FFF2-40B4-BE49-F238E27FC236}">
+                    <a16:creationId xmlns:a16="http://schemas.microsoft.com/office/drawing/2014/main" id="{0DFDE077-E8CF-4226-A25B-AF48CC20B8C9}"/>
+                  </a:ext>
+                </a:extLst>
+              </p:cNvPr>
+              <p:cNvSpPr>
+                <a:spLocks noRot="1" noChangeAspect="1" noMove="1" noResize="1" noEditPoints="1" noAdjustHandles="1" noChangeArrowheads="1" noChangeShapeType="1" noTextEdit="1"/>
+              </p:cNvSpPr>
+              <p:nvPr/>
+            </p:nvSpPr>
+            <p:spPr>
+              <a:xfrm>
+                <a:off x="6821804" y="3276700"/>
+                <a:ext cx="4633951" cy="944746"/>
+              </a:xfrm>
+              <a:prstGeom prst="rect">
+                <a:avLst/>
+              </a:prstGeom>
+              <a:blipFill>
+                <a:blip r:embed="rId4"/>
+                <a:stretch>
+                  <a:fillRect l="-1053" t="-3247" r="-1184" b="-10390"/>
+                </a:stretch>
+              </a:blipFill>
+            </p:spPr>
+            <p:txBody>
+              <a:bodyPr/>
+              <a:lstStyle/>
+              <a:p>
+                <a:r>
+                  <a:rPr lang="en-US">
+                    <a:noFill/>
+                  </a:rPr>
+                  <a:t> </a:t>
+                </a:r>
+              </a:p>
+            </p:txBody>
+          </p:sp>
+        </mc:Fallback>
+      </mc:AlternateContent>
+      <p:pic>
+        <p:nvPicPr>
+          <p:cNvPr id="14" name="Picture 13">
+            <a:extLst>
+              <a:ext uri="{FF2B5EF4-FFF2-40B4-BE49-F238E27FC236}">
+                <a16:creationId xmlns:a16="http://schemas.microsoft.com/office/drawing/2014/main" id="{5F913F8E-7928-4D15-8F70-6E203A724999}"/>
+              </a:ext>
+            </a:extLst>
+          </p:cNvPr>
+          <p:cNvPicPr>
+            <a:picLocks noChangeAspect="1"/>
+          </p:cNvPicPr>
+          <p:nvPr/>
+        </p:nvPicPr>
+        <p:blipFill rotWithShape="1">
+          <a:blip r:embed="rId5">
+            <a:extLst>
+              <a:ext uri="{28A0092B-C50C-407E-A947-70E740481C1C}">
+                <a14:useLocalDpi xmlns:a14="http://schemas.microsoft.com/office/drawing/2010/main" val="0"/>
+              </a:ext>
+            </a:extLst>
+          </a:blip>
+          <a:srcRect l="28617" r="28641"/>
+          <a:stretch/>
+        </p:blipFill>
+        <p:spPr>
+          <a:xfrm>
+            <a:off x="79902" y="786599"/>
+            <a:ext cx="6427433" cy="5363323"/>
+          </a:xfrm>
+          <a:prstGeom prst="rect">
+            <a:avLst/>
+          </a:prstGeom>
+        </p:spPr>
+      </p:pic>
+      <p:sp>
+        <p:nvSpPr>
+          <p:cNvPr id="15" name="Rectangle 14">
+            <a:extLst>
+              <a:ext uri="{FF2B5EF4-FFF2-40B4-BE49-F238E27FC236}">
+                <a16:creationId xmlns:a16="http://schemas.microsoft.com/office/drawing/2014/main" id="{45F3C1DE-FC31-4E7B-9377-22082208CD7D}"/>
+              </a:ext>
+            </a:extLst>
+          </p:cNvPr>
+          <p:cNvSpPr/>
+          <p:nvPr/>
+        </p:nvSpPr>
+        <p:spPr>
+          <a:xfrm>
+            <a:off x="6973763" y="4592583"/>
+            <a:ext cx="4559966" cy="646331"/>
+          </a:xfrm>
+          <a:prstGeom prst="rect">
+            <a:avLst/>
+          </a:prstGeom>
+        </p:spPr>
+        <p:txBody>
+          <a:bodyPr wrap="none">
+            <a:spAutoFit/>
+          </a:bodyPr>
+          <a:lstStyle/>
+          <a:p>
+            <a:r>
+              <a:rPr lang="en-US" dirty="0"/>
+              <a:t>SVD – Singular Value Decomposition for matrix</a:t>
+            </a:r>
+            <a:br>
+              <a:rPr lang="en-US" dirty="0"/>
+            </a:br>
+            <a:r>
+              <a:rPr lang="en-US" dirty="0"/>
+              <a:t>pseudo-inversion</a:t>
+            </a:r>
           </a:p>
         </p:txBody>
       </p:sp>
@@ -3850,6 +4497,3599 @@
 </file>
 
 <file path=ppt/slides/slide3.xml><?xml version="1.0" encoding="utf-8"?>
+<p:sld xmlns:a="http://schemas.openxmlformats.org/drawingml/2006/main" xmlns:r="http://schemas.openxmlformats.org/officeDocument/2006/relationships" xmlns:p="http://schemas.openxmlformats.org/presentationml/2006/main">
+  <p:cSld>
+    <p:spTree>
+      <p:nvGrpSpPr>
+        <p:cNvPr id="1" name=""/>
+        <p:cNvGrpSpPr/>
+        <p:nvPr/>
+      </p:nvGrpSpPr>
+      <p:grpSpPr>
+        <a:xfrm>
+          <a:off x="0" y="0"/>
+          <a:ext cx="0" cy="0"/>
+          <a:chOff x="0" y="0"/>
+          <a:chExt cx="0" cy="0"/>
+        </a:xfrm>
+      </p:grpSpPr>
+      <mc:AlternateContent xmlns:mc="http://schemas.openxmlformats.org/markup-compatibility/2006">
+        <mc:Choice xmlns:a14="http://schemas.microsoft.com/office/drawing/2010/main" Requires="a14">
+          <p:sp>
+            <p:nvSpPr>
+              <p:cNvPr id="2" name="TextBox 1">
+                <a:extLst>
+                  <a:ext uri="{FF2B5EF4-FFF2-40B4-BE49-F238E27FC236}">
+                    <a16:creationId xmlns:a16="http://schemas.microsoft.com/office/drawing/2014/main" id="{4293224A-34AA-4CE1-83FF-24C9C2B1F0D9}"/>
+                  </a:ext>
+                </a:extLst>
+              </p:cNvPr>
+              <p:cNvSpPr txBox="1"/>
+              <p:nvPr/>
+            </p:nvSpPr>
+            <p:spPr>
+              <a:xfrm>
+                <a:off x="950473" y="4269876"/>
+                <a:ext cx="3504997" cy="467692"/>
+              </a:xfrm>
+              <a:prstGeom prst="rect">
+                <a:avLst/>
+              </a:prstGeom>
+              <a:noFill/>
+            </p:spPr>
+            <p:txBody>
+              <a:bodyPr wrap="none" lIns="0" tIns="0" rIns="0" bIns="0" rtlCol="0">
+                <a:spAutoFit/>
+              </a:bodyPr>
+              <a:lstStyle/>
+              <a:p>
+                <a:pPr/>
+                <a14:m>
+                  <m:oMathPara xmlns:m="http://schemas.openxmlformats.org/officeDocument/2006/math">
+                    <m:oMathParaPr>
+                      <m:jc m:val="centerGroup"/>
+                    </m:oMathParaPr>
+                    <m:oMath xmlns:m="http://schemas.openxmlformats.org/officeDocument/2006/math">
+                      <m:r>
+                        <a:rPr lang="es-MX" b="0" i="1" smtClean="0">
+                          <a:latin typeface="Cambria Math" panose="02040503050406030204" pitchFamily="18" charset="0"/>
+                        </a:rPr>
+                        <m:t>𝐴</m:t>
+                      </m:r>
+                      <m:r>
+                        <a:rPr lang="es-MX" b="0" i="1" smtClean="0">
+                          <a:latin typeface="Cambria Math" panose="02040503050406030204" pitchFamily="18" charset="0"/>
+                        </a:rPr>
+                        <m:t>=</m:t>
+                      </m:r>
+                      <m:r>
+                        <a:rPr lang="es-MX" b="0" i="1" smtClean="0">
+                          <a:latin typeface="Cambria Math" panose="02040503050406030204" pitchFamily="18" charset="0"/>
+                        </a:rPr>
+                        <m:t>𝑈𝑆</m:t>
+                      </m:r>
+                      <m:sSup>
+                        <m:sSupPr>
+                          <m:ctrlPr>
+                            <a:rPr lang="es-MX" b="0" i="1" smtClean="0">
+                              <a:latin typeface="Cambria Math" panose="02040503050406030204" pitchFamily="18" charset="0"/>
+                            </a:rPr>
+                          </m:ctrlPr>
+                        </m:sSupPr>
+                        <m:e>
+                          <m:r>
+                            <a:rPr lang="es-MX" b="0" i="1" smtClean="0">
+                              <a:latin typeface="Cambria Math" panose="02040503050406030204" pitchFamily="18" charset="0"/>
+                            </a:rPr>
+                            <m:t>𝑉</m:t>
+                          </m:r>
+                        </m:e>
+                        <m:sup>
+                          <m:r>
+                            <a:rPr lang="es-MX" b="0" i="1" smtClean="0">
+                              <a:latin typeface="Cambria Math" panose="02040503050406030204" pitchFamily="18" charset="0"/>
+                            </a:rPr>
+                            <m:t>∗</m:t>
+                          </m:r>
+                        </m:sup>
+                      </m:sSup>
+                      <m:r>
+                        <a:rPr lang="es-MX" b="0" i="1" smtClean="0">
+                          <a:latin typeface="Cambria Math" panose="02040503050406030204" pitchFamily="18" charset="0"/>
+                        </a:rPr>
+                        <m:t>=</m:t>
+                      </m:r>
+                      <m:d>
+                        <m:dPr>
+                          <m:begChr m:val="["/>
+                          <m:endChr m:val="]"/>
+                          <m:ctrlPr>
+                            <a:rPr lang="es-MX" b="0" i="1" smtClean="0">
+                              <a:latin typeface="Cambria Math" panose="02040503050406030204" pitchFamily="18" charset="0"/>
+                            </a:rPr>
+                          </m:ctrlPr>
+                        </m:dPr>
+                        <m:e>
+                          <m:sSub>
+                            <m:sSubPr>
+                              <m:ctrlPr>
+                                <a:rPr lang="es-MX" b="0" i="1" smtClean="0">
+                                  <a:latin typeface="Cambria Math" panose="02040503050406030204" pitchFamily="18" charset="0"/>
+                                </a:rPr>
+                              </m:ctrlPr>
+                            </m:sSubPr>
+                            <m:e>
+                              <m:r>
+                                <a:rPr lang="es-MX" b="0" i="1" smtClean="0">
+                                  <a:latin typeface="Cambria Math" panose="02040503050406030204" pitchFamily="18" charset="0"/>
+                                </a:rPr>
+                                <m:t>𝑈</m:t>
+                              </m:r>
+                            </m:e>
+                            <m:sub>
+                              <m:r>
+                                <a:rPr lang="es-MX" b="0" i="1" smtClean="0">
+                                  <a:latin typeface="Cambria Math" panose="02040503050406030204" pitchFamily="18" charset="0"/>
+                                </a:rPr>
+                                <m:t>1</m:t>
+                              </m:r>
+                            </m:sub>
+                          </m:sSub>
+                          <m:sSub>
+                            <m:sSubPr>
+                              <m:ctrlPr>
+                                <a:rPr lang="es-MX" b="0" i="1" smtClean="0">
+                                  <a:latin typeface="Cambria Math" panose="02040503050406030204" pitchFamily="18" charset="0"/>
+                                </a:rPr>
+                              </m:ctrlPr>
+                            </m:sSubPr>
+                            <m:e>
+                              <m:r>
+                                <a:rPr lang="es-MX" b="0" i="1" smtClean="0">
+                                  <a:latin typeface="Cambria Math" panose="02040503050406030204" pitchFamily="18" charset="0"/>
+                                </a:rPr>
+                                <m:t>𝑈</m:t>
+                              </m:r>
+                            </m:e>
+                            <m:sub>
+                              <m:r>
+                                <a:rPr lang="es-MX" b="0" i="1" smtClean="0">
+                                  <a:latin typeface="Cambria Math" panose="02040503050406030204" pitchFamily="18" charset="0"/>
+                                </a:rPr>
+                                <m:t>2</m:t>
+                              </m:r>
+                            </m:sub>
+                          </m:sSub>
+                        </m:e>
+                      </m:d>
+                      <m:d>
+                        <m:dPr>
+                          <m:begChr m:val="["/>
+                          <m:endChr m:val="]"/>
+                          <m:ctrlPr>
+                            <a:rPr lang="es-MX" b="0" i="1" smtClean="0">
+                              <a:latin typeface="Cambria Math" panose="02040503050406030204" pitchFamily="18" charset="0"/>
+                            </a:rPr>
+                          </m:ctrlPr>
+                        </m:dPr>
+                        <m:e>
+                          <m:m>
+                            <m:mPr>
+                              <m:mcs>
+                                <m:mc>
+                                  <m:mcPr>
+                                    <m:count m:val="2"/>
+                                    <m:mcJc m:val="center"/>
+                                  </m:mcPr>
+                                </m:mc>
+                              </m:mcs>
+                              <m:ctrlPr>
+                                <a:rPr lang="es-MX" b="0" i="1" smtClean="0">
+                                  <a:latin typeface="Cambria Math" panose="02040503050406030204" pitchFamily="18" charset="0"/>
+                                </a:rPr>
+                              </m:ctrlPr>
+                            </m:mPr>
+                            <m:mr>
+                              <m:e>
+                                <m:sSub>
+                                  <m:sSubPr>
+                                    <m:ctrlPr>
+                                      <a:rPr lang="es-MX" b="0" i="1" smtClean="0">
+                                        <a:latin typeface="Cambria Math" panose="02040503050406030204" pitchFamily="18" charset="0"/>
+                                      </a:rPr>
+                                    </m:ctrlPr>
+                                  </m:sSubPr>
+                                  <m:e>
+                                    <m:r>
+                                      <m:rPr>
+                                        <m:brk m:alnAt="7"/>
+                                      </m:rPr>
+                                      <a:rPr lang="es-MX" b="0" i="1" smtClean="0">
+                                        <a:latin typeface="Cambria Math" panose="02040503050406030204" pitchFamily="18" charset="0"/>
+                                      </a:rPr>
+                                      <m:t>𝑆</m:t>
+                                    </m:r>
+                                  </m:e>
+                                  <m:sub>
+                                    <m:r>
+                                      <m:rPr>
+                                        <m:brk m:alnAt="7"/>
+                                      </m:rPr>
+                                      <a:rPr lang="es-MX" b="0" i="1" smtClean="0">
+                                        <a:latin typeface="Cambria Math" panose="02040503050406030204" pitchFamily="18" charset="0"/>
+                                      </a:rPr>
+                                      <m:t>1</m:t>
+                                    </m:r>
+                                  </m:sub>
+                                </m:sSub>
+                              </m:e>
+                              <m:e>
+                                <m:r>
+                                  <a:rPr lang="es-MX" b="0" i="1" smtClean="0">
+                                    <a:latin typeface="Cambria Math" panose="02040503050406030204" pitchFamily="18" charset="0"/>
+                                  </a:rPr>
+                                  <m:t>0</m:t>
+                                </m:r>
+                              </m:e>
+                            </m:mr>
+                            <m:mr>
+                              <m:e>
+                                <m:r>
+                                  <a:rPr lang="es-MX" b="0" i="1" smtClean="0">
+                                    <a:latin typeface="Cambria Math" panose="02040503050406030204" pitchFamily="18" charset="0"/>
+                                  </a:rPr>
+                                  <m:t>0</m:t>
+                                </m:r>
+                              </m:e>
+                              <m:e>
+                                <m:r>
+                                  <a:rPr lang="es-MX" b="0" i="1" smtClean="0">
+                                    <a:latin typeface="Cambria Math" panose="02040503050406030204" pitchFamily="18" charset="0"/>
+                                  </a:rPr>
+                                  <m:t>0</m:t>
+                                </m:r>
+                              </m:e>
+                            </m:mr>
+                          </m:m>
+                        </m:e>
+                      </m:d>
+                      <m:sSup>
+                        <m:sSupPr>
+                          <m:ctrlPr>
+                            <a:rPr lang="es-MX" b="0" i="1" smtClean="0">
+                              <a:latin typeface="Cambria Math" panose="02040503050406030204" pitchFamily="18" charset="0"/>
+                            </a:rPr>
+                          </m:ctrlPr>
+                        </m:sSupPr>
+                        <m:e>
+                          <m:d>
+                            <m:dPr>
+                              <m:begChr m:val="["/>
+                              <m:endChr m:val="]"/>
+                              <m:ctrlPr>
+                                <a:rPr lang="es-MX" b="0" i="1" smtClean="0">
+                                  <a:latin typeface="Cambria Math" panose="02040503050406030204" pitchFamily="18" charset="0"/>
+                                </a:rPr>
+                              </m:ctrlPr>
+                            </m:dPr>
+                            <m:e>
+                              <m:sSub>
+                                <m:sSubPr>
+                                  <m:ctrlPr>
+                                    <a:rPr lang="es-MX" b="0" i="1" smtClean="0">
+                                      <a:latin typeface="Cambria Math" panose="02040503050406030204" pitchFamily="18" charset="0"/>
+                                    </a:rPr>
+                                  </m:ctrlPr>
+                                </m:sSubPr>
+                                <m:e>
+                                  <m:r>
+                                    <a:rPr lang="es-MX" b="0" i="1" smtClean="0">
+                                      <a:latin typeface="Cambria Math" panose="02040503050406030204" pitchFamily="18" charset="0"/>
+                                    </a:rPr>
+                                    <m:t>𝑉</m:t>
+                                  </m:r>
+                                </m:e>
+                                <m:sub>
+                                  <m:r>
+                                    <a:rPr lang="es-MX" b="0" i="1" smtClean="0">
+                                      <a:latin typeface="Cambria Math" panose="02040503050406030204" pitchFamily="18" charset="0"/>
+                                    </a:rPr>
+                                    <m:t>1</m:t>
+                                  </m:r>
+                                </m:sub>
+                              </m:sSub>
+                              <m:sSub>
+                                <m:sSubPr>
+                                  <m:ctrlPr>
+                                    <a:rPr lang="es-MX" b="0" i="1" smtClean="0">
+                                      <a:latin typeface="Cambria Math" panose="02040503050406030204" pitchFamily="18" charset="0"/>
+                                    </a:rPr>
+                                  </m:ctrlPr>
+                                </m:sSubPr>
+                                <m:e>
+                                  <m:r>
+                                    <a:rPr lang="es-MX" b="0" i="1" smtClean="0">
+                                      <a:latin typeface="Cambria Math" panose="02040503050406030204" pitchFamily="18" charset="0"/>
+                                    </a:rPr>
+                                    <m:t>𝑉</m:t>
+                                  </m:r>
+                                </m:e>
+                                <m:sub>
+                                  <m:r>
+                                    <a:rPr lang="es-MX" b="0" i="1" smtClean="0">
+                                      <a:latin typeface="Cambria Math" panose="02040503050406030204" pitchFamily="18" charset="0"/>
+                                    </a:rPr>
+                                    <m:t>2</m:t>
+                                  </m:r>
+                                </m:sub>
+                              </m:sSub>
+                            </m:e>
+                          </m:d>
+                        </m:e>
+                        <m:sup>
+                          <m:r>
+                            <a:rPr lang="es-MX" b="0" i="1" smtClean="0">
+                              <a:latin typeface="Cambria Math" panose="02040503050406030204" pitchFamily="18" charset="0"/>
+                            </a:rPr>
+                            <m:t>∗</m:t>
+                          </m:r>
+                        </m:sup>
+                      </m:sSup>
+                    </m:oMath>
+                  </m:oMathPara>
+                </a14:m>
+                <a:endParaRPr lang="en-US" dirty="0"/>
+              </a:p>
+            </p:txBody>
+          </p:sp>
+        </mc:Choice>
+        <mc:Fallback>
+          <p:sp>
+            <p:nvSpPr>
+              <p:cNvPr id="2" name="TextBox 1">
+                <a:extLst>
+                  <a:ext uri="{FF2B5EF4-FFF2-40B4-BE49-F238E27FC236}">
+                    <a16:creationId xmlns:a16="http://schemas.microsoft.com/office/drawing/2014/main" id="{4293224A-34AA-4CE1-83FF-24C9C2B1F0D9}"/>
+                  </a:ext>
+                </a:extLst>
+              </p:cNvPr>
+              <p:cNvSpPr txBox="1">
+                <a:spLocks noRot="1" noChangeAspect="1" noMove="1" noResize="1" noEditPoints="1" noAdjustHandles="1" noChangeArrowheads="1" noChangeShapeType="1" noTextEdit="1"/>
+              </p:cNvSpPr>
+              <p:nvPr/>
+            </p:nvSpPr>
+            <p:spPr>
+              <a:xfrm>
+                <a:off x="950473" y="4269876"/>
+                <a:ext cx="3504997" cy="467692"/>
+              </a:xfrm>
+              <a:prstGeom prst="rect">
+                <a:avLst/>
+              </a:prstGeom>
+              <a:blipFill>
+                <a:blip r:embed="rId2"/>
+                <a:stretch>
+                  <a:fillRect/>
+                </a:stretch>
+              </a:blipFill>
+            </p:spPr>
+            <p:txBody>
+              <a:bodyPr/>
+              <a:lstStyle/>
+              <a:p>
+                <a:r>
+                  <a:rPr lang="en-US">
+                    <a:noFill/>
+                  </a:rPr>
+                  <a:t> </a:t>
+                </a:r>
+              </a:p>
+            </p:txBody>
+          </p:sp>
+        </mc:Fallback>
+      </mc:AlternateContent>
+      <mc:AlternateContent xmlns:mc="http://schemas.openxmlformats.org/markup-compatibility/2006">
+        <mc:Choice xmlns:a14="http://schemas.microsoft.com/office/drawing/2010/main" Requires="a14">
+          <p:sp>
+            <p:nvSpPr>
+              <p:cNvPr id="3" name="TextBox 2">
+                <a:extLst>
+                  <a:ext uri="{FF2B5EF4-FFF2-40B4-BE49-F238E27FC236}">
+                    <a16:creationId xmlns:a16="http://schemas.microsoft.com/office/drawing/2014/main" id="{2A37217B-99D8-4A34-BF63-8339F5A0A627}"/>
+                  </a:ext>
+                </a:extLst>
+              </p:cNvPr>
+              <p:cNvSpPr txBox="1"/>
+              <p:nvPr/>
+            </p:nvSpPr>
+            <p:spPr>
+              <a:xfrm>
+                <a:off x="950473" y="4737568"/>
+                <a:ext cx="1210973" cy="276999"/>
+              </a:xfrm>
+              <a:prstGeom prst="rect">
+                <a:avLst/>
+              </a:prstGeom>
+              <a:noFill/>
+            </p:spPr>
+            <p:txBody>
+              <a:bodyPr wrap="none" lIns="0" tIns="0" rIns="0" bIns="0" rtlCol="0">
+                <a:spAutoFit/>
+              </a:bodyPr>
+              <a:lstStyle/>
+              <a:p>
+                <a:pPr/>
+                <a14:m>
+                  <m:oMathPara xmlns:m="http://schemas.openxmlformats.org/officeDocument/2006/math">
+                    <m:oMathParaPr>
+                      <m:jc m:val="centerGroup"/>
+                    </m:oMathParaPr>
+                    <m:oMath xmlns:m="http://schemas.openxmlformats.org/officeDocument/2006/math">
+                      <m:r>
+                        <a:rPr lang="es-MX" b="0" i="1" smtClean="0">
+                          <a:latin typeface="Cambria Math" panose="02040503050406030204" pitchFamily="18" charset="0"/>
+                        </a:rPr>
+                        <m:t>𝐴</m:t>
+                      </m:r>
+                      <m:r>
+                        <a:rPr lang="es-MX" b="0" i="1" smtClean="0">
+                          <a:latin typeface="Cambria Math" panose="02040503050406030204" pitchFamily="18" charset="0"/>
+                        </a:rPr>
+                        <m:t>=</m:t>
+                      </m:r>
+                      <m:sSub>
+                        <m:sSubPr>
+                          <m:ctrlPr>
+                            <a:rPr lang="es-MX" b="0" i="1" smtClean="0">
+                              <a:latin typeface="Cambria Math" panose="02040503050406030204" pitchFamily="18" charset="0"/>
+                            </a:rPr>
+                          </m:ctrlPr>
+                        </m:sSubPr>
+                        <m:e>
+                          <m:r>
+                            <a:rPr lang="es-MX" b="0" i="1" smtClean="0">
+                              <a:latin typeface="Cambria Math" panose="02040503050406030204" pitchFamily="18" charset="0"/>
+                            </a:rPr>
+                            <m:t>𝑈</m:t>
+                          </m:r>
+                        </m:e>
+                        <m:sub>
+                          <m:r>
+                            <a:rPr lang="es-MX" b="0" i="1" smtClean="0">
+                              <a:latin typeface="Cambria Math" panose="02040503050406030204" pitchFamily="18" charset="0"/>
+                            </a:rPr>
+                            <m:t>1</m:t>
+                          </m:r>
+                        </m:sub>
+                      </m:sSub>
+                      <m:sSub>
+                        <m:sSubPr>
+                          <m:ctrlPr>
+                            <a:rPr lang="es-MX" b="0" i="1" smtClean="0">
+                              <a:latin typeface="Cambria Math" panose="02040503050406030204" pitchFamily="18" charset="0"/>
+                            </a:rPr>
+                          </m:ctrlPr>
+                        </m:sSubPr>
+                        <m:e>
+                          <m:r>
+                            <a:rPr lang="es-MX" b="0" i="1" smtClean="0">
+                              <a:latin typeface="Cambria Math" panose="02040503050406030204" pitchFamily="18" charset="0"/>
+                            </a:rPr>
+                            <m:t>𝑆</m:t>
+                          </m:r>
+                        </m:e>
+                        <m:sub>
+                          <m:r>
+                            <a:rPr lang="es-MX" b="0" i="1" smtClean="0">
+                              <a:latin typeface="Cambria Math" panose="02040503050406030204" pitchFamily="18" charset="0"/>
+                            </a:rPr>
+                            <m:t>1</m:t>
+                          </m:r>
+                        </m:sub>
+                      </m:sSub>
+                      <m:sSubSup>
+                        <m:sSubSupPr>
+                          <m:ctrlPr>
+                            <a:rPr lang="es-MX" b="0" i="1" smtClean="0">
+                              <a:latin typeface="Cambria Math" panose="02040503050406030204" pitchFamily="18" charset="0"/>
+                            </a:rPr>
+                          </m:ctrlPr>
+                        </m:sSubSupPr>
+                        <m:e>
+                          <m:r>
+                            <a:rPr lang="es-MX" b="0" i="1" smtClean="0">
+                              <a:latin typeface="Cambria Math" panose="02040503050406030204" pitchFamily="18" charset="0"/>
+                            </a:rPr>
+                            <m:t>𝑉</m:t>
+                          </m:r>
+                        </m:e>
+                        <m:sub>
+                          <m:r>
+                            <a:rPr lang="es-MX" b="0" i="1" smtClean="0">
+                              <a:latin typeface="Cambria Math" panose="02040503050406030204" pitchFamily="18" charset="0"/>
+                            </a:rPr>
+                            <m:t>1</m:t>
+                          </m:r>
+                        </m:sub>
+                        <m:sup>
+                          <m:r>
+                            <a:rPr lang="es-MX" b="0" i="1" smtClean="0">
+                              <a:latin typeface="Cambria Math" panose="02040503050406030204" pitchFamily="18" charset="0"/>
+                            </a:rPr>
+                            <m:t>∗</m:t>
+                          </m:r>
+                        </m:sup>
+                      </m:sSubSup>
+                    </m:oMath>
+                  </m:oMathPara>
+                </a14:m>
+                <a:endParaRPr lang="en-US" dirty="0"/>
+              </a:p>
+            </p:txBody>
+          </p:sp>
+        </mc:Choice>
+        <mc:Fallback>
+          <p:sp>
+            <p:nvSpPr>
+              <p:cNvPr id="3" name="TextBox 2">
+                <a:extLst>
+                  <a:ext uri="{FF2B5EF4-FFF2-40B4-BE49-F238E27FC236}">
+                    <a16:creationId xmlns:a16="http://schemas.microsoft.com/office/drawing/2014/main" id="{2A37217B-99D8-4A34-BF63-8339F5A0A627}"/>
+                  </a:ext>
+                </a:extLst>
+              </p:cNvPr>
+              <p:cNvSpPr txBox="1">
+                <a:spLocks noRot="1" noChangeAspect="1" noMove="1" noResize="1" noEditPoints="1" noAdjustHandles="1" noChangeArrowheads="1" noChangeShapeType="1" noTextEdit="1"/>
+              </p:cNvSpPr>
+              <p:nvPr/>
+            </p:nvSpPr>
+            <p:spPr>
+              <a:xfrm>
+                <a:off x="950473" y="4737568"/>
+                <a:ext cx="1210973" cy="276999"/>
+              </a:xfrm>
+              <a:prstGeom prst="rect">
+                <a:avLst/>
+              </a:prstGeom>
+              <a:blipFill>
+                <a:blip r:embed="rId3"/>
+                <a:stretch>
+                  <a:fillRect l="-4523" r="-503" b="-17391"/>
+                </a:stretch>
+              </a:blipFill>
+            </p:spPr>
+            <p:txBody>
+              <a:bodyPr/>
+              <a:lstStyle/>
+              <a:p>
+                <a:r>
+                  <a:rPr lang="en-US">
+                    <a:noFill/>
+                  </a:rPr>
+                  <a:t> </a:t>
+                </a:r>
+              </a:p>
+            </p:txBody>
+          </p:sp>
+        </mc:Fallback>
+      </mc:AlternateContent>
+      <mc:AlternateContent xmlns:mc="http://schemas.openxmlformats.org/markup-compatibility/2006">
+        <mc:Choice xmlns:a14="http://schemas.microsoft.com/office/drawing/2010/main" Requires="a14">
+          <p:sp>
+            <p:nvSpPr>
+              <p:cNvPr id="4" name="TextBox 3">
+                <a:extLst>
+                  <a:ext uri="{FF2B5EF4-FFF2-40B4-BE49-F238E27FC236}">
+                    <a16:creationId xmlns:a16="http://schemas.microsoft.com/office/drawing/2014/main" id="{F36AC25F-28C9-4E8D-9F58-9357A402B61B}"/>
+                  </a:ext>
+                </a:extLst>
+              </p:cNvPr>
+              <p:cNvSpPr txBox="1"/>
+              <p:nvPr/>
+            </p:nvSpPr>
+            <p:spPr>
+              <a:xfrm>
+                <a:off x="965713" y="5041625"/>
+                <a:ext cx="1459759" cy="327269"/>
+              </a:xfrm>
+              <a:prstGeom prst="rect">
+                <a:avLst/>
+              </a:prstGeom>
+              <a:noFill/>
+            </p:spPr>
+            <p:txBody>
+              <a:bodyPr wrap="none" lIns="0" tIns="0" rIns="0" bIns="0" rtlCol="0">
+                <a:spAutoFit/>
+              </a:bodyPr>
+              <a:lstStyle/>
+              <a:p>
+                <a:pPr/>
+                <a14:m>
+                  <m:oMathPara xmlns:m="http://schemas.openxmlformats.org/officeDocument/2006/math">
+                    <m:oMathParaPr>
+                      <m:jc m:val="centerGroup"/>
+                    </m:oMathParaPr>
+                    <m:oMath xmlns:m="http://schemas.openxmlformats.org/officeDocument/2006/math">
+                      <m:sSup>
+                        <m:sSupPr>
+                          <m:ctrlPr>
+                            <a:rPr lang="es-MX" b="0" i="1" smtClean="0">
+                              <a:latin typeface="Cambria Math" panose="02040503050406030204" pitchFamily="18" charset="0"/>
+                            </a:rPr>
+                          </m:ctrlPr>
+                        </m:sSupPr>
+                        <m:e>
+                          <m:r>
+                            <a:rPr lang="es-MX" b="0" i="1" smtClean="0">
+                              <a:latin typeface="Cambria Math" panose="02040503050406030204" pitchFamily="18" charset="0"/>
+                            </a:rPr>
+                            <m:t>𝐴</m:t>
+                          </m:r>
+                        </m:e>
+                        <m:sup>
+                          <m:r>
+                            <m:rPr>
+                              <m:nor/>
+                            </m:rPr>
+                            <a:rPr lang="en-US" i="1"/>
+                            <m:t>†</m:t>
+                          </m:r>
+                        </m:sup>
+                      </m:sSup>
+                      <m:r>
+                        <a:rPr lang="es-MX" b="0" i="1" smtClean="0">
+                          <a:latin typeface="Cambria Math" panose="02040503050406030204" pitchFamily="18" charset="0"/>
+                        </a:rPr>
+                        <m:t>=</m:t>
+                      </m:r>
+                      <m:sSub>
+                        <m:sSubPr>
+                          <m:ctrlPr>
+                            <a:rPr lang="es-MX" b="0" i="1" smtClean="0">
+                              <a:latin typeface="Cambria Math" panose="02040503050406030204" pitchFamily="18" charset="0"/>
+                            </a:rPr>
+                          </m:ctrlPr>
+                        </m:sSubPr>
+                        <m:e>
+                          <m:r>
+                            <a:rPr lang="es-MX" b="0" i="1" smtClean="0">
+                              <a:latin typeface="Cambria Math" panose="02040503050406030204" pitchFamily="18" charset="0"/>
+                            </a:rPr>
+                            <m:t>𝑉</m:t>
+                          </m:r>
+                        </m:e>
+                        <m:sub>
+                          <m:r>
+                            <a:rPr lang="es-MX" b="0" i="1" smtClean="0">
+                              <a:latin typeface="Cambria Math" panose="02040503050406030204" pitchFamily="18" charset="0"/>
+                            </a:rPr>
+                            <m:t>1</m:t>
+                          </m:r>
+                        </m:sub>
+                      </m:sSub>
+                      <m:sSubSup>
+                        <m:sSubSupPr>
+                          <m:ctrlPr>
+                            <a:rPr lang="es-MX" b="0" i="1" smtClean="0">
+                              <a:latin typeface="Cambria Math" panose="02040503050406030204" pitchFamily="18" charset="0"/>
+                            </a:rPr>
+                          </m:ctrlPr>
+                        </m:sSubSupPr>
+                        <m:e>
+                          <m:r>
+                            <a:rPr lang="es-MX" b="0" i="1" smtClean="0">
+                              <a:latin typeface="Cambria Math" panose="02040503050406030204" pitchFamily="18" charset="0"/>
+                            </a:rPr>
+                            <m:t>𝑆</m:t>
+                          </m:r>
+                        </m:e>
+                        <m:sub>
+                          <m:r>
+                            <a:rPr lang="es-MX" b="0" i="1" smtClean="0">
+                              <a:latin typeface="Cambria Math" panose="02040503050406030204" pitchFamily="18" charset="0"/>
+                            </a:rPr>
+                            <m:t>1</m:t>
+                          </m:r>
+                        </m:sub>
+                        <m:sup>
+                          <m:r>
+                            <a:rPr lang="es-MX" b="0" i="1" smtClean="0">
+                              <a:latin typeface="Cambria Math" panose="02040503050406030204" pitchFamily="18" charset="0"/>
+                            </a:rPr>
+                            <m:t>−1</m:t>
+                          </m:r>
+                        </m:sup>
+                      </m:sSubSup>
+                      <m:sSubSup>
+                        <m:sSubSupPr>
+                          <m:ctrlPr>
+                            <a:rPr lang="es-MX" b="0" i="1" smtClean="0">
+                              <a:latin typeface="Cambria Math" panose="02040503050406030204" pitchFamily="18" charset="0"/>
+                            </a:rPr>
+                          </m:ctrlPr>
+                        </m:sSubSupPr>
+                        <m:e>
+                          <m:r>
+                            <a:rPr lang="es-MX" b="0" i="1" smtClean="0">
+                              <a:latin typeface="Cambria Math" panose="02040503050406030204" pitchFamily="18" charset="0"/>
+                            </a:rPr>
+                            <m:t>𝑈</m:t>
+                          </m:r>
+                        </m:e>
+                        <m:sub>
+                          <m:r>
+                            <a:rPr lang="es-MX" b="0" i="1" smtClean="0">
+                              <a:latin typeface="Cambria Math" panose="02040503050406030204" pitchFamily="18" charset="0"/>
+                            </a:rPr>
+                            <m:t>1</m:t>
+                          </m:r>
+                        </m:sub>
+                        <m:sup>
+                          <m:r>
+                            <a:rPr lang="es-MX" b="0" i="1" smtClean="0">
+                              <a:latin typeface="Cambria Math" panose="02040503050406030204" pitchFamily="18" charset="0"/>
+                            </a:rPr>
+                            <m:t>∗</m:t>
+                          </m:r>
+                        </m:sup>
+                      </m:sSubSup>
+                    </m:oMath>
+                  </m:oMathPara>
+                </a14:m>
+                <a:endParaRPr lang="en-US" dirty="0"/>
+              </a:p>
+            </p:txBody>
+          </p:sp>
+        </mc:Choice>
+        <mc:Fallback>
+          <p:sp>
+            <p:nvSpPr>
+              <p:cNvPr id="4" name="TextBox 3">
+                <a:extLst>
+                  <a:ext uri="{FF2B5EF4-FFF2-40B4-BE49-F238E27FC236}">
+                    <a16:creationId xmlns:a16="http://schemas.microsoft.com/office/drawing/2014/main" id="{F36AC25F-28C9-4E8D-9F58-9357A402B61B}"/>
+                  </a:ext>
+                </a:extLst>
+              </p:cNvPr>
+              <p:cNvSpPr txBox="1">
+                <a:spLocks noRot="1" noChangeAspect="1" noMove="1" noResize="1" noEditPoints="1" noAdjustHandles="1" noChangeArrowheads="1" noChangeShapeType="1" noTextEdit="1"/>
+              </p:cNvSpPr>
+              <p:nvPr/>
+            </p:nvSpPr>
+            <p:spPr>
+              <a:xfrm>
+                <a:off x="965713" y="5041625"/>
+                <a:ext cx="1459759" cy="327269"/>
+              </a:xfrm>
+              <a:prstGeom prst="rect">
+                <a:avLst/>
+              </a:prstGeom>
+              <a:blipFill>
+                <a:blip r:embed="rId4"/>
+                <a:stretch>
+                  <a:fillRect l="-3333" t="-5556" r="-417" b="-16667"/>
+                </a:stretch>
+              </a:blipFill>
+            </p:spPr>
+            <p:txBody>
+              <a:bodyPr/>
+              <a:lstStyle/>
+              <a:p>
+                <a:r>
+                  <a:rPr lang="en-US">
+                    <a:noFill/>
+                  </a:rPr>
+                  <a:t> </a:t>
+                </a:r>
+              </a:p>
+            </p:txBody>
+          </p:sp>
+        </mc:Fallback>
+      </mc:AlternateContent>
+      <mc:AlternateContent xmlns:mc="http://schemas.openxmlformats.org/markup-compatibility/2006">
+        <mc:Choice xmlns:a14="http://schemas.microsoft.com/office/drawing/2010/main" Requires="a14">
+          <p:sp>
+            <p:nvSpPr>
+              <p:cNvPr id="6" name="TextBox 5">
+                <a:extLst>
+                  <a:ext uri="{FF2B5EF4-FFF2-40B4-BE49-F238E27FC236}">
+                    <a16:creationId xmlns:a16="http://schemas.microsoft.com/office/drawing/2014/main" id="{81822182-33F0-4317-8BCE-AE86D4953DA4}"/>
+                  </a:ext>
+                </a:extLst>
+              </p:cNvPr>
+              <p:cNvSpPr txBox="1"/>
+              <p:nvPr/>
+            </p:nvSpPr>
+            <p:spPr>
+              <a:xfrm>
+                <a:off x="9138780" y="3919202"/>
+                <a:ext cx="2250168" cy="818366"/>
+              </a:xfrm>
+              <a:prstGeom prst="rect">
+                <a:avLst/>
+              </a:prstGeom>
+              <a:noFill/>
+            </p:spPr>
+            <p:txBody>
+              <a:bodyPr wrap="none" lIns="0" tIns="0" rIns="0" bIns="0" rtlCol="0">
+                <a:spAutoFit/>
+              </a:bodyPr>
+              <a:lstStyle/>
+              <a:p>
+                <a:pPr/>
+                <a14:m>
+                  <m:oMathPara xmlns:m="http://schemas.openxmlformats.org/officeDocument/2006/math">
+                    <m:oMathParaPr>
+                      <m:jc m:val="centerGroup"/>
+                    </m:oMathParaPr>
+                    <m:oMath xmlns:m="http://schemas.openxmlformats.org/officeDocument/2006/math">
+                      <m:sSub>
+                        <m:sSubPr>
+                          <m:ctrlPr>
+                            <a:rPr lang="pt-PT" b="0" i="1" smtClean="0">
+                              <a:latin typeface="Cambria Math" panose="02040503050406030204" pitchFamily="18" charset="0"/>
+                            </a:rPr>
+                          </m:ctrlPr>
+                        </m:sSubPr>
+                        <m:e>
+                          <m:r>
+                            <a:rPr lang="pt-PT" b="0" i="1" smtClean="0">
+                              <a:latin typeface="Cambria Math" panose="02040503050406030204" pitchFamily="18" charset="0"/>
+                            </a:rPr>
+                            <m:t>𝑟</m:t>
+                          </m:r>
+                        </m:e>
+                        <m:sub>
+                          <m:r>
+                            <a:rPr lang="pt-PT" b="0" i="1" smtClean="0">
+                              <a:latin typeface="Cambria Math" panose="02040503050406030204" pitchFamily="18" charset="0"/>
+                            </a:rPr>
+                            <m:t>0</m:t>
+                          </m:r>
+                        </m:sub>
+                      </m:sSub>
+                      <m:r>
+                        <a:rPr lang="pt-PT" b="0" i="1" smtClean="0">
+                          <a:latin typeface="Cambria Math" panose="02040503050406030204" pitchFamily="18" charset="0"/>
+                        </a:rPr>
+                        <m:t>=</m:t>
+                      </m:r>
+                      <m:rad>
+                        <m:radPr>
+                          <m:degHide m:val="on"/>
+                          <m:ctrlPr>
+                            <a:rPr lang="pt-PT" b="0" i="1" smtClean="0">
+                              <a:latin typeface="Cambria Math" panose="02040503050406030204" pitchFamily="18" charset="0"/>
+                            </a:rPr>
+                          </m:ctrlPr>
+                        </m:radPr>
+                        <m:deg/>
+                        <m:e>
+                          <m:f>
+                            <m:fPr>
+                              <m:ctrlPr>
+                                <a:rPr lang="pt-PT" b="0" i="1" smtClean="0">
+                                  <a:latin typeface="Cambria Math" panose="02040503050406030204" pitchFamily="18" charset="0"/>
+                                </a:rPr>
+                              </m:ctrlPr>
+                            </m:fPr>
+                            <m:num>
+                              <m:nary>
+                                <m:naryPr>
+                                  <m:chr m:val="∑"/>
+                                  <m:ctrlPr>
+                                    <a:rPr lang="pt-PT" b="0" i="1" smtClean="0">
+                                      <a:latin typeface="Cambria Math" panose="02040503050406030204" pitchFamily="18" charset="0"/>
+                                    </a:rPr>
+                                  </m:ctrlPr>
+                                </m:naryPr>
+                                <m:sub>
+                                  <m:r>
+                                    <m:rPr>
+                                      <m:brk m:alnAt="23"/>
+                                    </m:rPr>
+                                    <a:rPr lang="pt-PT" b="0" i="1" smtClean="0">
+                                      <a:latin typeface="Cambria Math" panose="02040503050406030204" pitchFamily="18" charset="0"/>
+                                    </a:rPr>
+                                    <m:t>𝑘</m:t>
+                                  </m:r>
+                                  <m:r>
+                                    <a:rPr lang="pt-PT" b="0" i="1" smtClean="0">
+                                      <a:latin typeface="Cambria Math" panose="02040503050406030204" pitchFamily="18" charset="0"/>
+                                    </a:rPr>
+                                    <m:t>=1</m:t>
+                                  </m:r>
+                                </m:sub>
+                                <m:sup>
+                                  <m:r>
+                                    <a:rPr lang="pt-PT" b="0" i="1" smtClean="0">
+                                      <a:latin typeface="Cambria Math" panose="02040503050406030204" pitchFamily="18" charset="0"/>
+                                      <a:ea typeface="Cambria Math" panose="02040503050406030204" pitchFamily="18" charset="0"/>
+                                    </a:rPr>
+                                    <m:t>𝜇</m:t>
+                                  </m:r>
+                                </m:sup>
+                                <m:e>
+                                  <m:sSub>
+                                    <m:sSubPr>
+                                      <m:ctrlPr>
+                                        <a:rPr lang="es-MX" b="0" i="1" smtClean="0">
+                                          <a:latin typeface="Cambria Math" panose="02040503050406030204" pitchFamily="18" charset="0"/>
+                                        </a:rPr>
+                                      </m:ctrlPr>
+                                    </m:sSubPr>
+                                    <m:e>
+                                      <m:sSub>
+                                        <m:sSubPr>
+                                          <m:ctrlPr>
+                                            <a:rPr lang="pt-PT" b="0" i="1" smtClean="0">
+                                              <a:latin typeface="Cambria Math" panose="02040503050406030204" pitchFamily="18" charset="0"/>
+                                            </a:rPr>
+                                          </m:ctrlPr>
+                                        </m:sSubPr>
+                                        <m:e>
+                                          <m:r>
+                                            <a:rPr lang="pt-PT" b="0" i="1" smtClean="0">
+                                              <a:latin typeface="Cambria Math" panose="02040503050406030204" pitchFamily="18" charset="0"/>
+                                            </a:rPr>
+                                            <m:t>𝑖</m:t>
+                                          </m:r>
+                                        </m:e>
+                                        <m:sub>
+                                          <m:r>
+                                            <a:rPr lang="pt-PT" b="0" i="1" smtClean="0">
+                                              <a:latin typeface="Cambria Math" panose="02040503050406030204" pitchFamily="18" charset="0"/>
+                                            </a:rPr>
+                                            <m:t>𝑝</m:t>
+                                          </m:r>
+                                          <m:r>
+                                            <a:rPr lang="pt-PT" b="0" i="1" smtClean="0">
+                                              <a:latin typeface="Cambria Math" panose="02040503050406030204" pitchFamily="18" charset="0"/>
+                                            </a:rPr>
+                                            <m:t>,</m:t>
+                                          </m:r>
+                                          <m:r>
+                                            <a:rPr lang="pt-PT" b="0" i="1" smtClean="0">
+                                              <a:latin typeface="Cambria Math" panose="02040503050406030204" pitchFamily="18" charset="0"/>
+                                            </a:rPr>
+                                            <m:t>𝑓</m:t>
+                                          </m:r>
+                                        </m:sub>
+                                      </m:sSub>
+                                    </m:e>
+                                    <m:sub>
+                                      <m:r>
+                                        <a:rPr lang="es-MX" b="0" i="1" smtClean="0">
+                                          <a:latin typeface="Cambria Math" panose="02040503050406030204" pitchFamily="18" charset="0"/>
+                                        </a:rPr>
+                                        <m:t>𝑘</m:t>
+                                      </m:r>
+                                    </m:sub>
+                                  </m:sSub>
+                                </m:e>
+                              </m:nary>
+                              <m:sSubSup>
+                                <m:sSubSupPr>
+                                  <m:ctrlPr>
+                                    <a:rPr lang="es-MX" b="0" i="1" smtClean="0">
+                                      <a:latin typeface="Cambria Math" panose="02040503050406030204" pitchFamily="18" charset="0"/>
+                                    </a:rPr>
+                                  </m:ctrlPr>
+                                </m:sSubSupPr>
+                                <m:e>
+                                  <m:r>
+                                    <a:rPr lang="es-MX" b="0" i="1" smtClean="0">
+                                      <a:latin typeface="Cambria Math" panose="02040503050406030204" pitchFamily="18" charset="0"/>
+                                    </a:rPr>
+                                    <m:t>𝑟</m:t>
+                                  </m:r>
+                                </m:e>
+                                <m:sub>
+                                  <m:r>
+                                    <a:rPr lang="es-MX" b="0" i="1" smtClean="0">
+                                      <a:latin typeface="Cambria Math" panose="02040503050406030204" pitchFamily="18" charset="0"/>
+                                    </a:rPr>
+                                    <m:t>𝑝</m:t>
+                                  </m:r>
+                                  <m:r>
+                                    <a:rPr lang="es-MX" b="0" i="1" smtClean="0">
+                                      <a:latin typeface="Cambria Math" panose="02040503050406030204" pitchFamily="18" charset="0"/>
+                                    </a:rPr>
+                                    <m:t>,</m:t>
+                                  </m:r>
+                                  <m:sSub>
+                                    <m:sSubPr>
+                                      <m:ctrlPr>
+                                        <a:rPr lang="es-MX" b="0" i="1" smtClean="0">
+                                          <a:latin typeface="Cambria Math" panose="02040503050406030204" pitchFamily="18" charset="0"/>
+                                        </a:rPr>
+                                      </m:ctrlPr>
+                                    </m:sSubPr>
+                                    <m:e>
+                                      <m:r>
+                                        <a:rPr lang="es-MX" b="0" i="1" smtClean="0">
+                                          <a:latin typeface="Cambria Math" panose="02040503050406030204" pitchFamily="18" charset="0"/>
+                                        </a:rPr>
+                                        <m:t>𝑓</m:t>
+                                      </m:r>
+                                    </m:e>
+                                    <m:sub>
+                                      <m:r>
+                                        <a:rPr lang="es-MX" b="0" i="1" smtClean="0">
+                                          <a:latin typeface="Cambria Math" panose="02040503050406030204" pitchFamily="18" charset="0"/>
+                                        </a:rPr>
+                                        <m:t>𝑘</m:t>
+                                      </m:r>
+                                    </m:sub>
+                                  </m:sSub>
+                                </m:sub>
+                                <m:sup>
+                                  <m:r>
+                                    <a:rPr lang="es-MX" b="0" i="1" smtClean="0">
+                                      <a:latin typeface="Cambria Math" panose="02040503050406030204" pitchFamily="18" charset="0"/>
+                                    </a:rPr>
+                                    <m:t>2</m:t>
+                                  </m:r>
+                                </m:sup>
+                              </m:sSubSup>
+                            </m:num>
+                            <m:den>
+                              <m:nary>
+                                <m:naryPr>
+                                  <m:chr m:val="∑"/>
+                                  <m:ctrlPr>
+                                    <a:rPr lang="pt-PT" i="1">
+                                      <a:latin typeface="Cambria Math" panose="02040503050406030204" pitchFamily="18" charset="0"/>
+                                    </a:rPr>
+                                  </m:ctrlPr>
+                                </m:naryPr>
+                                <m:sub>
+                                  <m:r>
+                                    <m:rPr>
+                                      <m:brk m:alnAt="23"/>
+                                    </m:rPr>
+                                    <a:rPr lang="pt-PT" i="1">
+                                      <a:latin typeface="Cambria Math" panose="02040503050406030204" pitchFamily="18" charset="0"/>
+                                    </a:rPr>
+                                    <m:t>𝑘</m:t>
+                                  </m:r>
+                                  <m:r>
+                                    <a:rPr lang="pt-PT" i="1">
+                                      <a:latin typeface="Cambria Math" panose="02040503050406030204" pitchFamily="18" charset="0"/>
+                                    </a:rPr>
+                                    <m:t>=1</m:t>
+                                  </m:r>
+                                </m:sub>
+                                <m:sup>
+                                  <m:r>
+                                    <a:rPr lang="pt-PT" i="1">
+                                      <a:latin typeface="Cambria Math" panose="02040503050406030204" pitchFamily="18" charset="0"/>
+                                      <a:ea typeface="Cambria Math" panose="02040503050406030204" pitchFamily="18" charset="0"/>
+                                    </a:rPr>
+                                    <m:t>𝜇</m:t>
+                                  </m:r>
+                                </m:sup>
+                                <m:e>
+                                  <m:sSub>
+                                    <m:sSubPr>
+                                      <m:ctrlPr>
+                                        <a:rPr lang="es-MX" i="1">
+                                          <a:latin typeface="Cambria Math" panose="02040503050406030204" pitchFamily="18" charset="0"/>
+                                        </a:rPr>
+                                      </m:ctrlPr>
+                                    </m:sSubPr>
+                                    <m:e>
+                                      <m:sSub>
+                                        <m:sSubPr>
+                                          <m:ctrlPr>
+                                            <a:rPr lang="pt-PT" i="1">
+                                              <a:latin typeface="Cambria Math" panose="02040503050406030204" pitchFamily="18" charset="0"/>
+                                            </a:rPr>
+                                          </m:ctrlPr>
+                                        </m:sSubPr>
+                                        <m:e>
+                                          <m:r>
+                                            <a:rPr lang="pt-PT" i="1">
+                                              <a:latin typeface="Cambria Math" panose="02040503050406030204" pitchFamily="18" charset="0"/>
+                                            </a:rPr>
+                                            <m:t>𝑖</m:t>
+                                          </m:r>
+                                        </m:e>
+                                        <m:sub>
+                                          <m:r>
+                                            <a:rPr lang="pt-PT" i="1">
+                                              <a:latin typeface="Cambria Math" panose="02040503050406030204" pitchFamily="18" charset="0"/>
+                                            </a:rPr>
+                                            <m:t>𝑝</m:t>
+                                          </m:r>
+                                          <m:r>
+                                            <a:rPr lang="pt-PT" i="1">
+                                              <a:latin typeface="Cambria Math" panose="02040503050406030204" pitchFamily="18" charset="0"/>
+                                            </a:rPr>
+                                            <m:t>,</m:t>
+                                          </m:r>
+                                          <m:r>
+                                            <a:rPr lang="pt-PT" i="1">
+                                              <a:latin typeface="Cambria Math" panose="02040503050406030204" pitchFamily="18" charset="0"/>
+                                            </a:rPr>
+                                            <m:t>𝑓</m:t>
+                                          </m:r>
+                                        </m:sub>
+                                      </m:sSub>
+                                    </m:e>
+                                    <m:sub>
+                                      <m:r>
+                                        <a:rPr lang="es-MX" i="1">
+                                          <a:latin typeface="Cambria Math" panose="02040503050406030204" pitchFamily="18" charset="0"/>
+                                        </a:rPr>
+                                        <m:t>𝑘</m:t>
+                                      </m:r>
+                                    </m:sub>
+                                  </m:sSub>
+                                </m:e>
+                              </m:nary>
+                            </m:den>
+                          </m:f>
+                        </m:e>
+                      </m:rad>
+                    </m:oMath>
+                  </m:oMathPara>
+                </a14:m>
+                <a:endParaRPr lang="en-US" dirty="0"/>
+              </a:p>
+            </p:txBody>
+          </p:sp>
+        </mc:Choice>
+        <mc:Fallback>
+          <p:sp>
+            <p:nvSpPr>
+              <p:cNvPr id="6" name="TextBox 5">
+                <a:extLst>
+                  <a:ext uri="{FF2B5EF4-FFF2-40B4-BE49-F238E27FC236}">
+                    <a16:creationId xmlns:a16="http://schemas.microsoft.com/office/drawing/2014/main" id="{81822182-33F0-4317-8BCE-AE86D4953DA4}"/>
+                  </a:ext>
+                </a:extLst>
+              </p:cNvPr>
+              <p:cNvSpPr txBox="1">
+                <a:spLocks noRot="1" noChangeAspect="1" noMove="1" noResize="1" noEditPoints="1" noAdjustHandles="1" noChangeArrowheads="1" noChangeShapeType="1" noTextEdit="1"/>
+              </p:cNvSpPr>
+              <p:nvPr/>
+            </p:nvSpPr>
+            <p:spPr>
+              <a:xfrm>
+                <a:off x="9138780" y="3919202"/>
+                <a:ext cx="2250168" cy="818366"/>
+              </a:xfrm>
+              <a:prstGeom prst="rect">
+                <a:avLst/>
+              </a:prstGeom>
+              <a:blipFill>
+                <a:blip r:embed="rId5"/>
+                <a:stretch>
+                  <a:fillRect b="-1493"/>
+                </a:stretch>
+              </a:blipFill>
+            </p:spPr>
+            <p:txBody>
+              <a:bodyPr/>
+              <a:lstStyle/>
+              <a:p>
+                <a:r>
+                  <a:rPr lang="en-US">
+                    <a:noFill/>
+                  </a:rPr>
+                  <a:t> </a:t>
+                </a:r>
+              </a:p>
+            </p:txBody>
+          </p:sp>
+        </mc:Fallback>
+      </mc:AlternateContent>
+      <mc:AlternateContent xmlns:mc="http://schemas.openxmlformats.org/markup-compatibility/2006">
+        <mc:Choice xmlns:a14="http://schemas.microsoft.com/office/drawing/2010/main" Requires="a14">
+          <p:sp>
+            <p:nvSpPr>
+              <p:cNvPr id="7" name="Rectangle 6">
+                <a:extLst>
+                  <a:ext uri="{FF2B5EF4-FFF2-40B4-BE49-F238E27FC236}">
+                    <a16:creationId xmlns:a16="http://schemas.microsoft.com/office/drawing/2014/main" id="{56672EC1-D364-4A38-8430-C770A93CF26F}"/>
+                  </a:ext>
+                </a:extLst>
+              </p:cNvPr>
+              <p:cNvSpPr/>
+              <p:nvPr/>
+            </p:nvSpPr>
+            <p:spPr>
+              <a:xfrm>
+                <a:off x="5107529" y="3863555"/>
+                <a:ext cx="2224840" cy="837345"/>
+              </a:xfrm>
+              <a:prstGeom prst="rect">
+                <a:avLst/>
+              </a:prstGeom>
+            </p:spPr>
+            <p:txBody>
+              <a:bodyPr wrap="none">
+                <a:spAutoFit/>
+              </a:bodyPr>
+              <a:lstStyle/>
+              <a:p>
+                <a:pPr/>
+                <a14:m>
+                  <m:oMathPara xmlns:m="http://schemas.openxmlformats.org/officeDocument/2006/math">
+                    <m:oMathParaPr>
+                      <m:jc m:val="centerGroup"/>
+                    </m:oMathParaPr>
+                    <m:oMath xmlns:m="http://schemas.openxmlformats.org/officeDocument/2006/math">
+                      <m:sSub>
+                        <m:sSubPr>
+                          <m:ctrlPr>
+                            <a:rPr lang="es-MX" b="0" i="1" smtClean="0">
+                              <a:latin typeface="Cambria Math" panose="02040503050406030204" pitchFamily="18" charset="0"/>
+                            </a:rPr>
+                          </m:ctrlPr>
+                        </m:sSubPr>
+                        <m:e>
+                          <m:r>
+                            <a:rPr lang="es-MX" b="0" i="1" smtClean="0">
+                              <a:latin typeface="Cambria Math" panose="02040503050406030204" pitchFamily="18" charset="0"/>
+                            </a:rPr>
+                            <m:t>𝑧</m:t>
+                          </m:r>
+                        </m:e>
+                        <m:sub>
+                          <m:r>
+                            <a:rPr lang="es-MX" b="0" i="1" smtClean="0">
+                              <a:latin typeface="Cambria Math" panose="02040503050406030204" pitchFamily="18" charset="0"/>
+                            </a:rPr>
+                            <m:t>0</m:t>
+                          </m:r>
+                        </m:sub>
+                      </m:sSub>
+                      <m:r>
+                        <a:rPr lang="es-MX" b="0" i="1" smtClean="0">
+                          <a:latin typeface="Cambria Math" panose="02040503050406030204" pitchFamily="18" charset="0"/>
+                        </a:rPr>
+                        <m:t>=</m:t>
+                      </m:r>
+                      <m:f>
+                        <m:fPr>
+                          <m:ctrlPr>
+                            <a:rPr lang="pt-PT" i="1">
+                              <a:latin typeface="Cambria Math" panose="02040503050406030204" pitchFamily="18" charset="0"/>
+                            </a:rPr>
+                          </m:ctrlPr>
+                        </m:fPr>
+                        <m:num>
+                          <m:nary>
+                            <m:naryPr>
+                              <m:chr m:val="∑"/>
+                              <m:ctrlPr>
+                                <a:rPr lang="pt-PT" i="1">
+                                  <a:latin typeface="Cambria Math" panose="02040503050406030204" pitchFamily="18" charset="0"/>
+                                </a:rPr>
+                              </m:ctrlPr>
+                            </m:naryPr>
+                            <m:sub>
+                              <m:r>
+                                <m:rPr>
+                                  <m:brk m:alnAt="23"/>
+                                </m:rPr>
+                                <a:rPr lang="pt-PT" i="1">
+                                  <a:latin typeface="Cambria Math" panose="02040503050406030204" pitchFamily="18" charset="0"/>
+                                </a:rPr>
+                                <m:t>𝑘</m:t>
+                              </m:r>
+                              <m:r>
+                                <a:rPr lang="pt-PT" i="1">
+                                  <a:latin typeface="Cambria Math" panose="02040503050406030204" pitchFamily="18" charset="0"/>
+                                </a:rPr>
+                                <m:t>=1</m:t>
+                              </m:r>
+                            </m:sub>
+                            <m:sup>
+                              <m:r>
+                                <a:rPr lang="pt-PT" i="1">
+                                  <a:latin typeface="Cambria Math" panose="02040503050406030204" pitchFamily="18" charset="0"/>
+                                  <a:ea typeface="Cambria Math" panose="02040503050406030204" pitchFamily="18" charset="0"/>
+                                </a:rPr>
+                                <m:t>𝜇</m:t>
+                              </m:r>
+                            </m:sup>
+                            <m:e>
+                              <m:sSub>
+                                <m:sSubPr>
+                                  <m:ctrlPr>
+                                    <a:rPr lang="es-MX" i="1">
+                                      <a:latin typeface="Cambria Math" panose="02040503050406030204" pitchFamily="18" charset="0"/>
+                                    </a:rPr>
+                                  </m:ctrlPr>
+                                </m:sSubPr>
+                                <m:e>
+                                  <m:sSub>
+                                    <m:sSubPr>
+                                      <m:ctrlPr>
+                                        <a:rPr lang="pt-PT" i="1">
+                                          <a:latin typeface="Cambria Math" panose="02040503050406030204" pitchFamily="18" charset="0"/>
+                                        </a:rPr>
+                                      </m:ctrlPr>
+                                    </m:sSubPr>
+                                    <m:e>
+                                      <m:r>
+                                        <a:rPr lang="pt-PT" i="1">
+                                          <a:latin typeface="Cambria Math" panose="02040503050406030204" pitchFamily="18" charset="0"/>
+                                        </a:rPr>
+                                        <m:t>𝑖</m:t>
+                                      </m:r>
+                                    </m:e>
+                                    <m:sub>
+                                      <m:r>
+                                        <a:rPr lang="pt-PT" i="1">
+                                          <a:latin typeface="Cambria Math" panose="02040503050406030204" pitchFamily="18" charset="0"/>
+                                        </a:rPr>
+                                        <m:t>𝑝</m:t>
+                                      </m:r>
+                                      <m:r>
+                                        <a:rPr lang="pt-PT" i="1">
+                                          <a:latin typeface="Cambria Math" panose="02040503050406030204" pitchFamily="18" charset="0"/>
+                                        </a:rPr>
+                                        <m:t>,</m:t>
+                                      </m:r>
+                                      <m:r>
+                                        <a:rPr lang="pt-PT" i="1">
+                                          <a:latin typeface="Cambria Math" panose="02040503050406030204" pitchFamily="18" charset="0"/>
+                                        </a:rPr>
+                                        <m:t>𝑓</m:t>
+                                      </m:r>
+                                    </m:sub>
+                                  </m:sSub>
+                                </m:e>
+                                <m:sub>
+                                  <m:r>
+                                    <a:rPr lang="es-MX" i="1">
+                                      <a:latin typeface="Cambria Math" panose="02040503050406030204" pitchFamily="18" charset="0"/>
+                                    </a:rPr>
+                                    <m:t>𝑘</m:t>
+                                  </m:r>
+                                </m:sub>
+                              </m:sSub>
+                              <m:sSub>
+                                <m:sSubPr>
+                                  <m:ctrlPr>
+                                    <a:rPr lang="es-MX" b="0" i="1" smtClean="0">
+                                      <a:latin typeface="Cambria Math" panose="02040503050406030204" pitchFamily="18" charset="0"/>
+                                    </a:rPr>
+                                  </m:ctrlPr>
+                                </m:sSubPr>
+                                <m:e>
+                                  <m:r>
+                                    <a:rPr lang="es-MX" b="0" i="1" smtClean="0">
+                                      <a:latin typeface="Cambria Math" panose="02040503050406030204" pitchFamily="18" charset="0"/>
+                                    </a:rPr>
+                                    <m:t>𝑧</m:t>
+                                  </m:r>
+                                </m:e>
+                                <m:sub>
+                                  <m:r>
+                                    <a:rPr lang="es-MX" i="1">
+                                      <a:latin typeface="Cambria Math" panose="02040503050406030204" pitchFamily="18" charset="0"/>
+                                    </a:rPr>
+                                    <m:t>𝑝</m:t>
+                                  </m:r>
+                                  <m:r>
+                                    <a:rPr lang="es-MX" i="1">
+                                      <a:latin typeface="Cambria Math" panose="02040503050406030204" pitchFamily="18" charset="0"/>
+                                    </a:rPr>
+                                    <m:t>,</m:t>
+                                  </m:r>
+                                  <m:sSub>
+                                    <m:sSubPr>
+                                      <m:ctrlPr>
+                                        <a:rPr lang="es-MX" i="1">
+                                          <a:latin typeface="Cambria Math" panose="02040503050406030204" pitchFamily="18" charset="0"/>
+                                        </a:rPr>
+                                      </m:ctrlPr>
+                                    </m:sSubPr>
+                                    <m:e>
+                                      <m:r>
+                                        <a:rPr lang="es-MX" i="1">
+                                          <a:latin typeface="Cambria Math" panose="02040503050406030204" pitchFamily="18" charset="0"/>
+                                        </a:rPr>
+                                        <m:t>𝑓</m:t>
+                                      </m:r>
+                                    </m:e>
+                                    <m:sub>
+                                      <m:r>
+                                        <a:rPr lang="es-MX" i="1">
+                                          <a:latin typeface="Cambria Math" panose="02040503050406030204" pitchFamily="18" charset="0"/>
+                                        </a:rPr>
+                                        <m:t>𝑘</m:t>
+                                      </m:r>
+                                    </m:sub>
+                                  </m:sSub>
+                                  <m:r>
+                                    <a:rPr lang="es-MX" b="0" i="1" smtClean="0">
+                                      <a:latin typeface="Cambria Math" panose="02040503050406030204" pitchFamily="18" charset="0"/>
+                                    </a:rPr>
+                                    <m:t> </m:t>
+                                  </m:r>
+                                </m:sub>
+                              </m:sSub>
+                            </m:e>
+                          </m:nary>
+                        </m:num>
+                        <m:den>
+                          <m:nary>
+                            <m:naryPr>
+                              <m:chr m:val="∑"/>
+                              <m:ctrlPr>
+                                <a:rPr lang="pt-PT" i="1">
+                                  <a:latin typeface="Cambria Math" panose="02040503050406030204" pitchFamily="18" charset="0"/>
+                                </a:rPr>
+                              </m:ctrlPr>
+                            </m:naryPr>
+                            <m:sub>
+                              <m:r>
+                                <m:rPr>
+                                  <m:brk m:alnAt="23"/>
+                                </m:rPr>
+                                <a:rPr lang="pt-PT" i="1">
+                                  <a:latin typeface="Cambria Math" panose="02040503050406030204" pitchFamily="18" charset="0"/>
+                                </a:rPr>
+                                <m:t>𝑘</m:t>
+                              </m:r>
+                              <m:r>
+                                <a:rPr lang="pt-PT" i="1">
+                                  <a:latin typeface="Cambria Math" panose="02040503050406030204" pitchFamily="18" charset="0"/>
+                                </a:rPr>
+                                <m:t>=1</m:t>
+                              </m:r>
+                            </m:sub>
+                            <m:sup>
+                              <m:r>
+                                <a:rPr lang="pt-PT" i="1">
+                                  <a:latin typeface="Cambria Math" panose="02040503050406030204" pitchFamily="18" charset="0"/>
+                                  <a:ea typeface="Cambria Math" panose="02040503050406030204" pitchFamily="18" charset="0"/>
+                                </a:rPr>
+                                <m:t>𝜇</m:t>
+                              </m:r>
+                            </m:sup>
+                            <m:e>
+                              <m:sSub>
+                                <m:sSubPr>
+                                  <m:ctrlPr>
+                                    <a:rPr lang="es-MX" i="1">
+                                      <a:latin typeface="Cambria Math" panose="02040503050406030204" pitchFamily="18" charset="0"/>
+                                    </a:rPr>
+                                  </m:ctrlPr>
+                                </m:sSubPr>
+                                <m:e>
+                                  <m:sSub>
+                                    <m:sSubPr>
+                                      <m:ctrlPr>
+                                        <a:rPr lang="pt-PT" i="1">
+                                          <a:latin typeface="Cambria Math" panose="02040503050406030204" pitchFamily="18" charset="0"/>
+                                        </a:rPr>
+                                      </m:ctrlPr>
+                                    </m:sSubPr>
+                                    <m:e>
+                                      <m:r>
+                                        <a:rPr lang="pt-PT" i="1">
+                                          <a:latin typeface="Cambria Math" panose="02040503050406030204" pitchFamily="18" charset="0"/>
+                                        </a:rPr>
+                                        <m:t>𝑖</m:t>
+                                      </m:r>
+                                    </m:e>
+                                    <m:sub>
+                                      <m:r>
+                                        <a:rPr lang="pt-PT" i="1">
+                                          <a:latin typeface="Cambria Math" panose="02040503050406030204" pitchFamily="18" charset="0"/>
+                                        </a:rPr>
+                                        <m:t>𝑝</m:t>
+                                      </m:r>
+                                      <m:r>
+                                        <a:rPr lang="pt-PT" i="1">
+                                          <a:latin typeface="Cambria Math" panose="02040503050406030204" pitchFamily="18" charset="0"/>
+                                        </a:rPr>
+                                        <m:t>,</m:t>
+                                      </m:r>
+                                      <m:r>
+                                        <a:rPr lang="pt-PT" i="1">
+                                          <a:latin typeface="Cambria Math" panose="02040503050406030204" pitchFamily="18" charset="0"/>
+                                        </a:rPr>
+                                        <m:t>𝑓</m:t>
+                                      </m:r>
+                                    </m:sub>
+                                  </m:sSub>
+                                </m:e>
+                                <m:sub>
+                                  <m:r>
+                                    <a:rPr lang="es-MX" i="1">
+                                      <a:latin typeface="Cambria Math" panose="02040503050406030204" pitchFamily="18" charset="0"/>
+                                    </a:rPr>
+                                    <m:t>𝑘</m:t>
+                                  </m:r>
+                                </m:sub>
+                              </m:sSub>
+                            </m:e>
+                          </m:nary>
+                        </m:den>
+                      </m:f>
+                    </m:oMath>
+                  </m:oMathPara>
+                </a14:m>
+                <a:endParaRPr lang="en-US" dirty="0"/>
+              </a:p>
+            </p:txBody>
+          </p:sp>
+        </mc:Choice>
+        <mc:Fallback>
+          <p:sp>
+            <p:nvSpPr>
+              <p:cNvPr id="7" name="Rectangle 6">
+                <a:extLst>
+                  <a:ext uri="{FF2B5EF4-FFF2-40B4-BE49-F238E27FC236}">
+                    <a16:creationId xmlns:a16="http://schemas.microsoft.com/office/drawing/2014/main" id="{56672EC1-D364-4A38-8430-C770A93CF26F}"/>
+                  </a:ext>
+                </a:extLst>
+              </p:cNvPr>
+              <p:cNvSpPr>
+                <a:spLocks noRot="1" noChangeAspect="1" noMove="1" noResize="1" noEditPoints="1" noAdjustHandles="1" noChangeArrowheads="1" noChangeShapeType="1" noTextEdit="1"/>
+              </p:cNvSpPr>
+              <p:nvPr/>
+            </p:nvSpPr>
+            <p:spPr>
+              <a:xfrm>
+                <a:off x="5107529" y="3863555"/>
+                <a:ext cx="2224840" cy="837345"/>
+              </a:xfrm>
+              <a:prstGeom prst="rect">
+                <a:avLst/>
+              </a:prstGeom>
+              <a:blipFill>
+                <a:blip r:embed="rId6"/>
+                <a:stretch>
+                  <a:fillRect/>
+                </a:stretch>
+              </a:blipFill>
+            </p:spPr>
+            <p:txBody>
+              <a:bodyPr/>
+              <a:lstStyle/>
+              <a:p>
+                <a:r>
+                  <a:rPr lang="en-US">
+                    <a:noFill/>
+                  </a:rPr>
+                  <a:t> </a:t>
+                </a:r>
+              </a:p>
+            </p:txBody>
+          </p:sp>
+        </mc:Fallback>
+      </mc:AlternateContent>
+      <mc:AlternateContent xmlns:mc="http://schemas.openxmlformats.org/markup-compatibility/2006">
+        <mc:Choice xmlns:a14="http://schemas.microsoft.com/office/drawing/2010/main" Requires="a14">
+          <p:sp>
+            <p:nvSpPr>
+              <p:cNvPr id="8" name="Rectangle 7">
+                <a:extLst>
+                  <a:ext uri="{FF2B5EF4-FFF2-40B4-BE49-F238E27FC236}">
+                    <a16:creationId xmlns:a16="http://schemas.microsoft.com/office/drawing/2014/main" id="{0E6F472F-3D63-4512-8C27-6A08E2F5E10D}"/>
+                  </a:ext>
+                </a:extLst>
+              </p:cNvPr>
+              <p:cNvSpPr/>
+              <p:nvPr/>
+            </p:nvSpPr>
+            <p:spPr>
+              <a:xfrm>
+                <a:off x="5574431" y="5033218"/>
+                <a:ext cx="6391456" cy="692177"/>
+              </a:xfrm>
+              <a:prstGeom prst="rect">
+                <a:avLst/>
+              </a:prstGeom>
+            </p:spPr>
+            <p:txBody>
+              <a:bodyPr wrap="square">
+                <a:spAutoFit/>
+              </a:bodyPr>
+              <a:lstStyle/>
+              <a:p>
+                <a:r>
+                  <a:rPr lang="pt-PT" dirty="0" err="1"/>
+                  <a:t>Where</a:t>
+                </a:r>
+                <a:r>
+                  <a:rPr lang="pt-PT" dirty="0"/>
+                  <a:t> </a:t>
+                </a:r>
+                <a14:m>
+                  <m:oMath xmlns:m="http://schemas.openxmlformats.org/officeDocument/2006/math">
+                    <m:d>
+                      <m:dPr>
+                        <m:ctrlPr>
+                          <a:rPr lang="pt-PT" b="0" i="1" dirty="0" smtClean="0">
+                            <a:latin typeface="Cambria Math" panose="02040503050406030204" pitchFamily="18" charset="0"/>
+                          </a:rPr>
+                        </m:ctrlPr>
+                      </m:dPr>
+                      <m:e>
+                        <m:sSub>
+                          <m:sSubPr>
+                            <m:ctrlPr>
+                              <a:rPr lang="pt-PT" b="0" i="1" smtClean="0">
+                                <a:latin typeface="Cambria Math" panose="02040503050406030204" pitchFamily="18" charset="0"/>
+                              </a:rPr>
+                            </m:ctrlPr>
+                          </m:sSubPr>
+                          <m:e>
+                            <m:r>
+                              <a:rPr lang="pt-PT" b="0" i="1" smtClean="0">
+                                <a:latin typeface="Cambria Math" panose="02040503050406030204" pitchFamily="18" charset="0"/>
+                              </a:rPr>
+                              <m:t>𝑟</m:t>
+                            </m:r>
+                          </m:e>
+                          <m:sub>
+                            <m:r>
+                              <a:rPr lang="pt-PT" b="0" i="1" smtClean="0">
+                                <a:latin typeface="Cambria Math" panose="02040503050406030204" pitchFamily="18" charset="0"/>
+                              </a:rPr>
+                              <m:t>𝑝</m:t>
+                            </m:r>
+                            <m:r>
+                              <a:rPr lang="pt-PT" b="0" i="1" smtClean="0">
+                                <a:latin typeface="Cambria Math" panose="02040503050406030204" pitchFamily="18" charset="0"/>
+                              </a:rPr>
+                              <m:t>,</m:t>
+                            </m:r>
+                            <m:sSub>
+                              <m:sSubPr>
+                                <m:ctrlPr>
+                                  <a:rPr lang="pt-PT" b="0" i="1" smtClean="0">
+                                    <a:latin typeface="Cambria Math" panose="02040503050406030204" pitchFamily="18" charset="0"/>
+                                  </a:rPr>
+                                </m:ctrlPr>
+                              </m:sSubPr>
+                              <m:e>
+                                <m:r>
+                                  <a:rPr lang="pt-PT" b="0" i="1" smtClean="0">
+                                    <a:latin typeface="Cambria Math" panose="02040503050406030204" pitchFamily="18" charset="0"/>
+                                  </a:rPr>
+                                  <m:t>𝑓</m:t>
+                                </m:r>
+                              </m:e>
+                              <m:sub>
+                                <m:r>
+                                  <a:rPr lang="pt-PT" b="0" i="1" smtClean="0">
+                                    <a:latin typeface="Cambria Math" panose="02040503050406030204" pitchFamily="18" charset="0"/>
+                                  </a:rPr>
+                                  <m:t>𝑘</m:t>
+                                </m:r>
+                              </m:sub>
+                            </m:sSub>
+                          </m:sub>
+                        </m:sSub>
+                        <m:r>
+                          <a:rPr lang="pt-PT" b="0" i="1" smtClean="0">
+                            <a:latin typeface="Cambria Math" panose="02040503050406030204" pitchFamily="18" charset="0"/>
+                          </a:rPr>
+                          <m:t>,</m:t>
+                        </m:r>
+                        <m:sSub>
+                          <m:sSubPr>
+                            <m:ctrlPr>
+                              <a:rPr lang="pt-PT" i="1">
+                                <a:latin typeface="Cambria Math" panose="02040503050406030204" pitchFamily="18" charset="0"/>
+                              </a:rPr>
+                            </m:ctrlPr>
+                          </m:sSubPr>
+                          <m:e>
+                            <m:r>
+                              <a:rPr lang="pt-PT" b="0" i="1" smtClean="0">
+                                <a:latin typeface="Cambria Math" panose="02040503050406030204" pitchFamily="18" charset="0"/>
+                              </a:rPr>
+                              <m:t>𝑧</m:t>
+                            </m:r>
+                          </m:e>
+                          <m:sub>
+                            <m:r>
+                              <a:rPr lang="pt-PT" i="1">
+                                <a:latin typeface="Cambria Math" panose="02040503050406030204" pitchFamily="18" charset="0"/>
+                              </a:rPr>
+                              <m:t>𝑝</m:t>
+                            </m:r>
+                            <m:r>
+                              <a:rPr lang="pt-PT" i="1">
+                                <a:latin typeface="Cambria Math" panose="02040503050406030204" pitchFamily="18" charset="0"/>
+                              </a:rPr>
+                              <m:t>,</m:t>
+                            </m:r>
+                            <m:sSub>
+                              <m:sSubPr>
+                                <m:ctrlPr>
+                                  <a:rPr lang="pt-PT" i="1">
+                                    <a:latin typeface="Cambria Math" panose="02040503050406030204" pitchFamily="18" charset="0"/>
+                                  </a:rPr>
+                                </m:ctrlPr>
+                              </m:sSubPr>
+                              <m:e>
+                                <m:r>
+                                  <a:rPr lang="pt-PT" i="1">
+                                    <a:latin typeface="Cambria Math" panose="02040503050406030204" pitchFamily="18" charset="0"/>
+                                  </a:rPr>
+                                  <m:t>𝑓</m:t>
+                                </m:r>
+                              </m:e>
+                              <m:sub>
+                                <m:r>
+                                  <a:rPr lang="pt-PT" i="1">
+                                    <a:latin typeface="Cambria Math" panose="02040503050406030204" pitchFamily="18" charset="0"/>
+                                  </a:rPr>
+                                  <m:t>𝑘</m:t>
+                                </m:r>
+                              </m:sub>
+                            </m:sSub>
+                          </m:sub>
+                        </m:sSub>
+                      </m:e>
+                    </m:d>
+                    <m:r>
+                      <a:rPr lang="pt-PT" b="0" i="1" smtClean="0">
+                        <a:latin typeface="Cambria Math" panose="02040503050406030204" pitchFamily="18" charset="0"/>
+                      </a:rPr>
+                      <m:t> </m:t>
+                    </m:r>
+                  </m:oMath>
+                </a14:m>
+                <a:r>
+                  <a:rPr lang="en-US" dirty="0"/>
+                  <a:t>and</a:t>
+                </a:r>
+                <a14:m>
+                  <m:oMath xmlns:m="http://schemas.openxmlformats.org/officeDocument/2006/math">
+                    <m:sSub>
+                      <m:sSubPr>
+                        <m:ctrlPr>
+                          <a:rPr lang="pt-PT" i="1">
+                            <a:latin typeface="Cambria Math" panose="02040503050406030204" pitchFamily="18" charset="0"/>
+                          </a:rPr>
+                        </m:ctrlPr>
+                      </m:sSubPr>
+                      <m:e>
+                        <m:r>
+                          <a:rPr lang="pt-PT" b="0" i="1" smtClean="0">
+                            <a:latin typeface="Cambria Math" panose="02040503050406030204" pitchFamily="18" charset="0"/>
+                          </a:rPr>
+                          <m:t> </m:t>
+                        </m:r>
+                        <m:r>
+                          <a:rPr lang="pt-PT" b="0" i="1" smtClean="0">
+                            <a:latin typeface="Cambria Math" panose="02040503050406030204" pitchFamily="18" charset="0"/>
+                          </a:rPr>
+                          <m:t>𝑖</m:t>
+                        </m:r>
+                      </m:e>
+                      <m:sub>
+                        <m:r>
+                          <a:rPr lang="pt-PT" i="1">
+                            <a:latin typeface="Cambria Math" panose="02040503050406030204" pitchFamily="18" charset="0"/>
+                          </a:rPr>
+                          <m:t>𝑝</m:t>
+                        </m:r>
+                        <m:r>
+                          <a:rPr lang="pt-PT" i="1">
+                            <a:latin typeface="Cambria Math" panose="02040503050406030204" pitchFamily="18" charset="0"/>
+                          </a:rPr>
+                          <m:t>,</m:t>
+                        </m:r>
+                        <m:sSub>
+                          <m:sSubPr>
+                            <m:ctrlPr>
+                              <a:rPr lang="pt-PT" i="1">
+                                <a:latin typeface="Cambria Math" panose="02040503050406030204" pitchFamily="18" charset="0"/>
+                              </a:rPr>
+                            </m:ctrlPr>
+                          </m:sSubPr>
+                          <m:e>
+                            <m:r>
+                              <a:rPr lang="pt-PT" i="1">
+                                <a:latin typeface="Cambria Math" panose="02040503050406030204" pitchFamily="18" charset="0"/>
+                              </a:rPr>
+                              <m:t>𝑓</m:t>
+                            </m:r>
+                          </m:e>
+                          <m:sub>
+                            <m:r>
+                              <a:rPr lang="pt-PT" i="1">
+                                <a:latin typeface="Cambria Math" panose="02040503050406030204" pitchFamily="18" charset="0"/>
+                              </a:rPr>
+                              <m:t>𝑘</m:t>
+                            </m:r>
+                          </m:sub>
+                        </m:sSub>
+                      </m:sub>
+                    </m:sSub>
+                    <m:r>
+                      <a:rPr lang="pt-PT" b="0" i="1" smtClean="0">
+                        <a:latin typeface="Cambria Math" panose="02040503050406030204" pitchFamily="18" charset="0"/>
+                      </a:rPr>
+                      <m:t> </m:t>
+                    </m:r>
+                  </m:oMath>
+                </a14:m>
+                <a:r>
+                  <a:rPr lang="en-US" dirty="0"/>
+                  <a:t>are the position and the current of the filament </a:t>
+                </a:r>
+                <a14:m>
+                  <m:oMath xmlns:m="http://schemas.openxmlformats.org/officeDocument/2006/math">
+                    <m:r>
+                      <a:rPr lang="pt-PT" b="0" i="1" smtClean="0">
+                        <a:latin typeface="Cambria Math" panose="02040503050406030204" pitchFamily="18" charset="0"/>
+                      </a:rPr>
+                      <m:t>𝑘</m:t>
+                    </m:r>
+                    <m:r>
+                      <a:rPr lang="pt-PT" b="0" i="1" smtClean="0">
+                        <a:latin typeface="Cambria Math" panose="02040503050406030204" pitchFamily="18" charset="0"/>
+                      </a:rPr>
+                      <m:t>, </m:t>
+                    </m:r>
+                    <m:r>
+                      <a:rPr lang="pt-PT" b="0" i="1" smtClean="0">
+                        <a:latin typeface="Cambria Math" panose="02040503050406030204" pitchFamily="18" charset="0"/>
+                      </a:rPr>
+                      <m:t>𝑘</m:t>
+                    </m:r>
+                    <m:r>
+                      <a:rPr lang="pt-PT" b="0" i="1" smtClean="0">
+                        <a:latin typeface="Cambria Math" panose="02040503050406030204" pitchFamily="18" charset="0"/>
+                      </a:rPr>
+                      <m:t>=1,2,…,</m:t>
+                    </m:r>
+                    <m:r>
+                      <a:rPr lang="pt-PT" b="0" i="1" smtClean="0">
+                        <a:latin typeface="Cambria Math" panose="02040503050406030204" pitchFamily="18" charset="0"/>
+                        <a:ea typeface="Cambria Math" panose="02040503050406030204" pitchFamily="18" charset="0"/>
+                      </a:rPr>
+                      <m:t>𝜇</m:t>
+                    </m:r>
+                  </m:oMath>
+                </a14:m>
+                <a:r>
+                  <a:rPr lang="en-US" dirty="0"/>
+                  <a:t> , respectively. </a:t>
+                </a:r>
+              </a:p>
+            </p:txBody>
+          </p:sp>
+        </mc:Choice>
+        <mc:Fallback>
+          <p:sp>
+            <p:nvSpPr>
+              <p:cNvPr id="8" name="Rectangle 7">
+                <a:extLst>
+                  <a:ext uri="{FF2B5EF4-FFF2-40B4-BE49-F238E27FC236}">
+                    <a16:creationId xmlns:a16="http://schemas.microsoft.com/office/drawing/2014/main" id="{0E6F472F-3D63-4512-8C27-6A08E2F5E10D}"/>
+                  </a:ext>
+                </a:extLst>
+              </p:cNvPr>
+              <p:cNvSpPr>
+                <a:spLocks noRot="1" noChangeAspect="1" noMove="1" noResize="1" noEditPoints="1" noAdjustHandles="1" noChangeArrowheads="1" noChangeShapeType="1" noTextEdit="1"/>
+              </p:cNvSpPr>
+              <p:nvPr/>
+            </p:nvSpPr>
+            <p:spPr>
+              <a:xfrm>
+                <a:off x="5574431" y="5033218"/>
+                <a:ext cx="6391456" cy="692177"/>
+              </a:xfrm>
+              <a:prstGeom prst="rect">
+                <a:avLst/>
+              </a:prstGeom>
+              <a:blipFill>
+                <a:blip r:embed="rId7"/>
+                <a:stretch>
+                  <a:fillRect l="-763" t="-1770" b="-14159"/>
+                </a:stretch>
+              </a:blipFill>
+            </p:spPr>
+            <p:txBody>
+              <a:bodyPr/>
+              <a:lstStyle/>
+              <a:p>
+                <a:r>
+                  <a:rPr lang="en-US">
+                    <a:noFill/>
+                  </a:rPr>
+                  <a:t> </a:t>
+                </a:r>
+              </a:p>
+            </p:txBody>
+          </p:sp>
+        </mc:Fallback>
+      </mc:AlternateContent>
+      <p:sp>
+        <p:nvSpPr>
+          <p:cNvPr id="9" name="Rectangle 8">
+            <a:extLst>
+              <a:ext uri="{FF2B5EF4-FFF2-40B4-BE49-F238E27FC236}">
+                <a16:creationId xmlns:a16="http://schemas.microsoft.com/office/drawing/2014/main" id="{FF26214C-69AE-4FE6-B8CD-6F2DE9B60E35}"/>
+              </a:ext>
+            </a:extLst>
+          </p:cNvPr>
+          <p:cNvSpPr/>
+          <p:nvPr/>
+        </p:nvSpPr>
+        <p:spPr>
+          <a:xfrm>
+            <a:off x="581890" y="6323598"/>
+            <a:ext cx="8556890" cy="338554"/>
+          </a:xfrm>
+          <a:prstGeom prst="rect">
+            <a:avLst/>
+          </a:prstGeom>
+        </p:spPr>
+        <p:txBody>
+          <a:bodyPr wrap="square">
+            <a:spAutoFit/>
+          </a:bodyPr>
+          <a:lstStyle/>
+          <a:p>
+            <a:pPr>
+              <a:buFont typeface="Arial" panose="020B0604020202020204" pitchFamily="34" charset="0"/>
+              <a:buChar char="•"/>
+            </a:pPr>
+            <a:r>
+              <a:rPr lang="en-US" sz="1600" dirty="0" err="1">
+                <a:solidFill>
+                  <a:srgbClr val="777777"/>
+                </a:solidFill>
+                <a:latin typeface="Open Sans"/>
+              </a:rPr>
+              <a:t>Pironti</a:t>
+            </a:r>
+            <a:r>
+              <a:rPr lang="en-US" sz="1600" dirty="0">
+                <a:solidFill>
+                  <a:srgbClr val="777777"/>
+                </a:solidFill>
+                <a:latin typeface="Open Sans"/>
+              </a:rPr>
+              <a:t> A., </a:t>
+            </a:r>
+            <a:r>
+              <a:rPr lang="en-US" sz="1600" i="1" dirty="0">
+                <a:solidFill>
+                  <a:srgbClr val="777777"/>
+                </a:solidFill>
+                <a:latin typeface="Open Sans"/>
+              </a:rPr>
+              <a:t>Magnetic Control of Tokamak Plasmas</a:t>
+            </a:r>
+            <a:r>
+              <a:rPr lang="en-US" sz="1600" dirty="0">
+                <a:solidFill>
+                  <a:srgbClr val="777777"/>
+                </a:solidFill>
+                <a:latin typeface="Open Sans"/>
+              </a:rPr>
+              <a:t>, 2</a:t>
+            </a:r>
+            <a:r>
+              <a:rPr lang="en-US" sz="1600" baseline="30000" dirty="0">
+                <a:solidFill>
+                  <a:srgbClr val="777777"/>
+                </a:solidFill>
+                <a:latin typeface="Open Sans"/>
+              </a:rPr>
+              <a:t>nd</a:t>
+            </a:r>
+            <a:r>
+              <a:rPr lang="en-US" sz="1600" dirty="0">
+                <a:solidFill>
+                  <a:srgbClr val="777777"/>
+                </a:solidFill>
+                <a:latin typeface="Open Sans"/>
+              </a:rPr>
+              <a:t> ed. Springer, 2016</a:t>
+            </a:r>
+            <a:endParaRPr lang="en-US" sz="1600" b="0" i="0" dirty="0">
+              <a:solidFill>
+                <a:srgbClr val="777777"/>
+              </a:solidFill>
+              <a:effectLst/>
+              <a:latin typeface="Open Sans"/>
+            </a:endParaRPr>
+          </a:p>
+        </p:txBody>
+      </p:sp>
+      <p:sp>
+        <p:nvSpPr>
+          <p:cNvPr id="10" name="Rectangle 9">
+            <a:extLst>
+              <a:ext uri="{FF2B5EF4-FFF2-40B4-BE49-F238E27FC236}">
+                <a16:creationId xmlns:a16="http://schemas.microsoft.com/office/drawing/2014/main" id="{EC6666BF-5EBE-4B50-A865-E195CEEC5C24}"/>
+              </a:ext>
+            </a:extLst>
+          </p:cNvPr>
+          <p:cNvSpPr/>
+          <p:nvPr/>
+        </p:nvSpPr>
+        <p:spPr>
+          <a:xfrm>
+            <a:off x="5032409" y="3731491"/>
+            <a:ext cx="6933478" cy="2555348"/>
+          </a:xfrm>
+          <a:prstGeom prst="rect">
+            <a:avLst/>
+          </a:prstGeom>
+          <a:noFill/>
+          <a:ln w="28575">
+            <a:solidFill>
+              <a:schemeClr val="accent2">
+                <a:lumMod val="75000"/>
+              </a:schemeClr>
+            </a:solidFill>
+          </a:ln>
+        </p:spPr>
+        <p:style>
+          <a:lnRef idx="2">
+            <a:schemeClr val="accent1">
+              <a:shade val="50000"/>
+            </a:schemeClr>
+          </a:lnRef>
+          <a:fillRef idx="1">
+            <a:schemeClr val="accent1"/>
+          </a:fillRef>
+          <a:effectRef idx="0">
+            <a:schemeClr val="accent1"/>
+          </a:effectRef>
+          <a:fontRef idx="minor">
+            <a:schemeClr val="lt1"/>
+          </a:fontRef>
+        </p:style>
+        <p:txBody>
+          <a:bodyPr rtlCol="0" anchor="ctr"/>
+          <a:lstStyle/>
+          <a:p>
+            <a:pPr algn="ctr"/>
+            <a:endParaRPr lang="en-US"/>
+          </a:p>
+        </p:txBody>
+      </p:sp>
+      <mc:AlternateContent xmlns:mc="http://schemas.openxmlformats.org/markup-compatibility/2006">
+        <mc:Choice xmlns:a14="http://schemas.microsoft.com/office/drawing/2010/main" Requires="a14">
+          <p:sp>
+            <p:nvSpPr>
+              <p:cNvPr id="15" name="Rectangle 14">
+                <a:extLst>
+                  <a:ext uri="{FF2B5EF4-FFF2-40B4-BE49-F238E27FC236}">
+                    <a16:creationId xmlns:a16="http://schemas.microsoft.com/office/drawing/2014/main" id="{4AF5787F-6B2C-42D6-ABD2-3E21E039672E}"/>
+                  </a:ext>
+                </a:extLst>
+              </p:cNvPr>
+              <p:cNvSpPr/>
+              <p:nvPr/>
+            </p:nvSpPr>
+            <p:spPr>
+              <a:xfrm>
+                <a:off x="581890" y="389478"/>
+                <a:ext cx="11012567" cy="2737031"/>
+              </a:xfrm>
+              <a:prstGeom prst="rect">
+                <a:avLst/>
+              </a:prstGeom>
+            </p:spPr>
+            <p:txBody>
+              <a:bodyPr wrap="none">
+                <a:spAutoFit/>
+              </a:bodyPr>
+              <a:lstStyle/>
+              <a:p>
+                <a14:m>
+                  <m:oMath xmlns:m="http://schemas.openxmlformats.org/officeDocument/2006/math">
+                    <m:sSubSup>
+                      <m:sSubSupPr>
+                        <m:ctrlPr>
+                          <a:rPr lang="es-MX" sz="1500" i="1" smtClean="0">
+                            <a:latin typeface="Cambria Math" panose="02040503050406030204" pitchFamily="18" charset="0"/>
+                          </a:rPr>
+                        </m:ctrlPr>
+                      </m:sSubSupPr>
+                      <m:e>
+                        <m:r>
+                          <a:rPr lang="es-MX" sz="1500" i="1" smtClean="0">
+                            <a:latin typeface="Cambria Math" panose="02040503050406030204" pitchFamily="18" charset="0"/>
+                          </a:rPr>
+                          <m:t>𝑀</m:t>
+                        </m:r>
+                      </m:e>
+                      <m:sub>
+                        <m:r>
+                          <a:rPr lang="es-MX" sz="1500" i="1">
+                            <a:latin typeface="Cambria Math" panose="02040503050406030204" pitchFamily="18" charset="0"/>
+                          </a:rPr>
+                          <m:t>𝑓𝑝</m:t>
+                        </m:r>
+                      </m:sub>
+                      <m:sup>
+                        <m:r>
+                          <a:rPr lang="en-US" sz="1500">
+                            <a:latin typeface="Cambria Math" panose="02040503050406030204" pitchFamily="18" charset="0"/>
+                          </a:rPr>
+                          <m:t>†</m:t>
+                        </m:r>
+                      </m:sup>
+                    </m:sSubSup>
+                    <m:r>
+                      <a:rPr lang="es-MX" sz="1500" i="1">
+                        <a:latin typeface="Cambria Math" panose="02040503050406030204" pitchFamily="18" charset="0"/>
+                      </a:rPr>
+                      <m:t> </m:t>
+                    </m:r>
+                    <m:r>
+                      <a:rPr lang="es-MX" sz="1500" b="0" i="1" smtClean="0">
+                        <a:latin typeface="Cambria Math" panose="02040503050406030204" pitchFamily="18" charset="0"/>
+                      </a:rPr>
+                      <m:t>=</m:t>
+                    </m:r>
+                    <m:sSup>
+                      <m:sSupPr>
+                        <m:ctrlPr>
+                          <a:rPr lang="es-MX" sz="1500" b="0" i="1" smtClean="0">
+                            <a:latin typeface="Cambria Math" panose="02040503050406030204" pitchFamily="18" charset="0"/>
+                          </a:rPr>
+                        </m:ctrlPr>
+                      </m:sSupPr>
+                      <m:e>
+                        <m:r>
+                          <a:rPr lang="es-MX" sz="1500" b="0" i="1" smtClean="0">
+                            <a:latin typeface="Cambria Math" panose="02040503050406030204" pitchFamily="18" charset="0"/>
+                          </a:rPr>
+                          <m:t>10</m:t>
+                        </m:r>
+                      </m:e>
+                      <m:sup>
+                        <m:r>
+                          <a:rPr lang="es-MX" sz="1500" b="0" i="1" smtClean="0">
+                            <a:latin typeface="Cambria Math" panose="02040503050406030204" pitchFamily="18" charset="0"/>
+                          </a:rPr>
+                          <m:t>−6</m:t>
+                        </m:r>
+                      </m:sup>
+                    </m:sSup>
+                    <m:r>
+                      <a:rPr lang="es-MX" sz="1500" b="0" i="1" smtClean="0">
+                        <a:latin typeface="Cambria Math" panose="02040503050406030204" pitchFamily="18" charset="0"/>
+                        <a:ea typeface="Cambria Math" panose="02040503050406030204" pitchFamily="18" charset="0"/>
+                      </a:rPr>
+                      <m:t>×</m:t>
+                    </m:r>
+                    <m:d>
+                      <m:dPr>
+                        <m:begChr m:val="["/>
+                        <m:endChr m:val="]"/>
+                        <m:ctrlPr>
+                          <a:rPr lang="es-MX" sz="1500" b="0" i="1" smtClean="0">
+                            <a:latin typeface="Cambria Math" panose="02040503050406030204" pitchFamily="18" charset="0"/>
+                            <a:ea typeface="Cambria Math" panose="02040503050406030204" pitchFamily="18" charset="0"/>
+                          </a:rPr>
+                        </m:ctrlPr>
+                      </m:dPr>
+                      <m:e>
+                        <m:m>
+                          <m:mPr>
+                            <m:mcs>
+                              <m:mc>
+                                <m:mcPr>
+                                  <m:count m:val="12"/>
+                                  <m:mcJc m:val="center"/>
+                                </m:mcPr>
+                              </m:mc>
+                            </m:mcs>
+                            <m:ctrlPr>
+                              <a:rPr lang="es-MX" sz="1500" b="0" i="1" smtClean="0">
+                                <a:latin typeface="Cambria Math" panose="02040503050406030204" pitchFamily="18" charset="0"/>
+                                <a:ea typeface="Cambria Math" panose="02040503050406030204" pitchFamily="18" charset="0"/>
+                              </a:rPr>
+                            </m:ctrlPr>
+                          </m:mPr>
+                          <m:mr>
+                            <m:e>
+                              <m:r>
+                                <a:rPr lang="es-MX" sz="1500" i="1">
+                                  <a:latin typeface="Cambria Math" panose="02040503050406030204" pitchFamily="18" charset="0"/>
+                                  <a:ea typeface="Cambria Math" panose="02040503050406030204" pitchFamily="18" charset="0"/>
+                                </a:rPr>
+                                <m:t>0.558</m:t>
+                              </m:r>
+                            </m:e>
+                            <m:e>
+                              <m:r>
+                                <a:rPr lang="es-MX" sz="1500" i="1">
+                                  <a:latin typeface="Cambria Math" panose="02040503050406030204" pitchFamily="18" charset="0"/>
+                                  <a:ea typeface="Cambria Math" panose="02040503050406030204" pitchFamily="18" charset="0"/>
+                                </a:rPr>
+                                <m:t>−0.423</m:t>
+                              </m:r>
+                            </m:e>
+                            <m:e>
+                              <m:r>
+                                <a:rPr lang="es-MX" sz="1500" i="1">
+                                  <a:latin typeface="Cambria Math" panose="02040503050406030204" pitchFamily="18" charset="0"/>
+                                  <a:ea typeface="Cambria Math" panose="02040503050406030204" pitchFamily="18" charset="0"/>
+                                </a:rPr>
+                                <m:t>0.263</m:t>
+                              </m:r>
+                            </m:e>
+                            <m:e>
+                              <m:r>
+                                <a:rPr lang="es-MX" sz="1500" i="1">
+                                  <a:latin typeface="Cambria Math" panose="02040503050406030204" pitchFamily="18" charset="0"/>
+                                  <a:ea typeface="Cambria Math" panose="02040503050406030204" pitchFamily="18" charset="0"/>
+                                </a:rPr>
+                                <m:t>−0.117</m:t>
+                              </m:r>
+                            </m:e>
+                            <m:e>
+                              <m:r>
+                                <a:rPr lang="es-MX" sz="1500" i="1">
+                                  <a:latin typeface="Cambria Math" panose="02040503050406030204" pitchFamily="18" charset="0"/>
+                                  <a:ea typeface="Cambria Math" panose="02040503050406030204" pitchFamily="18" charset="0"/>
+                                </a:rPr>
+                                <m:t>0.019</m:t>
+                              </m:r>
+                            </m:e>
+                            <m:e>
+                              <m:r>
+                                <a:rPr lang="es-MX" sz="1500" i="1">
+                                  <a:latin typeface="Cambria Math" panose="02040503050406030204" pitchFamily="18" charset="0"/>
+                                  <a:ea typeface="Cambria Math" panose="02040503050406030204" pitchFamily="18" charset="0"/>
+                                </a:rPr>
+                                <m:t>0.065</m:t>
+                              </m:r>
+                            </m:e>
+                            <m:e>
+                              <m:r>
+                                <a:rPr lang="es-MX" sz="1500" i="1">
+                                  <a:latin typeface="Cambria Math" panose="02040503050406030204" pitchFamily="18" charset="0"/>
+                                  <a:ea typeface="Cambria Math" panose="02040503050406030204" pitchFamily="18" charset="0"/>
+                                </a:rPr>
+                                <m:t>−0.147</m:t>
+                              </m:r>
+                            </m:e>
+                            <m:e>
+                              <m:r>
+                                <a:rPr lang="es-MX" sz="1500" i="1">
+                                  <a:latin typeface="Cambria Math" panose="02040503050406030204" pitchFamily="18" charset="0"/>
+                                  <a:ea typeface="Cambria Math" panose="02040503050406030204" pitchFamily="18" charset="0"/>
+                                </a:rPr>
+                                <m:t>0.270</m:t>
+                              </m:r>
+                            </m:e>
+                            <m:e>
+                              <m:r>
+                                <a:rPr lang="es-MX" sz="1500" i="1">
+                                  <a:latin typeface="Cambria Math" panose="02040503050406030204" pitchFamily="18" charset="0"/>
+                                  <a:ea typeface="Cambria Math" panose="02040503050406030204" pitchFamily="18" charset="0"/>
+                                </a:rPr>
+                                <m:t>−0.446</m:t>
+                              </m:r>
+                            </m:e>
+                            <m:e>
+                              <m:r>
+                                <a:rPr lang="es-MX" sz="1500" i="1">
+                                  <a:latin typeface="Cambria Math" panose="02040503050406030204" pitchFamily="18" charset="0"/>
+                                  <a:ea typeface="Cambria Math" panose="02040503050406030204" pitchFamily="18" charset="0"/>
+                                </a:rPr>
+                                <m:t>0.699</m:t>
+                              </m:r>
+                            </m:e>
+                            <m:e>
+                              <m:r>
+                                <a:rPr lang="es-MX" sz="1500" i="1">
+                                  <a:latin typeface="Cambria Math" panose="02040503050406030204" pitchFamily="18" charset="0"/>
+                                  <a:ea typeface="Cambria Math" panose="02040503050406030204" pitchFamily="18" charset="0"/>
+                                </a:rPr>
+                                <m:t>−0.612</m:t>
+                              </m:r>
+                            </m:e>
+                            <m:e>
+                              <m:r>
+                                <a:rPr lang="es-MX" sz="1500" i="1">
+                                  <a:latin typeface="Cambria Math" panose="02040503050406030204" pitchFamily="18" charset="0"/>
+                                  <a:ea typeface="Cambria Math" panose="02040503050406030204" pitchFamily="18" charset="0"/>
+                                </a:rPr>
+                                <m:t>−0.195</m:t>
+                              </m:r>
+                            </m:e>
+                          </m:mr>
+                          <m:mr>
+                            <m:e>
+                              <m:r>
+                                <a:rPr lang="es-MX" sz="1500" i="1">
+                                  <a:latin typeface="Cambria Math" panose="02040503050406030204" pitchFamily="18" charset="0"/>
+                                  <a:ea typeface="Cambria Math" panose="02040503050406030204" pitchFamily="18" charset="0"/>
+                                </a:rPr>
+                                <m:t>−0.351</m:t>
+                              </m:r>
+                            </m:e>
+                            <m:e>
+                              <m:r>
+                                <a:rPr lang="es-MX" sz="1500" i="1">
+                                  <a:latin typeface="Cambria Math" panose="02040503050406030204" pitchFamily="18" charset="0"/>
+                                  <a:ea typeface="Cambria Math" panose="02040503050406030204" pitchFamily="18" charset="0"/>
+                                </a:rPr>
+                                <m:t>0.233</m:t>
+                              </m:r>
+                            </m:e>
+                            <m:e>
+                              <m:r>
+                                <a:rPr lang="es-MX" sz="1500" i="1">
+                                  <a:latin typeface="Cambria Math" panose="02040503050406030204" pitchFamily="18" charset="0"/>
+                                  <a:ea typeface="Cambria Math" panose="02040503050406030204" pitchFamily="18" charset="0"/>
+                                </a:rPr>
+                                <m:t>−0.094</m:t>
+                              </m:r>
+                            </m:e>
+                            <m:e>
+                              <m:r>
+                                <a:rPr lang="es-MX" sz="1500" i="1">
+                                  <a:latin typeface="Cambria Math" panose="02040503050406030204" pitchFamily="18" charset="0"/>
+                                  <a:ea typeface="Cambria Math" panose="02040503050406030204" pitchFamily="18" charset="0"/>
+                                </a:rPr>
+                                <m:t>−0.007</m:t>
+                              </m:r>
+                            </m:e>
+                            <m:e>
+                              <m:r>
+                                <a:rPr lang="es-MX" sz="1500" i="1">
+                                  <a:latin typeface="Cambria Math" panose="02040503050406030204" pitchFamily="18" charset="0"/>
+                                  <a:ea typeface="Cambria Math" panose="02040503050406030204" pitchFamily="18" charset="0"/>
+                                </a:rPr>
+                                <m:t>0.092</m:t>
+                              </m:r>
+                            </m:e>
+                            <m:e>
+                              <m:r>
+                                <a:rPr lang="es-MX" sz="1500" i="1">
+                                  <a:latin typeface="Cambria Math" panose="02040503050406030204" pitchFamily="18" charset="0"/>
+                                  <a:ea typeface="Cambria Math" panose="02040503050406030204" pitchFamily="18" charset="0"/>
+                                </a:rPr>
+                                <m:t>−0.164</m:t>
+                              </m:r>
+                            </m:e>
+                            <m:e>
+                              <m:r>
+                                <a:rPr lang="es-MX" sz="1500" i="1">
+                                  <a:latin typeface="Cambria Math" panose="02040503050406030204" pitchFamily="18" charset="0"/>
+                                  <a:ea typeface="Cambria Math" panose="02040503050406030204" pitchFamily="18" charset="0"/>
+                                </a:rPr>
+                                <m:t>0.264</m:t>
+                              </m:r>
+                            </m:e>
+                            <m:e>
+                              <m:r>
+                                <a:rPr lang="es-MX" sz="1500" i="1">
+                                  <a:latin typeface="Cambria Math" panose="02040503050406030204" pitchFamily="18" charset="0"/>
+                                  <a:ea typeface="Cambria Math" panose="02040503050406030204" pitchFamily="18" charset="0"/>
+                                </a:rPr>
+                                <m:t>−0.409</m:t>
+                              </m:r>
+                            </m:e>
+                            <m:e>
+                              <m:r>
+                                <a:rPr lang="es-MX" sz="1500" i="1">
+                                  <a:latin typeface="Cambria Math" panose="02040503050406030204" pitchFamily="18" charset="0"/>
+                                  <a:ea typeface="Cambria Math" panose="02040503050406030204" pitchFamily="18" charset="0"/>
+                                </a:rPr>
+                                <m:t>0.645</m:t>
+                              </m:r>
+                            </m:e>
+                            <m:e>
+                              <m:r>
+                                <a:rPr lang="es-MX" sz="1500" i="1">
+                                  <a:latin typeface="Cambria Math" panose="02040503050406030204" pitchFamily="18" charset="0"/>
+                                  <a:ea typeface="Cambria Math" panose="02040503050406030204" pitchFamily="18" charset="0"/>
+                                </a:rPr>
+                                <m:t>−0.649</m:t>
+                              </m:r>
+                            </m:e>
+                            <m:e>
+                              <m:r>
+                                <a:rPr lang="es-MX" sz="1500" i="1">
+                                  <a:latin typeface="Cambria Math" panose="02040503050406030204" pitchFamily="18" charset="0"/>
+                                  <a:ea typeface="Cambria Math" panose="02040503050406030204" pitchFamily="18" charset="0"/>
+                                </a:rPr>
+                                <m:t>−0.019</m:t>
+                              </m:r>
+                            </m:e>
+                            <m:e>
+                              <m:r>
+                                <a:rPr lang="es-MX" sz="1500" i="1">
+                                  <a:latin typeface="Cambria Math" panose="02040503050406030204" pitchFamily="18" charset="0"/>
+                                  <a:ea typeface="Cambria Math" panose="02040503050406030204" pitchFamily="18" charset="0"/>
+                                </a:rPr>
+                                <m:t>0.413</m:t>
+                              </m:r>
+                            </m:e>
+                          </m:mr>
+                          <m:mr>
+                            <m:e>
+                              <m:r>
+                                <a:rPr lang="es-MX" sz="1500" i="1">
+                                  <a:latin typeface="Cambria Math" panose="02040503050406030204" pitchFamily="18" charset="0"/>
+                                  <a:ea typeface="Cambria Math" panose="02040503050406030204" pitchFamily="18" charset="0"/>
+                                </a:rPr>
+                                <m:t>0.207</m:t>
+                              </m:r>
+                            </m:e>
+                            <m:e>
+                              <m:r>
+                                <a:rPr lang="es-MX" sz="1500" i="1">
+                                  <a:latin typeface="Cambria Math" panose="02040503050406030204" pitchFamily="18" charset="0"/>
+                                  <a:ea typeface="Cambria Math" panose="02040503050406030204" pitchFamily="18" charset="0"/>
+                                </a:rPr>
+                                <m:t>−0.075</m:t>
+                              </m:r>
+                            </m:e>
+                            <m:e>
+                              <m:r>
+                                <a:rPr lang="es-MX" sz="1500" i="1">
+                                  <a:latin typeface="Cambria Math" panose="02040503050406030204" pitchFamily="18" charset="0"/>
+                                  <a:ea typeface="Cambria Math" panose="02040503050406030204" pitchFamily="18" charset="0"/>
+                                </a:rPr>
+                                <m:t>−0.031</m:t>
+                              </m:r>
+                            </m:e>
+                            <m:e>
+                              <m:r>
+                                <a:rPr lang="es-MX" sz="1500" i="1">
+                                  <a:latin typeface="Cambria Math" panose="02040503050406030204" pitchFamily="18" charset="0"/>
+                                  <a:ea typeface="Cambria Math" panose="02040503050406030204" pitchFamily="18" charset="0"/>
+                                </a:rPr>
+                                <m:t>0.121</m:t>
+                              </m:r>
+                            </m:e>
+                            <m:e>
+                              <m:r>
+                                <a:rPr lang="es-MX" sz="1500" i="1">
+                                  <a:latin typeface="Cambria Math" panose="02040503050406030204" pitchFamily="18" charset="0"/>
+                                  <a:ea typeface="Cambria Math" panose="02040503050406030204" pitchFamily="18" charset="0"/>
+                                </a:rPr>
+                                <m:t>−0.187</m:t>
+                              </m:r>
+                            </m:e>
+                            <m:e>
+                              <m:r>
+                                <a:rPr lang="es-MX" sz="1500" i="1">
+                                  <a:latin typeface="Cambria Math" panose="02040503050406030204" pitchFamily="18" charset="0"/>
+                                  <a:ea typeface="Cambria Math" panose="02040503050406030204" pitchFamily="18" charset="0"/>
+                                </a:rPr>
+                                <m:t>0.268</m:t>
+                              </m:r>
+                            </m:e>
+                            <m:e>
+                              <m:r>
+                                <a:rPr lang="es-MX" sz="1500" i="1">
+                                  <a:latin typeface="Cambria Math" panose="02040503050406030204" pitchFamily="18" charset="0"/>
+                                  <a:ea typeface="Cambria Math" panose="02040503050406030204" pitchFamily="18" charset="0"/>
+                                </a:rPr>
+                                <m:t>−0.377</m:t>
+                              </m:r>
+                            </m:e>
+                            <m:e>
+                              <m:r>
+                                <a:rPr lang="es-MX" sz="1500" i="1">
+                                  <a:latin typeface="Cambria Math" panose="02040503050406030204" pitchFamily="18" charset="0"/>
+                                  <a:ea typeface="Cambria Math" panose="02040503050406030204" pitchFamily="18" charset="0"/>
+                                </a:rPr>
+                                <m:t>0.565</m:t>
+                              </m:r>
+                            </m:e>
+                            <m:e>
+                              <m:r>
+                                <a:rPr lang="es-MX" sz="1500" i="1">
+                                  <a:latin typeface="Cambria Math" panose="02040503050406030204" pitchFamily="18" charset="0"/>
+                                  <a:ea typeface="Cambria Math" panose="02040503050406030204" pitchFamily="18" charset="0"/>
+                                </a:rPr>
+                                <m:t>−0.580</m:t>
+                              </m:r>
+                            </m:e>
+                            <m:e>
+                              <m:r>
+                                <a:rPr lang="es-MX" sz="1500" i="1">
+                                  <a:latin typeface="Cambria Math" panose="02040503050406030204" pitchFamily="18" charset="0"/>
+                                  <a:ea typeface="Cambria Math" panose="02040503050406030204" pitchFamily="18" charset="0"/>
+                                </a:rPr>
+                                <m:t>0.033</m:t>
+                              </m:r>
+                            </m:e>
+                            <m:e>
+                              <m:r>
+                                <a:rPr lang="es-MX" sz="1500" i="1">
+                                  <a:latin typeface="Cambria Math" panose="02040503050406030204" pitchFamily="18" charset="0"/>
+                                  <a:ea typeface="Cambria Math" panose="02040503050406030204" pitchFamily="18" charset="0"/>
+                                </a:rPr>
+                                <m:t>0.321</m:t>
+                              </m:r>
+                            </m:e>
+                            <m:e>
+                              <m:r>
+                                <a:rPr lang="es-MX" sz="1500" i="1">
+                                  <a:latin typeface="Cambria Math" panose="02040503050406030204" pitchFamily="18" charset="0"/>
+                                  <a:ea typeface="Cambria Math" panose="02040503050406030204" pitchFamily="18" charset="0"/>
+                                </a:rPr>
+                                <m:t>−0.293</m:t>
+                              </m:r>
+                            </m:e>
+                          </m:mr>
+                          <m:mr>
+                            <m:e>
+                              <m:r>
+                                <a:rPr lang="es-MX" sz="1500" i="1">
+                                  <a:latin typeface="Cambria Math" panose="02040503050406030204" pitchFamily="18" charset="0"/>
+                                  <a:ea typeface="Cambria Math" panose="02040503050406030204" pitchFamily="18" charset="0"/>
+                                </a:rPr>
+                                <m:t>−0.086</m:t>
+                              </m:r>
+                            </m:e>
+                            <m:e>
+                              <m:r>
+                                <a:rPr lang="es-MX" sz="1500" i="1">
+                                  <a:latin typeface="Cambria Math" panose="02040503050406030204" pitchFamily="18" charset="0"/>
+                                  <a:ea typeface="Cambria Math" panose="02040503050406030204" pitchFamily="18" charset="0"/>
+                                </a:rPr>
+                                <m:t>−0.033</m:t>
+                              </m:r>
+                            </m:e>
+                            <m:e>
+                              <m:r>
+                                <a:rPr lang="es-MX" sz="1500" i="1">
+                                  <a:latin typeface="Cambria Math" panose="02040503050406030204" pitchFamily="18" charset="0"/>
+                                  <a:ea typeface="Cambria Math" panose="02040503050406030204" pitchFamily="18" charset="0"/>
+                                </a:rPr>
+                                <m:t>0.141</m:t>
+                              </m:r>
+                            </m:e>
+                            <m:e>
+                              <m:r>
+                                <a:rPr lang="es-MX" sz="1500" i="1">
+                                  <a:latin typeface="Cambria Math" panose="02040503050406030204" pitchFamily="18" charset="0"/>
+                                  <a:ea typeface="Cambria Math" panose="02040503050406030204" pitchFamily="18" charset="0"/>
+                                </a:rPr>
+                                <m:t>−0.211</m:t>
+                              </m:r>
+                            </m:e>
+                            <m:e>
+                              <m:r>
+                                <a:rPr lang="es-MX" sz="1500" i="1">
+                                  <a:latin typeface="Cambria Math" panose="02040503050406030204" pitchFamily="18" charset="0"/>
+                                  <a:ea typeface="Cambria Math" panose="02040503050406030204" pitchFamily="18" charset="0"/>
+                                </a:rPr>
+                                <m:t>0.283</m:t>
+                              </m:r>
+                            </m:e>
+                            <m:e>
+                              <m:r>
+                                <a:rPr lang="es-MX" sz="1500" i="1">
+                                  <a:latin typeface="Cambria Math" panose="02040503050406030204" pitchFamily="18" charset="0"/>
+                                  <a:ea typeface="Cambria Math" panose="02040503050406030204" pitchFamily="18" charset="0"/>
+                                </a:rPr>
+                                <m:t>−0.359</m:t>
+                              </m:r>
+                            </m:e>
+                            <m:e>
+                              <m:r>
+                                <a:rPr lang="es-MX" sz="1500" i="1">
+                                  <a:latin typeface="Cambria Math" panose="02040503050406030204" pitchFamily="18" charset="0"/>
+                                  <a:ea typeface="Cambria Math" panose="02040503050406030204" pitchFamily="18" charset="0"/>
+                                </a:rPr>
+                                <m:t>0.491</m:t>
+                              </m:r>
+                            </m:e>
+                            <m:e>
+                              <m:r>
+                                <a:rPr lang="es-MX" sz="1500" i="1">
+                                  <a:latin typeface="Cambria Math" panose="02040503050406030204" pitchFamily="18" charset="0"/>
+                                  <a:ea typeface="Cambria Math" panose="02040503050406030204" pitchFamily="18" charset="0"/>
+                                </a:rPr>
+                                <m:t>−0.465</m:t>
+                              </m:r>
+                            </m:e>
+                            <m:e>
+                              <m:r>
+                                <a:rPr lang="es-MX" sz="1500" i="1">
+                                  <a:latin typeface="Cambria Math" panose="02040503050406030204" pitchFamily="18" charset="0"/>
+                                  <a:ea typeface="Cambria Math" panose="02040503050406030204" pitchFamily="18" charset="0"/>
+                                </a:rPr>
+                                <m:t>−0.012</m:t>
+                              </m:r>
+                            </m:e>
+                            <m:e>
+                              <m:r>
+                                <a:rPr lang="es-MX" sz="1500" i="1">
+                                  <a:latin typeface="Cambria Math" panose="02040503050406030204" pitchFamily="18" charset="0"/>
+                                  <a:ea typeface="Cambria Math" panose="02040503050406030204" pitchFamily="18" charset="0"/>
+                                </a:rPr>
+                                <m:t>0.305</m:t>
+                              </m:r>
+                            </m:e>
+                            <m:e>
+                              <m:r>
+                                <a:rPr lang="es-MX" sz="1500" i="1">
+                                  <a:latin typeface="Cambria Math" panose="02040503050406030204" pitchFamily="18" charset="0"/>
+                                  <a:ea typeface="Cambria Math" panose="02040503050406030204" pitchFamily="18" charset="0"/>
+                                </a:rPr>
+                                <m:t>−0.282</m:t>
+                              </m:r>
+                            </m:e>
+                            <m:e>
+                              <m:r>
+                                <a:rPr lang="es-MX" sz="1500" i="1">
+                                  <a:latin typeface="Cambria Math" panose="02040503050406030204" pitchFamily="18" charset="0"/>
+                                  <a:ea typeface="Cambria Math" panose="02040503050406030204" pitchFamily="18" charset="0"/>
+                                </a:rPr>
+                                <m:t>0.214</m:t>
+                              </m:r>
+                            </m:e>
+                          </m:mr>
+                          <m:mr>
+                            <m:e>
+                              <m:r>
+                                <a:rPr lang="es-MX" sz="1500" i="1">
+                                  <a:latin typeface="Cambria Math" panose="02040503050406030204" pitchFamily="18" charset="0"/>
+                                  <a:ea typeface="Cambria Math" panose="02040503050406030204" pitchFamily="18" charset="0"/>
+                                </a:rPr>
+                                <m:t>0.005</m:t>
+                              </m:r>
+                            </m:e>
+                            <m:e>
+                              <m:r>
+                                <a:rPr lang="es-MX" sz="1500" i="1">
+                                  <a:latin typeface="Cambria Math" panose="02040503050406030204" pitchFamily="18" charset="0"/>
+                                  <a:ea typeface="Cambria Math" panose="02040503050406030204" pitchFamily="18" charset="0"/>
+                                </a:rPr>
+                                <m:t>0.130</m:t>
+                              </m:r>
+                            </m:e>
+                            <m:e>
+                              <m:r>
+                                <a:rPr lang="es-MX" sz="1500" i="1">
+                                  <a:latin typeface="Cambria Math" panose="02040503050406030204" pitchFamily="18" charset="0"/>
+                                  <a:ea typeface="Cambria Math" panose="02040503050406030204" pitchFamily="18" charset="0"/>
+                                </a:rPr>
+                                <m:t>−0.220</m:t>
+                              </m:r>
+                            </m:e>
+                            <m:e>
+                              <m:r>
+                                <a:rPr lang="es-MX" sz="1500" i="1">
+                                  <a:latin typeface="Cambria Math" panose="02040503050406030204" pitchFamily="18" charset="0"/>
+                                  <a:ea typeface="Cambria Math" panose="02040503050406030204" pitchFamily="18" charset="0"/>
+                                </a:rPr>
+                                <m:t>0.294</m:t>
+                              </m:r>
+                            </m:e>
+                            <m:e>
+                              <m:r>
+                                <a:rPr lang="es-MX" sz="1500" i="1">
+                                  <a:latin typeface="Cambria Math" panose="02040503050406030204" pitchFamily="18" charset="0"/>
+                                  <a:ea typeface="Cambria Math" panose="02040503050406030204" pitchFamily="18" charset="0"/>
+                                </a:rPr>
+                                <m:t>−0.350</m:t>
+                              </m:r>
+                            </m:e>
+                            <m:e>
+                              <m:r>
+                                <a:rPr lang="es-MX" sz="1500" i="1">
+                                  <a:latin typeface="Cambria Math" panose="02040503050406030204" pitchFamily="18" charset="0"/>
+                                  <a:ea typeface="Cambria Math" panose="02040503050406030204" pitchFamily="18" charset="0"/>
+                                </a:rPr>
+                                <m:t>0.433</m:t>
+                              </m:r>
+                            </m:e>
+                            <m:e>
+                              <m:r>
+                                <a:rPr lang="es-MX" sz="1500" i="1">
+                                  <a:latin typeface="Cambria Math" panose="02040503050406030204" pitchFamily="18" charset="0"/>
+                                  <a:ea typeface="Cambria Math" panose="02040503050406030204" pitchFamily="18" charset="0"/>
+                                </a:rPr>
+                                <m:t>−0.340</m:t>
+                              </m:r>
+                            </m:e>
+                            <m:e>
+                              <m:r>
+                                <a:rPr lang="es-MX" sz="1500" i="1">
+                                  <a:latin typeface="Cambria Math" panose="02040503050406030204" pitchFamily="18" charset="0"/>
+                                  <a:ea typeface="Cambria Math" panose="02040503050406030204" pitchFamily="18" charset="0"/>
+                                </a:rPr>
+                                <m:t>−0.106</m:t>
+                              </m:r>
+                            </m:e>
+                            <m:e>
+                              <m:r>
+                                <a:rPr lang="es-MX" sz="1500" i="1">
+                                  <a:latin typeface="Cambria Math" panose="02040503050406030204" pitchFamily="18" charset="0"/>
+                                  <a:ea typeface="Cambria Math" panose="02040503050406030204" pitchFamily="18" charset="0"/>
+                                </a:rPr>
+                                <m:t>0.337</m:t>
+                              </m:r>
+                            </m:e>
+                            <m:e>
+                              <m:r>
+                                <a:rPr lang="es-MX" sz="1500" i="1">
+                                  <a:latin typeface="Cambria Math" panose="02040503050406030204" pitchFamily="18" charset="0"/>
+                                  <a:ea typeface="Cambria Math" panose="02040503050406030204" pitchFamily="18" charset="0"/>
+                                </a:rPr>
+                                <m:t>−0.306</m:t>
+                              </m:r>
+                            </m:e>
+                            <m:e>
+                              <m:r>
+                                <a:rPr lang="es-MX" sz="1500" i="1">
+                                  <a:latin typeface="Cambria Math" panose="02040503050406030204" pitchFamily="18" charset="0"/>
+                                  <a:ea typeface="Cambria Math" panose="02040503050406030204" pitchFamily="18" charset="0"/>
+                                </a:rPr>
+                                <m:t>0.252</m:t>
+                              </m:r>
+                            </m:e>
+                            <m:e>
+                              <m:r>
+                                <a:rPr lang="es-MX" sz="1500" i="1">
+                                  <a:latin typeface="Cambria Math" panose="02040503050406030204" pitchFamily="18" charset="0"/>
+                                  <a:ea typeface="Cambria Math" panose="02040503050406030204" pitchFamily="18" charset="0"/>
+                                </a:rPr>
+                                <m:t>−0.136</m:t>
+                              </m:r>
+                            </m:e>
+                          </m:mr>
+                          <m:mr>
+                            <m:e>
+                              <m:r>
+                                <a:rPr lang="es-MX" sz="1500" i="1">
+                                  <a:latin typeface="Cambria Math" panose="02040503050406030204" pitchFamily="18" charset="0"/>
+                                  <a:ea typeface="Cambria Math" panose="02040503050406030204" pitchFamily="18" charset="0"/>
+                                </a:rPr>
+                                <m:t>0.075</m:t>
+                              </m:r>
+                            </m:e>
+                            <m:e>
+                              <m:r>
+                                <a:rPr lang="es-MX" sz="1500" i="1">
+                                  <a:latin typeface="Cambria Math" panose="02040503050406030204" pitchFamily="18" charset="0"/>
+                                  <a:ea typeface="Cambria Math" panose="02040503050406030204" pitchFamily="18" charset="0"/>
+                                </a:rPr>
+                                <m:t>−0.193</m:t>
+                              </m:r>
+                            </m:e>
+                            <m:e>
+                              <m:r>
+                                <a:rPr lang="es-MX" sz="1500" i="1">
+                                  <a:latin typeface="Cambria Math" panose="02040503050406030204" pitchFamily="18" charset="0"/>
+                                  <a:ea typeface="Cambria Math" panose="02040503050406030204" pitchFamily="18" charset="0"/>
+                                </a:rPr>
+                                <m:t>0.286</m:t>
+                              </m:r>
+                            </m:e>
+                            <m:e>
+                              <m:r>
+                                <a:rPr lang="es-MX" sz="1500" i="1">
+                                  <a:latin typeface="Cambria Math" panose="02040503050406030204" pitchFamily="18" charset="0"/>
+                                  <a:ea typeface="Cambria Math" panose="02040503050406030204" pitchFamily="18" charset="0"/>
+                                </a:rPr>
+                                <m:t>−0.334</m:t>
+                              </m:r>
+                            </m:e>
+                            <m:e>
+                              <m:r>
+                                <a:rPr lang="es-MX" sz="1500" i="1">
+                                  <a:latin typeface="Cambria Math" panose="02040503050406030204" pitchFamily="18" charset="0"/>
+                                  <a:ea typeface="Cambria Math" panose="02040503050406030204" pitchFamily="18" charset="0"/>
+                                </a:rPr>
+                                <m:t>0.383</m:t>
+                              </m:r>
+                            </m:e>
+                            <m:e>
+                              <m:r>
+                                <a:rPr lang="es-MX" sz="1500" i="1">
+                                  <a:latin typeface="Cambria Math" panose="02040503050406030204" pitchFamily="18" charset="0"/>
+                                  <a:ea typeface="Cambria Math" panose="02040503050406030204" pitchFamily="18" charset="0"/>
+                                </a:rPr>
+                                <m:t>−0.220</m:t>
+                              </m:r>
+                            </m:e>
+                            <m:e>
+                              <m:r>
+                                <a:rPr lang="es-MX" sz="1500" i="1">
+                                  <a:latin typeface="Cambria Math" panose="02040503050406030204" pitchFamily="18" charset="0"/>
+                                  <a:ea typeface="Cambria Math" panose="02040503050406030204" pitchFamily="18" charset="0"/>
+                                </a:rPr>
+                                <m:t>−0.220</m:t>
+                              </m:r>
+                            </m:e>
+                            <m:e>
+                              <m:r>
+                                <a:rPr lang="es-MX" sz="1500" i="1">
+                                  <a:latin typeface="Cambria Math" panose="02040503050406030204" pitchFamily="18" charset="0"/>
+                                  <a:ea typeface="Cambria Math" panose="02040503050406030204" pitchFamily="18" charset="0"/>
+                                </a:rPr>
+                                <m:t>0.383</m:t>
+                              </m:r>
+                            </m:e>
+                            <m:e>
+                              <m:r>
+                                <a:rPr lang="es-MX" sz="1500" i="1">
+                                  <a:latin typeface="Cambria Math" panose="02040503050406030204" pitchFamily="18" charset="0"/>
+                                  <a:ea typeface="Cambria Math" panose="02040503050406030204" pitchFamily="18" charset="0"/>
+                                </a:rPr>
+                                <m:t>−0.334</m:t>
+                              </m:r>
+                            </m:e>
+                            <m:e>
+                              <m:r>
+                                <a:rPr lang="es-MX" sz="1500" i="1">
+                                  <a:latin typeface="Cambria Math" panose="02040503050406030204" pitchFamily="18" charset="0"/>
+                                  <a:ea typeface="Cambria Math" panose="02040503050406030204" pitchFamily="18" charset="0"/>
+                                </a:rPr>
+                                <m:t>0.286</m:t>
+                              </m:r>
+                            </m:e>
+                            <m:e>
+                              <m:r>
+                                <a:rPr lang="es-MX" sz="1500" i="1">
+                                  <a:latin typeface="Cambria Math" panose="02040503050406030204" pitchFamily="18" charset="0"/>
+                                  <a:ea typeface="Cambria Math" panose="02040503050406030204" pitchFamily="18" charset="0"/>
+                                </a:rPr>
+                                <m:t>−0.193</m:t>
+                              </m:r>
+                            </m:e>
+                            <m:e>
+                              <m:r>
+                                <a:rPr lang="es-MX" sz="1500" i="1">
+                                  <a:latin typeface="Cambria Math" panose="02040503050406030204" pitchFamily="18" charset="0"/>
+                                  <a:ea typeface="Cambria Math" panose="02040503050406030204" pitchFamily="18" charset="0"/>
+                                </a:rPr>
+                                <m:t>0.075</m:t>
+                              </m:r>
+                            </m:e>
+                          </m:mr>
+                          <m:mr>
+                            <m:e>
+                              <m:r>
+                                <a:rPr lang="es-MX" sz="1500" i="1">
+                                  <a:latin typeface="Cambria Math" panose="02040503050406030204" pitchFamily="18" charset="0"/>
+                                  <a:ea typeface="Cambria Math" panose="02040503050406030204" pitchFamily="18" charset="0"/>
+                                </a:rPr>
+                                <m:t>−0.136</m:t>
+                              </m:r>
+                            </m:e>
+                            <m:e>
+                              <m:r>
+                                <a:rPr lang="es-MX" sz="1500" i="1">
+                                  <a:latin typeface="Cambria Math" panose="02040503050406030204" pitchFamily="18" charset="0"/>
+                                  <a:ea typeface="Cambria Math" panose="02040503050406030204" pitchFamily="18" charset="0"/>
+                                </a:rPr>
+                                <m:t>0.252</m:t>
+                              </m:r>
+                            </m:e>
+                            <m:e>
+                              <m:r>
+                                <a:rPr lang="es-MX" sz="1500" i="1">
+                                  <a:latin typeface="Cambria Math" panose="02040503050406030204" pitchFamily="18" charset="0"/>
+                                  <a:ea typeface="Cambria Math" panose="02040503050406030204" pitchFamily="18" charset="0"/>
+                                </a:rPr>
+                                <m:t>−0.306</m:t>
+                              </m:r>
+                            </m:e>
+                            <m:e>
+                              <m:r>
+                                <a:rPr lang="es-MX" sz="1500" i="1">
+                                  <a:latin typeface="Cambria Math" panose="02040503050406030204" pitchFamily="18" charset="0"/>
+                                  <a:ea typeface="Cambria Math" panose="02040503050406030204" pitchFamily="18" charset="0"/>
+                                </a:rPr>
+                                <m:t>0.337</m:t>
+                              </m:r>
+                            </m:e>
+                            <m:e>
+                              <m:r>
+                                <a:rPr lang="es-MX" sz="1500" i="1">
+                                  <a:latin typeface="Cambria Math" panose="02040503050406030204" pitchFamily="18" charset="0"/>
+                                  <a:ea typeface="Cambria Math" panose="02040503050406030204" pitchFamily="18" charset="0"/>
+                                </a:rPr>
+                                <m:t>−0.106</m:t>
+                              </m:r>
+                            </m:e>
+                            <m:e>
+                              <m:r>
+                                <a:rPr lang="es-MX" sz="1500" i="1">
+                                  <a:latin typeface="Cambria Math" panose="02040503050406030204" pitchFamily="18" charset="0"/>
+                                  <a:ea typeface="Cambria Math" panose="02040503050406030204" pitchFamily="18" charset="0"/>
+                                </a:rPr>
+                                <m:t>−0.340</m:t>
+                              </m:r>
+                            </m:e>
+                            <m:e>
+                              <m:r>
+                                <a:rPr lang="es-MX" sz="1500" i="1">
+                                  <a:latin typeface="Cambria Math" panose="02040503050406030204" pitchFamily="18" charset="0"/>
+                                  <a:ea typeface="Cambria Math" panose="02040503050406030204" pitchFamily="18" charset="0"/>
+                                </a:rPr>
+                                <m:t>0.433</m:t>
+                              </m:r>
+                            </m:e>
+                            <m:e>
+                              <m:r>
+                                <a:rPr lang="es-MX" sz="1500" i="1">
+                                  <a:latin typeface="Cambria Math" panose="02040503050406030204" pitchFamily="18" charset="0"/>
+                                  <a:ea typeface="Cambria Math" panose="02040503050406030204" pitchFamily="18" charset="0"/>
+                                </a:rPr>
+                                <m:t>−0.350</m:t>
+                              </m:r>
+                            </m:e>
+                            <m:e>
+                              <m:r>
+                                <a:rPr lang="es-MX" sz="1500" i="1">
+                                  <a:latin typeface="Cambria Math" panose="02040503050406030204" pitchFamily="18" charset="0"/>
+                                  <a:ea typeface="Cambria Math" panose="02040503050406030204" pitchFamily="18" charset="0"/>
+                                </a:rPr>
+                                <m:t>0.294</m:t>
+                              </m:r>
+                            </m:e>
+                            <m:e>
+                              <m:r>
+                                <a:rPr lang="es-MX" sz="1500" i="1">
+                                  <a:latin typeface="Cambria Math" panose="02040503050406030204" pitchFamily="18" charset="0"/>
+                                  <a:ea typeface="Cambria Math" panose="02040503050406030204" pitchFamily="18" charset="0"/>
+                                </a:rPr>
+                                <m:t>−0.220</m:t>
+                              </m:r>
+                            </m:e>
+                            <m:e>
+                              <m:r>
+                                <a:rPr lang="es-MX" sz="1500" i="1">
+                                  <a:latin typeface="Cambria Math" panose="02040503050406030204" pitchFamily="18" charset="0"/>
+                                  <a:ea typeface="Cambria Math" panose="02040503050406030204" pitchFamily="18" charset="0"/>
+                                </a:rPr>
+                                <m:t>0.130</m:t>
+                              </m:r>
+                            </m:e>
+                            <m:e>
+                              <m:r>
+                                <a:rPr lang="es-MX" sz="1500" i="1">
+                                  <a:latin typeface="Cambria Math" panose="02040503050406030204" pitchFamily="18" charset="0"/>
+                                  <a:ea typeface="Cambria Math" panose="02040503050406030204" pitchFamily="18" charset="0"/>
+                                </a:rPr>
+                                <m:t>0.005</m:t>
+                              </m:r>
+                            </m:e>
+                          </m:mr>
+                          <m:mr>
+                            <m:e>
+                              <m:r>
+                                <a:rPr lang="es-MX" sz="1500" i="1">
+                                  <a:latin typeface="Cambria Math" panose="02040503050406030204" pitchFamily="18" charset="0"/>
+                                  <a:ea typeface="Cambria Math" panose="02040503050406030204" pitchFamily="18" charset="0"/>
+                                </a:rPr>
+                                <m:t>0.214</m:t>
+                              </m:r>
+                            </m:e>
+                            <m:e>
+                              <m:r>
+                                <a:rPr lang="es-MX" sz="1500" i="1">
+                                  <a:latin typeface="Cambria Math" panose="02040503050406030204" pitchFamily="18" charset="0"/>
+                                  <a:ea typeface="Cambria Math" panose="02040503050406030204" pitchFamily="18" charset="0"/>
+                                </a:rPr>
+                                <m:t>−0.282</m:t>
+                              </m:r>
+                            </m:e>
+                            <m:e>
+                              <m:r>
+                                <a:rPr lang="es-MX" sz="1500" i="1">
+                                  <a:latin typeface="Cambria Math" panose="02040503050406030204" pitchFamily="18" charset="0"/>
+                                  <a:ea typeface="Cambria Math" panose="02040503050406030204" pitchFamily="18" charset="0"/>
+                                </a:rPr>
+                                <m:t>0.305</m:t>
+                              </m:r>
+                            </m:e>
+                            <m:e>
+                              <m:r>
+                                <a:rPr lang="es-MX" sz="1500" i="1">
+                                  <a:latin typeface="Cambria Math" panose="02040503050406030204" pitchFamily="18" charset="0"/>
+                                  <a:ea typeface="Cambria Math" panose="02040503050406030204" pitchFamily="18" charset="0"/>
+                                </a:rPr>
+                                <m:t>−0.012</m:t>
+                              </m:r>
+                            </m:e>
+                            <m:e>
+                              <m:r>
+                                <a:rPr lang="es-MX" sz="1500" i="1">
+                                  <a:latin typeface="Cambria Math" panose="02040503050406030204" pitchFamily="18" charset="0"/>
+                                  <a:ea typeface="Cambria Math" panose="02040503050406030204" pitchFamily="18" charset="0"/>
+                                </a:rPr>
+                                <m:t>−0.465</m:t>
+                              </m:r>
+                            </m:e>
+                            <m:e>
+                              <m:r>
+                                <a:rPr lang="es-MX" sz="1500" i="1">
+                                  <a:latin typeface="Cambria Math" panose="02040503050406030204" pitchFamily="18" charset="0"/>
+                                  <a:ea typeface="Cambria Math" panose="02040503050406030204" pitchFamily="18" charset="0"/>
+                                </a:rPr>
+                                <m:t>0.491</m:t>
+                              </m:r>
+                            </m:e>
+                            <m:e>
+                              <m:r>
+                                <a:rPr lang="es-MX" sz="1500" i="1">
+                                  <a:latin typeface="Cambria Math" panose="02040503050406030204" pitchFamily="18" charset="0"/>
+                                  <a:ea typeface="Cambria Math" panose="02040503050406030204" pitchFamily="18" charset="0"/>
+                                </a:rPr>
+                                <m:t>−0.359</m:t>
+                              </m:r>
+                            </m:e>
+                            <m:e>
+                              <m:r>
+                                <a:rPr lang="es-MX" sz="1500" i="1">
+                                  <a:latin typeface="Cambria Math" panose="02040503050406030204" pitchFamily="18" charset="0"/>
+                                  <a:ea typeface="Cambria Math" panose="02040503050406030204" pitchFamily="18" charset="0"/>
+                                </a:rPr>
+                                <m:t>0.283</m:t>
+                              </m:r>
+                            </m:e>
+                            <m:e>
+                              <m:r>
+                                <a:rPr lang="es-MX" sz="1500" i="1">
+                                  <a:latin typeface="Cambria Math" panose="02040503050406030204" pitchFamily="18" charset="0"/>
+                                  <a:ea typeface="Cambria Math" panose="02040503050406030204" pitchFamily="18" charset="0"/>
+                                </a:rPr>
+                                <m:t>−0.211</m:t>
+                              </m:r>
+                            </m:e>
+                            <m:e>
+                              <m:r>
+                                <a:rPr lang="es-MX" sz="1500" i="1">
+                                  <a:latin typeface="Cambria Math" panose="02040503050406030204" pitchFamily="18" charset="0"/>
+                                  <a:ea typeface="Cambria Math" panose="02040503050406030204" pitchFamily="18" charset="0"/>
+                                </a:rPr>
+                                <m:t>0.141</m:t>
+                              </m:r>
+                            </m:e>
+                            <m:e>
+                              <m:r>
+                                <a:rPr lang="es-MX" sz="1500" i="1">
+                                  <a:latin typeface="Cambria Math" panose="02040503050406030204" pitchFamily="18" charset="0"/>
+                                  <a:ea typeface="Cambria Math" panose="02040503050406030204" pitchFamily="18" charset="0"/>
+                                </a:rPr>
+                                <m:t>−0.033</m:t>
+                              </m:r>
+                            </m:e>
+                            <m:e>
+                              <m:r>
+                                <a:rPr lang="es-MX" sz="1500" i="1">
+                                  <a:latin typeface="Cambria Math" panose="02040503050406030204" pitchFamily="18" charset="0"/>
+                                  <a:ea typeface="Cambria Math" panose="02040503050406030204" pitchFamily="18" charset="0"/>
+                                </a:rPr>
+                                <m:t>−0.086</m:t>
+                              </m:r>
+                            </m:e>
+                          </m:mr>
+                          <m:mr>
+                            <m:e>
+                              <m:r>
+                                <a:rPr lang="es-MX" sz="1500" i="1">
+                                  <a:latin typeface="Cambria Math" panose="02040503050406030204" pitchFamily="18" charset="0"/>
+                                  <a:ea typeface="Cambria Math" panose="02040503050406030204" pitchFamily="18" charset="0"/>
+                                </a:rPr>
+                                <m:t>−0.293</m:t>
+                              </m:r>
+                            </m:e>
+                            <m:e>
+                              <m:r>
+                                <a:rPr lang="es-MX" sz="1500" i="1">
+                                  <a:latin typeface="Cambria Math" panose="02040503050406030204" pitchFamily="18" charset="0"/>
+                                  <a:ea typeface="Cambria Math" panose="02040503050406030204" pitchFamily="18" charset="0"/>
+                                </a:rPr>
+                                <m:t>0.321</m:t>
+                              </m:r>
+                            </m:e>
+                            <m:e>
+                              <m:r>
+                                <a:rPr lang="es-MX" sz="1500" i="1">
+                                  <a:latin typeface="Cambria Math" panose="02040503050406030204" pitchFamily="18" charset="0"/>
+                                  <a:ea typeface="Cambria Math" panose="02040503050406030204" pitchFamily="18" charset="0"/>
+                                </a:rPr>
+                                <m:t>0.033</m:t>
+                              </m:r>
+                            </m:e>
+                            <m:e>
+                              <m:r>
+                                <a:rPr lang="es-MX" sz="1500" i="1">
+                                  <a:latin typeface="Cambria Math" panose="02040503050406030204" pitchFamily="18" charset="0"/>
+                                  <a:ea typeface="Cambria Math" panose="02040503050406030204" pitchFamily="18" charset="0"/>
+                                </a:rPr>
+                                <m:t>−0.580</m:t>
+                              </m:r>
+                            </m:e>
+                            <m:e>
+                              <m:r>
+                                <a:rPr lang="es-MX" sz="1500" i="1">
+                                  <a:latin typeface="Cambria Math" panose="02040503050406030204" pitchFamily="18" charset="0"/>
+                                  <a:ea typeface="Cambria Math" panose="02040503050406030204" pitchFamily="18" charset="0"/>
+                                </a:rPr>
+                                <m:t>0.565</m:t>
+                              </m:r>
+                            </m:e>
+                            <m:e>
+                              <m:r>
+                                <a:rPr lang="es-MX" sz="1500" i="1">
+                                  <a:latin typeface="Cambria Math" panose="02040503050406030204" pitchFamily="18" charset="0"/>
+                                  <a:ea typeface="Cambria Math" panose="02040503050406030204" pitchFamily="18" charset="0"/>
+                                </a:rPr>
+                                <m:t>−0.377</m:t>
+                              </m:r>
+                            </m:e>
+                            <m:e>
+                              <m:r>
+                                <a:rPr lang="es-MX" sz="1500" i="1">
+                                  <a:latin typeface="Cambria Math" panose="02040503050406030204" pitchFamily="18" charset="0"/>
+                                  <a:ea typeface="Cambria Math" panose="02040503050406030204" pitchFamily="18" charset="0"/>
+                                </a:rPr>
+                                <m:t>0.268</m:t>
+                              </m:r>
+                            </m:e>
+                            <m:e>
+                              <m:r>
+                                <a:rPr lang="es-MX" sz="1500" i="1">
+                                  <a:latin typeface="Cambria Math" panose="02040503050406030204" pitchFamily="18" charset="0"/>
+                                  <a:ea typeface="Cambria Math" panose="02040503050406030204" pitchFamily="18" charset="0"/>
+                                </a:rPr>
+                                <m:t>−0.187</m:t>
+                              </m:r>
+                            </m:e>
+                            <m:e>
+                              <m:r>
+                                <a:rPr lang="es-MX" sz="1500" i="1">
+                                  <a:latin typeface="Cambria Math" panose="02040503050406030204" pitchFamily="18" charset="0"/>
+                                  <a:ea typeface="Cambria Math" panose="02040503050406030204" pitchFamily="18" charset="0"/>
+                                </a:rPr>
+                                <m:t>0.121</m:t>
+                              </m:r>
+                            </m:e>
+                            <m:e>
+                              <m:r>
+                                <a:rPr lang="es-MX" sz="1500" i="1">
+                                  <a:latin typeface="Cambria Math" panose="02040503050406030204" pitchFamily="18" charset="0"/>
+                                  <a:ea typeface="Cambria Math" panose="02040503050406030204" pitchFamily="18" charset="0"/>
+                                </a:rPr>
+                                <m:t>−0.031</m:t>
+                              </m:r>
+                            </m:e>
+                            <m:e>
+                              <m:r>
+                                <a:rPr lang="es-MX" sz="1500" i="1">
+                                  <a:latin typeface="Cambria Math" panose="02040503050406030204" pitchFamily="18" charset="0"/>
+                                  <a:ea typeface="Cambria Math" panose="02040503050406030204" pitchFamily="18" charset="0"/>
+                                </a:rPr>
+                                <m:t>−0.075</m:t>
+                              </m:r>
+                            </m:e>
+                            <m:e>
+                              <m:r>
+                                <a:rPr lang="es-MX" sz="1500" i="1">
+                                  <a:latin typeface="Cambria Math" panose="02040503050406030204" pitchFamily="18" charset="0"/>
+                                  <a:ea typeface="Cambria Math" panose="02040503050406030204" pitchFamily="18" charset="0"/>
+                                </a:rPr>
+                                <m:t>0.207</m:t>
+                              </m:r>
+                            </m:e>
+                          </m:mr>
+                          <m:mr>
+                            <m:e>
+                              <m:r>
+                                <a:rPr lang="es-MX" sz="1500" i="1">
+                                  <a:latin typeface="Cambria Math" panose="02040503050406030204" pitchFamily="18" charset="0"/>
+                                  <a:ea typeface="Cambria Math" panose="02040503050406030204" pitchFamily="18" charset="0"/>
+                                </a:rPr>
+                                <m:t>0.413</m:t>
+                              </m:r>
+                            </m:e>
+                            <m:e>
+                              <m:r>
+                                <a:rPr lang="es-MX" sz="1500" i="1">
+                                  <a:latin typeface="Cambria Math" panose="02040503050406030204" pitchFamily="18" charset="0"/>
+                                  <a:ea typeface="Cambria Math" panose="02040503050406030204" pitchFamily="18" charset="0"/>
+                                </a:rPr>
+                                <m:t>−0.019</m:t>
+                              </m:r>
+                            </m:e>
+                            <m:e>
+                              <m:r>
+                                <a:rPr lang="es-MX" sz="1500" i="1">
+                                  <a:latin typeface="Cambria Math" panose="02040503050406030204" pitchFamily="18" charset="0"/>
+                                  <a:ea typeface="Cambria Math" panose="02040503050406030204" pitchFamily="18" charset="0"/>
+                                </a:rPr>
+                                <m:t>−0.649</m:t>
+                              </m:r>
+                            </m:e>
+                            <m:e>
+                              <m:r>
+                                <a:rPr lang="es-MX" sz="1500" i="1">
+                                  <a:latin typeface="Cambria Math" panose="02040503050406030204" pitchFamily="18" charset="0"/>
+                                  <a:ea typeface="Cambria Math" panose="02040503050406030204" pitchFamily="18" charset="0"/>
+                                </a:rPr>
+                                <m:t>0.645</m:t>
+                              </m:r>
+                            </m:e>
+                            <m:e>
+                              <m:r>
+                                <a:rPr lang="es-MX" sz="1500" i="1">
+                                  <a:latin typeface="Cambria Math" panose="02040503050406030204" pitchFamily="18" charset="0"/>
+                                  <a:ea typeface="Cambria Math" panose="02040503050406030204" pitchFamily="18" charset="0"/>
+                                </a:rPr>
+                                <m:t>−0.409</m:t>
+                              </m:r>
+                            </m:e>
+                            <m:e>
+                              <m:r>
+                                <a:rPr lang="es-MX" sz="1500" i="1">
+                                  <a:latin typeface="Cambria Math" panose="02040503050406030204" pitchFamily="18" charset="0"/>
+                                  <a:ea typeface="Cambria Math" panose="02040503050406030204" pitchFamily="18" charset="0"/>
+                                </a:rPr>
+                                <m:t>0.264</m:t>
+                              </m:r>
+                            </m:e>
+                            <m:e>
+                              <m:r>
+                                <a:rPr lang="es-MX" sz="1500" i="1">
+                                  <a:latin typeface="Cambria Math" panose="02040503050406030204" pitchFamily="18" charset="0"/>
+                                  <a:ea typeface="Cambria Math" panose="02040503050406030204" pitchFamily="18" charset="0"/>
+                                </a:rPr>
+                                <m:t>−0.164</m:t>
+                              </m:r>
+                            </m:e>
+                            <m:e>
+                              <m:r>
+                                <a:rPr lang="es-MX" sz="1500" i="1">
+                                  <a:latin typeface="Cambria Math" panose="02040503050406030204" pitchFamily="18" charset="0"/>
+                                  <a:ea typeface="Cambria Math" panose="02040503050406030204" pitchFamily="18" charset="0"/>
+                                </a:rPr>
+                                <m:t>0.092</m:t>
+                              </m:r>
+                            </m:e>
+                            <m:e>
+                              <m:r>
+                                <a:rPr lang="es-MX" sz="1500" i="1">
+                                  <a:latin typeface="Cambria Math" panose="02040503050406030204" pitchFamily="18" charset="0"/>
+                                  <a:ea typeface="Cambria Math" panose="02040503050406030204" pitchFamily="18" charset="0"/>
+                                </a:rPr>
+                                <m:t>−0.007</m:t>
+                              </m:r>
+                            </m:e>
+                            <m:e>
+                              <m:r>
+                                <a:rPr lang="es-MX" sz="1500" i="1">
+                                  <a:latin typeface="Cambria Math" panose="02040503050406030204" pitchFamily="18" charset="0"/>
+                                  <a:ea typeface="Cambria Math" panose="02040503050406030204" pitchFamily="18" charset="0"/>
+                                </a:rPr>
+                                <m:t>−0.094</m:t>
+                              </m:r>
+                            </m:e>
+                            <m:e>
+                              <m:r>
+                                <a:rPr lang="es-MX" sz="1500" i="1">
+                                  <a:latin typeface="Cambria Math" panose="02040503050406030204" pitchFamily="18" charset="0"/>
+                                  <a:ea typeface="Cambria Math" panose="02040503050406030204" pitchFamily="18" charset="0"/>
+                                </a:rPr>
+                                <m:t>0.233</m:t>
+                              </m:r>
+                            </m:e>
+                            <m:e>
+                              <m:r>
+                                <a:rPr lang="es-MX" sz="1500" i="1">
+                                  <a:latin typeface="Cambria Math" panose="02040503050406030204" pitchFamily="18" charset="0"/>
+                                  <a:ea typeface="Cambria Math" panose="02040503050406030204" pitchFamily="18" charset="0"/>
+                                </a:rPr>
+                                <m:t>−0.351</m:t>
+                              </m:r>
+                            </m:e>
+                          </m:mr>
+                          <m:mr>
+                            <m:e>
+                              <m:r>
+                                <a:rPr lang="es-MX" sz="1500" i="1">
+                                  <a:latin typeface="Cambria Math" panose="02040503050406030204" pitchFamily="18" charset="0"/>
+                                  <a:ea typeface="Cambria Math" panose="02040503050406030204" pitchFamily="18" charset="0"/>
+                                </a:rPr>
+                                <m:t>−0.195</m:t>
+                              </m:r>
+                            </m:e>
+                            <m:e>
+                              <m:r>
+                                <a:rPr lang="es-MX" sz="1500" i="1">
+                                  <a:latin typeface="Cambria Math" panose="02040503050406030204" pitchFamily="18" charset="0"/>
+                                  <a:ea typeface="Cambria Math" panose="02040503050406030204" pitchFamily="18" charset="0"/>
+                                </a:rPr>
+                                <m:t>−0.612</m:t>
+                              </m:r>
+                            </m:e>
+                            <m:e>
+                              <m:r>
+                                <a:rPr lang="es-MX" sz="1500" i="1">
+                                  <a:latin typeface="Cambria Math" panose="02040503050406030204" pitchFamily="18" charset="0"/>
+                                  <a:ea typeface="Cambria Math" panose="02040503050406030204" pitchFamily="18" charset="0"/>
+                                </a:rPr>
+                                <m:t>0.699</m:t>
+                              </m:r>
+                            </m:e>
+                            <m:e>
+                              <m:r>
+                                <a:rPr lang="es-MX" sz="1500" i="1">
+                                  <a:latin typeface="Cambria Math" panose="02040503050406030204" pitchFamily="18" charset="0"/>
+                                  <a:ea typeface="Cambria Math" panose="02040503050406030204" pitchFamily="18" charset="0"/>
+                                </a:rPr>
+                                <m:t>−0.446</m:t>
+                              </m:r>
+                            </m:e>
+                            <m:e>
+                              <m:r>
+                                <a:rPr lang="es-MX" sz="1500" i="1">
+                                  <a:latin typeface="Cambria Math" panose="02040503050406030204" pitchFamily="18" charset="0"/>
+                                  <a:ea typeface="Cambria Math" panose="02040503050406030204" pitchFamily="18" charset="0"/>
+                                </a:rPr>
+                                <m:t>0.270</m:t>
+                              </m:r>
+                            </m:e>
+                            <m:e>
+                              <m:r>
+                                <a:rPr lang="es-MX" sz="1500" i="1">
+                                  <a:latin typeface="Cambria Math" panose="02040503050406030204" pitchFamily="18" charset="0"/>
+                                  <a:ea typeface="Cambria Math" panose="02040503050406030204" pitchFamily="18" charset="0"/>
+                                </a:rPr>
+                                <m:t>−0.147</m:t>
+                              </m:r>
+                            </m:e>
+                            <m:e>
+                              <m:r>
+                                <a:rPr lang="es-MX" sz="1500" i="1">
+                                  <a:latin typeface="Cambria Math" panose="02040503050406030204" pitchFamily="18" charset="0"/>
+                                  <a:ea typeface="Cambria Math" panose="02040503050406030204" pitchFamily="18" charset="0"/>
+                                </a:rPr>
+                                <m:t>0.065</m:t>
+                              </m:r>
+                            </m:e>
+                            <m:e>
+                              <m:r>
+                                <a:rPr lang="es-MX" sz="1500" i="1">
+                                  <a:latin typeface="Cambria Math" panose="02040503050406030204" pitchFamily="18" charset="0"/>
+                                  <a:ea typeface="Cambria Math" panose="02040503050406030204" pitchFamily="18" charset="0"/>
+                                </a:rPr>
+                                <m:t>0.019</m:t>
+                              </m:r>
+                            </m:e>
+                            <m:e>
+                              <m:r>
+                                <a:rPr lang="es-MX" sz="1500" i="1">
+                                  <a:latin typeface="Cambria Math" panose="02040503050406030204" pitchFamily="18" charset="0"/>
+                                  <a:ea typeface="Cambria Math" panose="02040503050406030204" pitchFamily="18" charset="0"/>
+                                </a:rPr>
+                                <m:t>−0.117</m:t>
+                              </m:r>
+                            </m:e>
+                            <m:e>
+                              <m:r>
+                                <a:rPr lang="es-MX" sz="1500" i="1">
+                                  <a:latin typeface="Cambria Math" panose="02040503050406030204" pitchFamily="18" charset="0"/>
+                                  <a:ea typeface="Cambria Math" panose="02040503050406030204" pitchFamily="18" charset="0"/>
+                                </a:rPr>
+                                <m:t>0.263</m:t>
+                              </m:r>
+                            </m:e>
+                            <m:e>
+                              <m:r>
+                                <a:rPr lang="es-MX" sz="1500" i="1">
+                                  <a:latin typeface="Cambria Math" panose="02040503050406030204" pitchFamily="18" charset="0"/>
+                                  <a:ea typeface="Cambria Math" panose="02040503050406030204" pitchFamily="18" charset="0"/>
+                                </a:rPr>
+                                <m:t>−0.423</m:t>
+                              </m:r>
+                            </m:e>
+                            <m:e>
+                              <m:r>
+                                <a:rPr lang="es-MX" sz="1500" i="1">
+                                  <a:latin typeface="Cambria Math" panose="02040503050406030204" pitchFamily="18" charset="0"/>
+                                  <a:ea typeface="Cambria Math" panose="02040503050406030204" pitchFamily="18" charset="0"/>
+                                </a:rPr>
+                                <m:t>0.558</m:t>
+                              </m:r>
+                            </m:e>
+                          </m:mr>
+                          <m:mr>
+                            <m:e>
+                              <m:r>
+                                <a:rPr lang="es-MX" sz="1500" i="1">
+                                  <a:latin typeface="Cambria Math" panose="02040503050406030204" pitchFamily="18" charset="0"/>
+                                  <a:ea typeface="Cambria Math" panose="02040503050406030204" pitchFamily="18" charset="0"/>
+                                </a:rPr>
+                                <m:t>−0.437</m:t>
+                              </m:r>
+                            </m:e>
+                            <m:e>
+                              <m:r>
+                                <a:rPr lang="es-MX" sz="1500" i="1">
+                                  <a:latin typeface="Cambria Math" panose="02040503050406030204" pitchFamily="18" charset="0"/>
+                                  <a:ea typeface="Cambria Math" panose="02040503050406030204" pitchFamily="18" charset="0"/>
+                                </a:rPr>
+                                <m:t>0.675</m:t>
+                              </m:r>
+                            </m:e>
+                            <m:e>
+                              <m:r>
+                                <a:rPr lang="es-MX" sz="1500" i="1">
+                                  <a:latin typeface="Cambria Math" panose="02040503050406030204" pitchFamily="18" charset="0"/>
+                                  <a:ea typeface="Cambria Math" panose="02040503050406030204" pitchFamily="18" charset="0"/>
+                                </a:rPr>
+                                <m:t>−0.458</m:t>
+                              </m:r>
+                            </m:e>
+                            <m:e>
+                              <m:r>
+                                <a:rPr lang="es-MX" sz="1500" i="1">
+                                  <a:latin typeface="Cambria Math" panose="02040503050406030204" pitchFamily="18" charset="0"/>
+                                  <a:ea typeface="Cambria Math" panose="02040503050406030204" pitchFamily="18" charset="0"/>
+                                </a:rPr>
+                                <m:t>0.275</m:t>
+                              </m:r>
+                            </m:e>
+                            <m:e>
+                              <m:r>
+                                <a:rPr lang="es-MX" sz="1500" i="1">
+                                  <a:latin typeface="Cambria Math" panose="02040503050406030204" pitchFamily="18" charset="0"/>
+                                  <a:ea typeface="Cambria Math" panose="02040503050406030204" pitchFamily="18" charset="0"/>
+                                </a:rPr>
+                                <m:t>−0.134</m:t>
+                              </m:r>
+                            </m:e>
+                            <m:e>
+                              <m:r>
+                                <a:rPr lang="es-MX" sz="1500" i="1">
+                                  <a:latin typeface="Cambria Math" panose="02040503050406030204" pitchFamily="18" charset="0"/>
+                                  <a:ea typeface="Cambria Math" panose="02040503050406030204" pitchFamily="18" charset="0"/>
+                                </a:rPr>
+                                <m:t>0.042</m:t>
+                              </m:r>
+                            </m:e>
+                            <m:e>
+                              <m:r>
+                                <a:rPr lang="es-MX" sz="1500" i="1">
+                                  <a:latin typeface="Cambria Math" panose="02040503050406030204" pitchFamily="18" charset="0"/>
+                                  <a:ea typeface="Cambria Math" panose="02040503050406030204" pitchFamily="18" charset="0"/>
+                                </a:rPr>
+                                <m:t>0.042</m:t>
+                              </m:r>
+                            </m:e>
+                            <m:e>
+                              <m:r>
+                                <a:rPr lang="es-MX" sz="1500" i="1">
+                                  <a:latin typeface="Cambria Math" panose="02040503050406030204" pitchFamily="18" charset="0"/>
+                                  <a:ea typeface="Cambria Math" panose="02040503050406030204" pitchFamily="18" charset="0"/>
+                                </a:rPr>
+                                <m:t>−0.134</m:t>
+                              </m:r>
+                            </m:e>
+                            <m:e>
+                              <m:r>
+                                <a:rPr lang="es-MX" sz="1500" i="1">
+                                  <a:latin typeface="Cambria Math" panose="02040503050406030204" pitchFamily="18" charset="0"/>
+                                  <a:ea typeface="Cambria Math" panose="02040503050406030204" pitchFamily="18" charset="0"/>
+                                </a:rPr>
+                                <m:t>0.275</m:t>
+                              </m:r>
+                            </m:e>
+                            <m:e>
+                              <m:r>
+                                <a:rPr lang="es-MX" sz="1500" i="1">
+                                  <a:latin typeface="Cambria Math" panose="02040503050406030204" pitchFamily="18" charset="0"/>
+                                  <a:ea typeface="Cambria Math" panose="02040503050406030204" pitchFamily="18" charset="0"/>
+                                </a:rPr>
+                                <m:t>−0.458</m:t>
+                              </m:r>
+                            </m:e>
+                            <m:e>
+                              <m:r>
+                                <a:rPr lang="es-MX" sz="1500" i="1">
+                                  <a:latin typeface="Cambria Math" panose="02040503050406030204" pitchFamily="18" charset="0"/>
+                                  <a:ea typeface="Cambria Math" panose="02040503050406030204" pitchFamily="18" charset="0"/>
+                                </a:rPr>
+                                <m:t>0.675</m:t>
+                              </m:r>
+                            </m:e>
+                            <m:e>
+                              <m:r>
+                                <a:rPr lang="es-MX" sz="1500" i="1">
+                                  <a:latin typeface="Cambria Math" panose="02040503050406030204" pitchFamily="18" charset="0"/>
+                                  <a:ea typeface="Cambria Math" panose="02040503050406030204" pitchFamily="18" charset="0"/>
+                                </a:rPr>
+                                <m:t>−0.437</m:t>
+                              </m:r>
+                            </m:e>
+                          </m:mr>
+                        </m:m>
+                      </m:e>
+                    </m:d>
+                  </m:oMath>
+                </a14:m>
+                <a:r>
+                  <a:rPr lang="en-US" sz="1500" dirty="0"/>
+                  <a:t> </a:t>
+                </a:r>
+              </a:p>
+            </p:txBody>
+          </p:sp>
+        </mc:Choice>
+        <mc:Fallback>
+          <p:sp>
+            <p:nvSpPr>
+              <p:cNvPr id="15" name="Rectangle 14">
+                <a:extLst>
+                  <a:ext uri="{FF2B5EF4-FFF2-40B4-BE49-F238E27FC236}">
+                    <a16:creationId xmlns:a16="http://schemas.microsoft.com/office/drawing/2014/main" id="{4AF5787F-6B2C-42D6-ABD2-3E21E039672E}"/>
+                  </a:ext>
+                </a:extLst>
+              </p:cNvPr>
+              <p:cNvSpPr>
+                <a:spLocks noRot="1" noChangeAspect="1" noMove="1" noResize="1" noEditPoints="1" noAdjustHandles="1" noChangeArrowheads="1" noChangeShapeType="1" noTextEdit="1"/>
+              </p:cNvSpPr>
+              <p:nvPr/>
+            </p:nvSpPr>
+            <p:spPr>
+              <a:xfrm>
+                <a:off x="581890" y="389478"/>
+                <a:ext cx="11012567" cy="2737031"/>
+              </a:xfrm>
+              <a:prstGeom prst="rect">
+                <a:avLst/>
+              </a:prstGeom>
+              <a:blipFill>
+                <a:blip r:embed="rId8"/>
+                <a:stretch>
+                  <a:fillRect/>
+                </a:stretch>
+              </a:blipFill>
+            </p:spPr>
+            <p:txBody>
+              <a:bodyPr/>
+              <a:lstStyle/>
+              <a:p>
+                <a:r>
+                  <a:rPr lang="en-US">
+                    <a:noFill/>
+                  </a:rPr>
+                  <a:t> </a:t>
+                </a:r>
+              </a:p>
+            </p:txBody>
+          </p:sp>
+        </mc:Fallback>
+      </mc:AlternateContent>
+    </p:spTree>
+    <p:extLst>
+      <p:ext uri="{BB962C8B-B14F-4D97-AF65-F5344CB8AC3E}">
+        <p14:creationId xmlns:p14="http://schemas.microsoft.com/office/powerpoint/2010/main" val="1408785953"/>
+      </p:ext>
+    </p:extLst>
+  </p:cSld>
+  <p:clrMapOvr>
+    <a:masterClrMapping/>
+  </p:clrMapOvr>
+</p:sld>
+</file>
+
+<file path=ppt/slides/slide4.xml><?xml version="1.0" encoding="utf-8"?>
 <p:sld xmlns:a="http://schemas.openxmlformats.org/drawingml/2006/main" xmlns:r="http://schemas.openxmlformats.org/officeDocument/2006/relationships" xmlns:p="http://schemas.openxmlformats.org/presentationml/2006/main">
   <p:cSld>
     <p:spTree>
@@ -4600,7 +8840,290 @@
 </p:sld>
 </file>
 
-<file path=ppt/slides/slide4.xml><?xml version="1.0" encoding="utf-8"?>
+<file path=ppt/slides/slide5.xml><?xml version="1.0" encoding="utf-8"?>
+<p:sld xmlns:a="http://schemas.openxmlformats.org/drawingml/2006/main" xmlns:r="http://schemas.openxmlformats.org/officeDocument/2006/relationships" xmlns:p="http://schemas.openxmlformats.org/presentationml/2006/main">
+  <p:cSld>
+    <p:spTree>
+      <p:nvGrpSpPr>
+        <p:cNvPr id="1" name=""/>
+        <p:cNvGrpSpPr/>
+        <p:nvPr/>
+      </p:nvGrpSpPr>
+      <p:grpSpPr>
+        <a:xfrm>
+          <a:off x="0" y="0"/>
+          <a:ext cx="0" cy="0"/>
+          <a:chOff x="0" y="0"/>
+          <a:chExt cx="0" cy="0"/>
+        </a:xfrm>
+      </p:grpSpPr>
+      <p:pic>
+        <p:nvPicPr>
+          <p:cNvPr id="3" name="Picture 2">
+            <a:extLst>
+              <a:ext uri="{FF2B5EF4-FFF2-40B4-BE49-F238E27FC236}">
+                <a16:creationId xmlns:a16="http://schemas.microsoft.com/office/drawing/2014/main" id="{8F515148-306C-40C3-8F52-95E05A891170}"/>
+              </a:ext>
+            </a:extLst>
+          </p:cNvPr>
+          <p:cNvPicPr>
+            <a:picLocks noChangeAspect="1"/>
+          </p:cNvPicPr>
+          <p:nvPr/>
+        </p:nvPicPr>
+        <p:blipFill>
+          <a:blip r:embed="rId2">
+            <a:extLst>
+              <a:ext uri="{28A0092B-C50C-407E-A947-70E740481C1C}">
+                <a14:useLocalDpi xmlns:a14="http://schemas.microsoft.com/office/drawing/2010/main" val="0"/>
+              </a:ext>
+            </a:extLst>
+          </a:blip>
+          <a:stretch>
+            <a:fillRect/>
+          </a:stretch>
+        </p:blipFill>
+        <p:spPr>
+          <a:xfrm>
+            <a:off x="2226542" y="941289"/>
+            <a:ext cx="7029844" cy="4975422"/>
+          </a:xfrm>
+          <a:prstGeom prst="rect">
+            <a:avLst/>
+          </a:prstGeom>
+        </p:spPr>
+      </p:pic>
+      <p:sp>
+        <p:nvSpPr>
+          <p:cNvPr id="8" name="TextBox 7">
+            <a:extLst>
+              <a:ext uri="{FF2B5EF4-FFF2-40B4-BE49-F238E27FC236}">
+                <a16:creationId xmlns:a16="http://schemas.microsoft.com/office/drawing/2014/main" id="{5BE8A2DA-4187-4253-BCC0-9128187A4477}"/>
+              </a:ext>
+            </a:extLst>
+          </p:cNvPr>
+          <p:cNvSpPr txBox="1"/>
+          <p:nvPr/>
+        </p:nvSpPr>
+        <p:spPr>
+          <a:xfrm>
+            <a:off x="136124" y="108476"/>
+            <a:ext cx="1431802" cy="477054"/>
+          </a:xfrm>
+          <a:prstGeom prst="rect">
+            <a:avLst/>
+          </a:prstGeom>
+          <a:noFill/>
+        </p:spPr>
+        <p:txBody>
+          <a:bodyPr wrap="none" rtlCol="0">
+            <a:spAutoFit/>
+          </a:bodyPr>
+          <a:lstStyle/>
+          <a:p>
+            <a:r>
+              <a:rPr lang="es-MX" sz="2500" b="1" dirty="0" err="1">
+                <a:solidFill>
+                  <a:schemeClr val="accent2">
+                    <a:lumMod val="40000"/>
+                    <a:lumOff val="60000"/>
+                  </a:schemeClr>
+                </a:solidFill>
+                <a:highlight>
+                  <a:srgbClr val="000000"/>
+                </a:highlight>
+                <a:latin typeface="Arial" panose="020B0604020202020204" pitchFamily="34" charset="0"/>
+                <a:cs typeface="Arial" panose="020B0604020202020204" pitchFamily="34" charset="0"/>
+              </a:rPr>
+              <a:t>Results</a:t>
+            </a:r>
+            <a:r>
+              <a:rPr lang="es-MX" sz="2500" b="1" dirty="0">
+                <a:solidFill>
+                  <a:schemeClr val="accent2">
+                    <a:lumMod val="40000"/>
+                    <a:lumOff val="60000"/>
+                  </a:schemeClr>
+                </a:solidFill>
+                <a:highlight>
+                  <a:srgbClr val="000000"/>
+                </a:highlight>
+                <a:latin typeface="Arial" panose="020B0604020202020204" pitchFamily="34" charset="0"/>
+                <a:cs typeface="Arial" panose="020B0604020202020204" pitchFamily="34" charset="0"/>
+              </a:rPr>
+              <a:t> </a:t>
+            </a:r>
+            <a:endParaRPr lang="en-US" sz="2500" b="1" dirty="0">
+              <a:solidFill>
+                <a:schemeClr val="accent2">
+                  <a:lumMod val="40000"/>
+                  <a:lumOff val="60000"/>
+                </a:schemeClr>
+              </a:solidFill>
+              <a:highlight>
+                <a:srgbClr val="000000"/>
+              </a:highlight>
+              <a:latin typeface="Arial" panose="020B0604020202020204" pitchFamily="34" charset="0"/>
+              <a:cs typeface="Arial" panose="020B0604020202020204" pitchFamily="34" charset="0"/>
+            </a:endParaRPr>
+          </a:p>
+        </p:txBody>
+      </p:sp>
+    </p:spTree>
+    <p:extLst>
+      <p:ext uri="{BB962C8B-B14F-4D97-AF65-F5344CB8AC3E}">
+        <p14:creationId xmlns:p14="http://schemas.microsoft.com/office/powerpoint/2010/main" val="4178859145"/>
+      </p:ext>
+    </p:extLst>
+  </p:cSld>
+  <p:clrMapOvr>
+    <a:masterClrMapping/>
+  </p:clrMapOvr>
+</p:sld>
+</file>
+
+<file path=ppt/slides/slide6.xml><?xml version="1.0" encoding="utf-8"?>
+<p:sld xmlns:a="http://schemas.openxmlformats.org/drawingml/2006/main" xmlns:r="http://schemas.openxmlformats.org/officeDocument/2006/relationships" xmlns:p="http://schemas.openxmlformats.org/presentationml/2006/main">
+  <p:cSld>
+    <p:spTree>
+      <p:nvGrpSpPr>
+        <p:cNvPr id="1" name=""/>
+        <p:cNvGrpSpPr/>
+        <p:nvPr/>
+      </p:nvGrpSpPr>
+      <p:grpSpPr>
+        <a:xfrm>
+          <a:off x="0" y="0"/>
+          <a:ext cx="0" cy="0"/>
+          <a:chOff x="0" y="0"/>
+          <a:chExt cx="0" cy="0"/>
+        </a:xfrm>
+      </p:grpSpPr>
+      <p:pic>
+        <p:nvPicPr>
+          <p:cNvPr id="2" name="Picture 1">
+            <a:extLst>
+              <a:ext uri="{FF2B5EF4-FFF2-40B4-BE49-F238E27FC236}">
+                <a16:creationId xmlns:a16="http://schemas.microsoft.com/office/drawing/2014/main" id="{56D793E1-6C46-4096-A896-0656DAB8939C}"/>
+              </a:ext>
+            </a:extLst>
+          </p:cNvPr>
+          <p:cNvPicPr>
+            <a:picLocks noChangeAspect="1"/>
+          </p:cNvPicPr>
+          <p:nvPr/>
+        </p:nvPicPr>
+        <p:blipFill rotWithShape="1">
+          <a:blip r:embed="rId2">
+            <a:extLst>
+              <a:ext uri="{28A0092B-C50C-407E-A947-70E740481C1C}">
+                <a14:useLocalDpi xmlns:a14="http://schemas.microsoft.com/office/drawing/2010/main" val="0"/>
+              </a:ext>
+            </a:extLst>
+          </a:blip>
+          <a:srcRect l="8203" r="7578"/>
+          <a:stretch/>
+        </p:blipFill>
+        <p:spPr>
+          <a:xfrm>
+            <a:off x="136092" y="978394"/>
+            <a:ext cx="12055908" cy="5142794"/>
+          </a:xfrm>
+          <a:prstGeom prst="rect">
+            <a:avLst/>
+          </a:prstGeom>
+        </p:spPr>
+      </p:pic>
+      <p:sp>
+        <p:nvSpPr>
+          <p:cNvPr id="3" name="TextBox 2">
+            <a:extLst>
+              <a:ext uri="{FF2B5EF4-FFF2-40B4-BE49-F238E27FC236}">
+                <a16:creationId xmlns:a16="http://schemas.microsoft.com/office/drawing/2014/main" id="{12F9B5C4-B870-42BD-B53A-A404D69D4B5B}"/>
+              </a:ext>
+            </a:extLst>
+          </p:cNvPr>
+          <p:cNvSpPr txBox="1"/>
+          <p:nvPr/>
+        </p:nvSpPr>
+        <p:spPr>
+          <a:xfrm>
+            <a:off x="136124" y="108476"/>
+            <a:ext cx="4905510" cy="477054"/>
+          </a:xfrm>
+          <a:prstGeom prst="rect">
+            <a:avLst/>
+          </a:prstGeom>
+          <a:noFill/>
+        </p:spPr>
+        <p:txBody>
+          <a:bodyPr wrap="none" rtlCol="0">
+            <a:spAutoFit/>
+          </a:bodyPr>
+          <a:lstStyle/>
+          <a:p>
+            <a:r>
+              <a:rPr lang="es-MX" sz="2500" b="1" dirty="0" err="1">
+                <a:solidFill>
+                  <a:schemeClr val="accent2">
+                    <a:lumMod val="40000"/>
+                    <a:lumOff val="60000"/>
+                  </a:schemeClr>
+                </a:solidFill>
+                <a:highlight>
+                  <a:srgbClr val="000000"/>
+                </a:highlight>
+                <a:latin typeface="Arial" panose="020B0604020202020204" pitchFamily="34" charset="0"/>
+                <a:cs typeface="Arial" panose="020B0604020202020204" pitchFamily="34" charset="0"/>
+              </a:rPr>
+              <a:t>Results</a:t>
+            </a:r>
+            <a:r>
+              <a:rPr lang="es-MX" sz="2500" b="1" dirty="0">
+                <a:solidFill>
+                  <a:schemeClr val="accent2">
+                    <a:lumMod val="40000"/>
+                    <a:lumOff val="60000"/>
+                  </a:schemeClr>
+                </a:solidFill>
+                <a:highlight>
+                  <a:srgbClr val="000000"/>
+                </a:highlight>
+                <a:latin typeface="Arial" panose="020B0604020202020204" pitchFamily="34" charset="0"/>
+                <a:cs typeface="Arial" panose="020B0604020202020204" pitchFamily="34" charset="0"/>
+              </a:rPr>
+              <a:t> (Channel 202 and 231 )</a:t>
+            </a:r>
+            <a:endParaRPr lang="en-US" sz="2500" b="1" dirty="0">
+              <a:solidFill>
+                <a:schemeClr val="accent2">
+                  <a:lumMod val="40000"/>
+                  <a:lumOff val="60000"/>
+                </a:schemeClr>
+              </a:solidFill>
+              <a:highlight>
+                <a:srgbClr val="000000"/>
+              </a:highlight>
+              <a:latin typeface="Arial" panose="020B0604020202020204" pitchFamily="34" charset="0"/>
+              <a:cs typeface="Arial" panose="020B0604020202020204" pitchFamily="34" charset="0"/>
+            </a:endParaRPr>
+          </a:p>
+        </p:txBody>
+      </p:sp>
+    </p:spTree>
+    <p:extLst>
+      <p:ext uri="{BB962C8B-B14F-4D97-AF65-F5344CB8AC3E}">
+        <p14:creationId xmlns:p14="http://schemas.microsoft.com/office/powerpoint/2010/main" val="3679606754"/>
+      </p:ext>
+    </p:extLst>
+  </p:cSld>
+  <p:clrMapOvr>
+    <a:masterClrMapping/>
+  </p:clrMapOvr>
+</p:sld>
+</file>
+
+<file path=ppt/slides/slide7.xml><?xml version="1.0" encoding="utf-8"?>
 <p:sld xmlns:a="http://schemas.openxmlformats.org/drawingml/2006/main" xmlns:r="http://schemas.openxmlformats.org/officeDocument/2006/relationships" xmlns:p="http://schemas.openxmlformats.org/presentationml/2006/main">
   <p:cSld>
     <p:spTree>
@@ -4632,7 +9155,7 @@
         <p:spPr>
           <a:xfrm>
             <a:off x="136124" y="108476"/>
-            <a:ext cx="1342034" cy="477054"/>
+            <a:ext cx="4637808" cy="477054"/>
           </a:xfrm>
           <a:prstGeom prst="rect">
             <a:avLst/>
@@ -4661,6 +9184,22 @@
               </a:rPr>
               <a:t>Results</a:t>
             </a:r>
+            <a:r>
+              <a:rPr lang="es-MX" sz="2500" b="1" dirty="0">
+                <a:solidFill>
+                  <a:schemeClr val="accent2">
+                    <a:lumMod val="40000"/>
+                    <a:lumOff val="60000"/>
+                  </a:schemeClr>
+                </a:solidFill>
+                <a:highlight>
+                  <a:srgbClr val="000000"/>
+                </a:highlight>
+                <a:latin typeface="Arial" panose="020B0604020202020204" pitchFamily="34" charset="0"/>
+                <a:cs typeface="Arial" panose="020B0604020202020204" pitchFamily="34" charset="0"/>
+              </a:rPr>
+              <a:t> (Channel 85 and 230)</a:t>
+            </a:r>
             <a:endParaRPr lang="en-US" sz="2500" b="1" dirty="0">
               <a:solidFill>
                 <a:schemeClr val="accent2">
@@ -4677,10 +9216,186 @@
           </a:p>
         </p:txBody>
       </p:sp>
+      <p:pic>
+        <p:nvPicPr>
+          <p:cNvPr id="6" name="Picture 5">
+            <a:extLst>
+              <a:ext uri="{FF2B5EF4-FFF2-40B4-BE49-F238E27FC236}">
+                <a16:creationId xmlns:a16="http://schemas.microsoft.com/office/drawing/2014/main" id="{C5B8FEEC-EF21-49B3-B26F-EF195216A64D}"/>
+              </a:ext>
+            </a:extLst>
+          </p:cNvPr>
+          <p:cNvPicPr>
+            <a:picLocks noChangeAspect="1"/>
+          </p:cNvPicPr>
+          <p:nvPr/>
+        </p:nvPicPr>
+        <p:blipFill rotWithShape="1">
+          <a:blip r:embed="rId2">
+            <a:extLst>
+              <a:ext uri="{28A0092B-C50C-407E-A947-70E740481C1C}">
+                <a14:useLocalDpi xmlns:a14="http://schemas.microsoft.com/office/drawing/2010/main" val="0"/>
+              </a:ext>
+            </a:extLst>
+          </a:blip>
+          <a:srcRect l="7039" r="7257"/>
+          <a:stretch/>
+        </p:blipFill>
+        <p:spPr>
+          <a:xfrm>
+            <a:off x="221941" y="990380"/>
+            <a:ext cx="11699784" cy="4904393"/>
+          </a:xfrm>
+          <a:prstGeom prst="rect">
+            <a:avLst/>
+          </a:prstGeom>
+        </p:spPr>
+      </p:pic>
     </p:spTree>
     <p:extLst>
       <p:ext uri="{BB962C8B-B14F-4D97-AF65-F5344CB8AC3E}">
         <p14:creationId xmlns:p14="http://schemas.microsoft.com/office/powerpoint/2010/main" val="4116350221"/>
+      </p:ext>
+    </p:extLst>
+  </p:cSld>
+  <p:clrMapOvr>
+    <a:masterClrMapping/>
+  </p:clrMapOvr>
+</p:sld>
+</file>
+
+<file path=ppt/slides/slide8.xml><?xml version="1.0" encoding="utf-8"?>
+<p:sld xmlns:a="http://schemas.openxmlformats.org/drawingml/2006/main" xmlns:r="http://schemas.openxmlformats.org/officeDocument/2006/relationships" xmlns:p="http://schemas.openxmlformats.org/presentationml/2006/main">
+  <p:cSld>
+    <p:spTree>
+      <p:nvGrpSpPr>
+        <p:cNvPr id="1" name=""/>
+        <p:cNvGrpSpPr/>
+        <p:nvPr/>
+      </p:nvGrpSpPr>
+      <p:grpSpPr>
+        <a:xfrm>
+          <a:off x="0" y="0"/>
+          <a:ext cx="0" cy="0"/>
+          <a:chOff x="0" y="0"/>
+          <a:chExt cx="0" cy="0"/>
+        </a:xfrm>
+      </p:grpSpPr>
+      <p:sp>
+        <p:nvSpPr>
+          <p:cNvPr id="2" name="TextBox 1">
+            <a:extLst>
+              <a:ext uri="{FF2B5EF4-FFF2-40B4-BE49-F238E27FC236}">
+                <a16:creationId xmlns:a16="http://schemas.microsoft.com/office/drawing/2014/main" id="{306DBEB7-BCE0-4B79-8236-063AB27B45DF}"/>
+              </a:ext>
+            </a:extLst>
+          </p:cNvPr>
+          <p:cNvSpPr txBox="1"/>
+          <p:nvPr/>
+        </p:nvSpPr>
+        <p:spPr>
+          <a:xfrm>
+            <a:off x="136124" y="108476"/>
+            <a:ext cx="4995278" cy="477054"/>
+          </a:xfrm>
+          <a:prstGeom prst="rect">
+            <a:avLst/>
+          </a:prstGeom>
+          <a:noFill/>
+        </p:spPr>
+        <p:txBody>
+          <a:bodyPr wrap="none" rtlCol="0">
+            <a:spAutoFit/>
+          </a:bodyPr>
+          <a:lstStyle/>
+          <a:p>
+            <a:r>
+              <a:rPr lang="es-MX" sz="2500" b="1" dirty="0" err="1">
+                <a:solidFill>
+                  <a:schemeClr val="accent2">
+                    <a:lumMod val="40000"/>
+                    <a:lumOff val="60000"/>
+                  </a:schemeClr>
+                </a:solidFill>
+                <a:highlight>
+                  <a:srgbClr val="000000"/>
+                </a:highlight>
+                <a:latin typeface="Arial" panose="020B0604020202020204" pitchFamily="34" charset="0"/>
+                <a:cs typeface="Arial" panose="020B0604020202020204" pitchFamily="34" charset="0"/>
+              </a:rPr>
+              <a:t>Results</a:t>
+            </a:r>
+            <a:r>
+              <a:rPr lang="es-MX" sz="2500" b="1" dirty="0">
+                <a:solidFill>
+                  <a:schemeClr val="accent2">
+                    <a:lumMod val="40000"/>
+                    <a:lumOff val="60000"/>
+                  </a:schemeClr>
+                </a:solidFill>
+                <a:highlight>
+                  <a:srgbClr val="000000"/>
+                </a:highlight>
+                <a:latin typeface="Arial" panose="020B0604020202020204" pitchFamily="34" charset="0"/>
+                <a:cs typeface="Arial" panose="020B0604020202020204" pitchFamily="34" charset="0"/>
+              </a:rPr>
+              <a:t> (Channel 85 ,83 and 84)</a:t>
+            </a:r>
+            <a:endParaRPr lang="en-US" sz="2500" b="1" dirty="0">
+              <a:solidFill>
+                <a:schemeClr val="accent2">
+                  <a:lumMod val="40000"/>
+                  <a:lumOff val="60000"/>
+                </a:schemeClr>
+              </a:solidFill>
+              <a:highlight>
+                <a:srgbClr val="000000"/>
+              </a:highlight>
+              <a:latin typeface="Arial" panose="020B0604020202020204" pitchFamily="34" charset="0"/>
+              <a:cs typeface="Arial" panose="020B0604020202020204" pitchFamily="34" charset="0"/>
+            </a:endParaRPr>
+          </a:p>
+        </p:txBody>
+      </p:sp>
+      <p:pic>
+        <p:nvPicPr>
+          <p:cNvPr id="4" name="Picture 3">
+            <a:extLst>
+              <a:ext uri="{FF2B5EF4-FFF2-40B4-BE49-F238E27FC236}">
+                <a16:creationId xmlns:a16="http://schemas.microsoft.com/office/drawing/2014/main" id="{26110065-EC25-4114-BCE1-ABCBA982065A}"/>
+              </a:ext>
+            </a:extLst>
+          </p:cNvPr>
+          <p:cNvPicPr>
+            <a:picLocks noChangeAspect="1"/>
+          </p:cNvPicPr>
+          <p:nvPr/>
+        </p:nvPicPr>
+        <p:blipFill rotWithShape="1">
+          <a:blip r:embed="rId2">
+            <a:extLst>
+              <a:ext uri="{28A0092B-C50C-407E-A947-70E740481C1C}">
+                <a14:useLocalDpi xmlns:a14="http://schemas.microsoft.com/office/drawing/2010/main" val="0"/>
+              </a:ext>
+            </a:extLst>
+          </a:blip>
+          <a:srcRect l="4609" r="6563"/>
+          <a:stretch/>
+        </p:blipFill>
+        <p:spPr>
+          <a:xfrm>
+            <a:off x="295274" y="1238678"/>
+            <a:ext cx="11750841" cy="4752547"/>
+          </a:xfrm>
+          <a:prstGeom prst="rect">
+            <a:avLst/>
+          </a:prstGeom>
+        </p:spPr>
+      </p:pic>
+    </p:spTree>
+    <p:extLst>
+      <p:ext uri="{BB962C8B-B14F-4D97-AF65-F5344CB8AC3E}">
+        <p14:creationId xmlns:p14="http://schemas.microsoft.com/office/powerpoint/2010/main" val="2604979551"/>
       </p:ext>
     </p:extLst>
   </p:cSld>
